--- a/talks/imaging_applied_optics_2016/poster_individual_sections.pptx
+++ b/talks/imaging_applied_optics_2016/poster_individual_sections.pptx
@@ -277,7 +277,7 @@
           <a:p>
             <a:fld id="{AB05826E-4202-4861-8C2F-7E8DE4A009A1}" type="datetimeFigureOut">
               <a:rPr lang="en-US" smtClean="0"/>
-              <a:t>7/23/2016</a:t>
+              <a:t>7/25/2016</a:t>
             </a:fld>
             <a:endParaRPr lang="en-US"/>
           </a:p>
@@ -372,7 +372,6 @@
               <a:rPr lang="en-US"/>
               <a:t>Fifth level</a:t>
             </a:r>
-            <a:endParaRPr lang="en-US"/>
           </a:p>
         </p:txBody>
       </p:sp>
@@ -593,6 +592,15 @@
               <a:rPr lang="en-US"/>
               <a:t>About 715 words.</a:t>
             </a:r>
+          </a:p>
+          <a:p>
+            <a:endParaRPr lang="en-US"/>
+          </a:p>
+          <a:p>
+            <a:r>
+              <a:rPr lang="en-US" baseline="0"/>
+              <a:t>Although the plane of sharp focus can be oriented to maximize focus on a tilted plane in Scheimpflug imaging, its DOF region—a wedge—is still limited. While focus stacking benefits from juxtaposing multiple DOF regions, significant portions of each DOF region extends beyond the field-of-view of the imager resulting in suboptimal utilization. We present a method for creating omnifocus images, building on the essential elements from Scheimpflug imaging and focus stacking, which consists of compositing from a stack of images obtained under multiple lens rotations. </a:t>
+            </a:r>
             <a:endParaRPr lang="en-US"/>
           </a:p>
         </p:txBody>
@@ -762,7 +770,7 @@
           <a:p>
             <a:fld id="{9D9501FF-ABFD-4A20-9D6D-E502A59752B5}" type="datetimeFigureOut">
               <a:rPr lang="en-US" smtClean="0"/>
-              <a:t>7/23/2016</a:t>
+              <a:t>7/25/2016</a:t>
             </a:fld>
             <a:endParaRPr lang="en-US"/>
           </a:p>
@@ -930,7 +938,7 @@
           <a:p>
             <a:fld id="{9D9501FF-ABFD-4A20-9D6D-E502A59752B5}" type="datetimeFigureOut">
               <a:rPr lang="en-US" smtClean="0"/>
-              <a:t>7/23/2016</a:t>
+              <a:t>7/25/2016</a:t>
             </a:fld>
             <a:endParaRPr lang="en-US"/>
           </a:p>
@@ -1108,7 +1116,7 @@
           <a:p>
             <a:fld id="{9D9501FF-ABFD-4A20-9D6D-E502A59752B5}" type="datetimeFigureOut">
               <a:rPr lang="en-US" smtClean="0"/>
-              <a:t>7/23/2016</a:t>
+              <a:t>7/25/2016</a:t>
             </a:fld>
             <a:endParaRPr lang="en-US"/>
           </a:p>
@@ -1276,7 +1284,7 @@
           <a:p>
             <a:fld id="{9D9501FF-ABFD-4A20-9D6D-E502A59752B5}" type="datetimeFigureOut">
               <a:rPr lang="en-US" smtClean="0"/>
-              <a:t>7/23/2016</a:t>
+              <a:t>7/25/2016</a:t>
             </a:fld>
             <a:endParaRPr lang="en-US"/>
           </a:p>
@@ -1521,7 +1529,7 @@
           <a:p>
             <a:fld id="{9D9501FF-ABFD-4A20-9D6D-E502A59752B5}" type="datetimeFigureOut">
               <a:rPr lang="en-US" smtClean="0"/>
-              <a:t>7/23/2016</a:t>
+              <a:t>7/25/2016</a:t>
             </a:fld>
             <a:endParaRPr lang="en-US"/>
           </a:p>
@@ -1750,7 +1758,7 @@
           <a:p>
             <a:fld id="{9D9501FF-ABFD-4A20-9D6D-E502A59752B5}" type="datetimeFigureOut">
               <a:rPr lang="en-US" smtClean="0"/>
-              <a:t>7/23/2016</a:t>
+              <a:t>7/25/2016</a:t>
             </a:fld>
             <a:endParaRPr lang="en-US"/>
           </a:p>
@@ -2114,7 +2122,7 @@
           <a:p>
             <a:fld id="{9D9501FF-ABFD-4A20-9D6D-E502A59752B5}" type="datetimeFigureOut">
               <a:rPr lang="en-US" smtClean="0"/>
-              <a:t>7/23/2016</a:t>
+              <a:t>7/25/2016</a:t>
             </a:fld>
             <a:endParaRPr lang="en-US"/>
           </a:p>
@@ -2231,7 +2239,7 @@
           <a:p>
             <a:fld id="{9D9501FF-ABFD-4A20-9D6D-E502A59752B5}" type="datetimeFigureOut">
               <a:rPr lang="en-US" smtClean="0"/>
-              <a:t>7/23/2016</a:t>
+              <a:t>7/25/2016</a:t>
             </a:fld>
             <a:endParaRPr lang="en-US"/>
           </a:p>
@@ -2326,7 +2334,7 @@
           <a:p>
             <a:fld id="{9D9501FF-ABFD-4A20-9D6D-E502A59752B5}" type="datetimeFigureOut">
               <a:rPr lang="en-US" smtClean="0"/>
-              <a:t>7/23/2016</a:t>
+              <a:t>7/25/2016</a:t>
             </a:fld>
             <a:endParaRPr lang="en-US"/>
           </a:p>
@@ -2601,7 +2609,7 @@
           <a:p>
             <a:fld id="{9D9501FF-ABFD-4A20-9D6D-E502A59752B5}" type="datetimeFigureOut">
               <a:rPr lang="en-US" smtClean="0"/>
-              <a:t>7/23/2016</a:t>
+              <a:t>7/25/2016</a:t>
             </a:fld>
             <a:endParaRPr lang="en-US"/>
           </a:p>
@@ -2856,7 +2864,7 @@
           <a:p>
             <a:fld id="{9D9501FF-ABFD-4A20-9D6D-E502A59752B5}" type="datetimeFigureOut">
               <a:rPr lang="en-US" smtClean="0"/>
-              <a:t>7/23/2016</a:t>
+              <a:t>7/25/2016</a:t>
             </a:fld>
             <a:endParaRPr lang="en-US"/>
           </a:p>
@@ -3070,7 +3078,7 @@
           <a:p>
             <a:fld id="{9D9501FF-ABFD-4A20-9D6D-E502A59752B5}" type="datetimeFigureOut">
               <a:rPr lang="en-US" smtClean="0"/>
-              <a:t>7/23/2016</a:t>
+              <a:t>7/25/2016</a:t>
             </a:fld>
             <a:endParaRPr lang="en-US"/>
           </a:p>
@@ -3524,36 +3532,85 @@
           </a:p>
         </p:txBody>
       </p:sp>
+      <p:sp>
+        <p:nvSpPr>
+          <p:cNvPr id="12" name="Rectangle 11"/>
+          <p:cNvSpPr/>
+          <p:nvPr/>
+        </p:nvSpPr>
+        <p:spPr>
+          <a:xfrm>
+            <a:off x="3787" y="11849029"/>
+            <a:ext cx="20116800" cy="659671"/>
+          </a:xfrm>
+          <a:prstGeom prst="rect">
+            <a:avLst/>
+          </a:prstGeom>
+          <a:solidFill>
+            <a:schemeClr val="bg1"/>
+          </a:solidFill>
+          <a:ln>
+            <a:noFill/>
+          </a:ln>
+        </p:spPr>
+        <p:style>
+          <a:lnRef idx="2">
+            <a:schemeClr val="accent1">
+              <a:shade val="50000"/>
+            </a:schemeClr>
+          </a:lnRef>
+          <a:fillRef idx="1">
+            <a:schemeClr val="accent1"/>
+          </a:fillRef>
+          <a:effectRef idx="0">
+            <a:schemeClr val="accent1"/>
+          </a:effectRef>
+          <a:fontRef idx="minor">
+            <a:schemeClr val="lt1"/>
+          </a:fontRef>
+        </p:style>
+        <p:txBody>
+          <a:bodyPr rtlCol="0" anchor="ctr"/>
+          <a:lstStyle/>
+          <a:p>
+            <a:pPr algn="ctr"/>
+            <a:endParaRPr lang="en-US"/>
+          </a:p>
+        </p:txBody>
+      </p:sp>
       <p:grpSp>
         <p:nvGrpSpPr>
-          <p:cNvPr id="7" name="Group 6"/>
+          <p:cNvPr id="2" name="Group 1"/>
           <p:cNvGrpSpPr/>
           <p:nvPr/>
         </p:nvGrpSpPr>
         <p:grpSpPr>
           <a:xfrm>
             <a:off x="0" y="0"/>
-            <a:ext cx="20120587" cy="12508700"/>
-            <a:chOff x="0" y="0"/>
-            <a:chExt cx="20120587" cy="12508700"/>
+            <a:ext cx="20116800" cy="914400"/>
+            <a:chOff x="914399" y="5508859"/>
+            <a:chExt cx="20116800" cy="914400"/>
           </a:xfrm>
         </p:grpSpPr>
         <p:sp>
           <p:nvSpPr>
-            <p:cNvPr id="12" name="Rectangle 11"/>
+            <p:cNvPr id="3" name="Rectangle 2"/>
             <p:cNvSpPr/>
             <p:nvPr/>
           </p:nvSpPr>
           <p:spPr>
             <a:xfrm>
-              <a:off x="3787" y="11849029"/>
-              <a:ext cx="20116800" cy="659671"/>
+              <a:off x="914399" y="5508859"/>
+              <a:ext cx="20116800" cy="914400"/>
             </a:xfrm>
             <a:prstGeom prst="rect">
               <a:avLst/>
             </a:prstGeom>
             <a:solidFill>
-              <a:schemeClr val="bg1"/>
+              <a:schemeClr val="bg1">
+                <a:lumMod val="85000"/>
+                <a:alpha val="69000"/>
+              </a:schemeClr>
             </a:solidFill>
             <a:ln>
               <a:noFill/>
@@ -3584,369 +3641,212 @@
             </a:p>
           </p:txBody>
         </p:sp>
-        <p:grpSp>
-          <p:nvGrpSpPr>
-            <p:cNvPr id="2" name="Group 1"/>
-            <p:cNvGrpSpPr/>
-            <p:nvPr/>
-          </p:nvGrpSpPr>
-          <p:grpSpPr>
-            <a:xfrm>
-              <a:off x="0" y="0"/>
-              <a:ext cx="20116800" cy="914400"/>
-              <a:chOff x="914399" y="5508859"/>
-              <a:chExt cx="20116800" cy="914400"/>
-            </a:xfrm>
-          </p:grpSpPr>
-          <p:sp>
-            <p:nvSpPr>
-              <p:cNvPr id="3" name="Rectangle 2"/>
-              <p:cNvSpPr/>
-              <p:nvPr/>
-            </p:nvSpPr>
-            <p:spPr>
-              <a:xfrm>
-                <a:off x="914399" y="5508859"/>
-                <a:ext cx="20116800" cy="914400"/>
-              </a:xfrm>
-              <a:prstGeom prst="rect">
-                <a:avLst/>
-              </a:prstGeom>
-              <a:solidFill>
-                <a:schemeClr val="bg1">
-                  <a:lumMod val="85000"/>
-                  <a:alpha val="69000"/>
-                </a:schemeClr>
-              </a:solidFill>
-              <a:ln>
-                <a:noFill/>
-              </a:ln>
-            </p:spPr>
-            <p:style>
-              <a:lnRef idx="2">
-                <a:schemeClr val="accent1">
-                  <a:shade val="50000"/>
-                </a:schemeClr>
-              </a:lnRef>
-              <a:fillRef idx="1">
-                <a:schemeClr val="accent1"/>
-              </a:fillRef>
-              <a:effectRef idx="0">
-                <a:schemeClr val="accent1"/>
-              </a:effectRef>
-              <a:fontRef idx="minor">
-                <a:schemeClr val="lt1"/>
-              </a:fontRef>
-            </p:style>
-            <p:txBody>
-              <a:bodyPr rtlCol="0" anchor="ctr"/>
-              <a:lstStyle/>
-              <a:p>
-                <a:pPr algn="ctr"/>
-                <a:endParaRPr lang="en-US"/>
-              </a:p>
-            </p:txBody>
-          </p:sp>
-          <p:sp>
-            <p:nvSpPr>
-              <p:cNvPr id="4" name="TextBox 3"/>
-              <p:cNvSpPr txBox="1"/>
-              <p:nvPr/>
-            </p:nvSpPr>
-            <p:spPr>
-              <a:xfrm>
-                <a:off x="1752599" y="5550561"/>
-                <a:ext cx="3662606" cy="830997"/>
-              </a:xfrm>
-              <a:prstGeom prst="rect">
-                <a:avLst/>
-              </a:prstGeom>
-              <a:noFill/>
-            </p:spPr>
-            <p:txBody>
-              <a:bodyPr wrap="none" rtlCol="0">
-                <a:spAutoFit/>
-              </a:bodyPr>
-              <a:lstStyle/>
-              <a:p>
-                <a:r>
-                  <a:rPr lang="en-US" sz="4800" b="1" dirty="0">
-                    <a:solidFill>
-                      <a:srgbClr val="15BCFF"/>
-                    </a:solidFill>
-                    <a:latin typeface="Segoe UI Semibold" panose="020B0702040204020203" pitchFamily="34" charset="0"/>
-                  </a:rPr>
-                  <a:t>Introduction</a:t>
-                </a:r>
-              </a:p>
-            </p:txBody>
-          </p:sp>
-        </p:grpSp>
         <p:sp>
           <p:nvSpPr>
-            <p:cNvPr id="5" name="Text Box 197"/>
-            <p:cNvSpPr txBox="1">
-              <a:spLocks noChangeArrowheads="1"/>
-            </p:cNvSpPr>
+            <p:cNvPr id="4" name="TextBox 3"/>
+            <p:cNvSpPr txBox="1"/>
             <p:nvPr/>
           </p:nvSpPr>
-          <p:spPr bwMode="auto">
+          <p:spPr>
             <a:xfrm>
-              <a:off x="4259132" y="1437525"/>
-              <a:ext cx="15520679" cy="4473552"/>
+              <a:off x="1752599" y="5550561"/>
+              <a:ext cx="3662606" cy="830997"/>
             </a:xfrm>
             <a:prstGeom prst="rect">
               <a:avLst/>
             </a:prstGeom>
             <a:noFill/>
-            <a:ln w="19050">
-              <a:noFill/>
-              <a:prstDash val="dash"/>
-              <a:miter lim="800000"/>
-              <a:headEnd/>
-              <a:tailEnd/>
-            </a:ln>
-            <a:effectLst/>
-            <a:extLst/>
           </p:spPr>
           <p:txBody>
-            <a:bodyPr lIns="228600" tIns="228600" rIns="118872" bIns="228600"/>
+            <a:bodyPr wrap="none" rtlCol="0">
+              <a:spAutoFit/>
+            </a:bodyPr>
             <a:lstStyle/>
             <a:p>
-              <a:pPr algn="just" defTabSz="4493876" fontAlgn="auto">
-                <a:spcBef>
-                  <a:spcPts val="600"/>
-                </a:spcBef>
-                <a:spcAft>
-                  <a:spcPts val="600"/>
-                </a:spcAft>
-                <a:defRPr/>
-              </a:pPr>
               <a:r>
-                <a:rPr lang="en-US" sz="3200" dirty="0">
+                <a:rPr lang="en-US" sz="4800" b="1" dirty="0">
                   <a:solidFill>
-                    <a:schemeClr val="tx1">
-                      <a:lumMod val="75000"/>
-                      <a:lumOff val="25000"/>
-                    </a:schemeClr>
+                    <a:srgbClr val="15BCFF"/>
                   </a:solidFill>
-                  <a:latin typeface="Euclid" panose="02020503060505020303" pitchFamily="18" charset="0"/>
-                  <a:ea typeface="Segoe UI Symbol" pitchFamily="34" charset="0"/>
+                  <a:latin typeface="Segoe UI Semibold" panose="020B0702040204020203" pitchFamily="34" charset="0"/>
                 </a:rPr>
-                <a:t>An </a:t>
-              </a:r>
-              <a:r>
-                <a:rPr lang="en-US" sz="3200" dirty="0">
-                  <a:solidFill>
-                    <a:srgbClr val="FF335A"/>
-                  </a:solidFill>
-                  <a:latin typeface="Euclid" panose="02020503060505020303" pitchFamily="18" charset="0"/>
-                  <a:ea typeface="Segoe UI Symbol" pitchFamily="34" charset="0"/>
-                </a:rPr>
-                <a:t>omnifocus</a:t>
-              </a:r>
-              <a:r>
-                <a:rPr lang="en-US" sz="3200" dirty="0">
-                  <a:solidFill>
-                    <a:schemeClr val="tx1">
-                      <a:lumMod val="75000"/>
-                      <a:lumOff val="25000"/>
-                    </a:schemeClr>
-                  </a:solidFill>
-                  <a:latin typeface="Euclid" panose="02020503060505020303" pitchFamily="18" charset="0"/>
-                  <a:ea typeface="Segoe UI Symbol" pitchFamily="34" charset="0"/>
-                </a:rPr>
-                <a:t> image has everything in the close foreground to far background in sharp focus.   </a:t>
+                <a:t>Introduction</a:t>
               </a:r>
             </a:p>
-            <a:p>
-              <a:pPr algn="just" defTabSz="4493876" fontAlgn="auto">
-                <a:spcBef>
-                  <a:spcPts val="600"/>
-                </a:spcBef>
-                <a:spcAft>
-                  <a:spcPts val="600"/>
-                </a:spcAft>
-                <a:defRPr/>
-              </a:pPr>
-              <a:r>
-                <a:rPr lang="en-US" sz="3200" dirty="0">
-                  <a:solidFill>
-                    <a:schemeClr val="tx1">
-                      <a:lumMod val="75000"/>
-                      <a:lumOff val="25000"/>
-                    </a:schemeClr>
-                  </a:solidFill>
-                  <a:latin typeface="Euclid" panose="02020503060505020303" pitchFamily="18" charset="0"/>
-                  <a:ea typeface="Segoe UI Symbol" pitchFamily="34" charset="0"/>
-                </a:rPr>
-                <a:t>Lenses can focus only on a single surface—usually, the </a:t>
-              </a:r>
-              <a:r>
-                <a:rPr lang="en-US" sz="3200" i="1" dirty="0">
-                  <a:solidFill>
-                    <a:schemeClr val="tx1">
-                      <a:lumMod val="75000"/>
-                      <a:lumOff val="25000"/>
-                    </a:schemeClr>
-                  </a:solidFill>
-                  <a:latin typeface="Euclid" panose="02020503060505020303" pitchFamily="18" charset="0"/>
-                  <a:ea typeface="Segoe UI Symbol" pitchFamily="34" charset="0"/>
-                </a:rPr>
-                <a:t>plane</a:t>
-              </a:r>
-              <a:r>
-                <a:rPr lang="en-US" sz="3200" dirty="0">
-                  <a:solidFill>
-                    <a:schemeClr val="tx1">
-                      <a:lumMod val="75000"/>
-                      <a:lumOff val="25000"/>
-                    </a:schemeClr>
-                  </a:solidFill>
-                  <a:latin typeface="Euclid" panose="02020503060505020303" pitchFamily="18" charset="0"/>
-                  <a:ea typeface="Segoe UI Symbol" pitchFamily="34" charset="0"/>
-                </a:rPr>
-                <a:t> of sharp focus—as dictated by the laws of physics. Consequently, objects fore and aft the plane of sharp focus gradually get out of focus and appear blurry in the image. This interplay of light and lenses leads to the limited </a:t>
-              </a:r>
-              <a:r>
-                <a:rPr lang="en-US" sz="3200" dirty="0">
-                  <a:solidFill>
-                    <a:srgbClr val="FF335A"/>
-                  </a:solidFill>
-                  <a:latin typeface="Euclid" panose="02020503060505020303" pitchFamily="18" charset="0"/>
-                  <a:ea typeface="Segoe UI Symbol" pitchFamily="34" charset="0"/>
-                </a:rPr>
-                <a:t>depth of field problem</a:t>
-              </a:r>
-              <a:r>
-                <a:rPr lang="en-US" sz="3200" dirty="0">
-                  <a:solidFill>
-                    <a:schemeClr val="tx1">
-                      <a:lumMod val="75000"/>
-                      <a:lumOff val="25000"/>
-                    </a:schemeClr>
-                  </a:solidFill>
-                  <a:latin typeface="Euclid" panose="02020503060505020303" pitchFamily="18" charset="0"/>
-                  <a:ea typeface="Segoe UI Symbol" pitchFamily="34" charset="0"/>
-                </a:rPr>
-                <a:t>.</a:t>
-              </a:r>
-              <a:r>
-                <a:rPr lang="en-US" sz="3200" dirty="0">
-                  <a:solidFill>
-                    <a:schemeClr val="bg1">
-                      <a:lumMod val="85000"/>
-                    </a:schemeClr>
-                  </a:solidFill>
-                  <a:latin typeface="Euclid" panose="02020503060505020303" pitchFamily="18" charset="0"/>
-                  <a:ea typeface="Segoe UI Symbol" pitchFamily="34" charset="0"/>
-                </a:rPr>
-                <a:t> </a:t>
-              </a:r>
-            </a:p>
-            <a:p>
-              <a:pPr algn="just" defTabSz="4493876" fontAlgn="auto">
-                <a:spcBef>
-                  <a:spcPts val="600"/>
-                </a:spcBef>
-                <a:spcAft>
-                  <a:spcPts val="600"/>
-                </a:spcAft>
-                <a:defRPr/>
-              </a:pPr>
-              <a:r>
-                <a:rPr lang="en-US" sz="3200" dirty="0">
-                  <a:solidFill>
-                    <a:schemeClr val="tx1">
-                      <a:lumMod val="75000"/>
-                      <a:lumOff val="25000"/>
-                    </a:schemeClr>
-                  </a:solidFill>
-                  <a:latin typeface="Euclid" panose="02020503060505020303" pitchFamily="18" charset="0"/>
-                  <a:ea typeface="Segoe UI Symbol" pitchFamily="34" charset="0"/>
-                </a:rPr>
-                <a:t>Several methods overcome this problem. For example, wavefront coding, plenoptic imaging, </a:t>
-              </a:r>
-              <a:r>
-                <a:rPr lang="en-US" sz="3200" dirty="0">
-                  <a:solidFill>
-                    <a:srgbClr val="FF335A"/>
-                  </a:solidFill>
-                  <a:latin typeface="Euclid" panose="02020503060505020303" pitchFamily="18" charset="0"/>
-                  <a:ea typeface="Segoe UI Symbol" pitchFamily="34" charset="0"/>
-                </a:rPr>
-                <a:t>Scheimpflug imaging</a:t>
-              </a:r>
-              <a:r>
-                <a:rPr lang="en-US" sz="3200" dirty="0">
-                  <a:solidFill>
-                    <a:schemeClr val="tx1">
-                      <a:lumMod val="75000"/>
-                      <a:lumOff val="25000"/>
-                    </a:schemeClr>
-                  </a:solidFill>
-                  <a:latin typeface="Euclid" panose="02020503060505020303" pitchFamily="18" charset="0"/>
-                  <a:ea typeface="Segoe UI Symbol" pitchFamily="34" charset="0"/>
-                </a:rPr>
-                <a:t>, </a:t>
-              </a:r>
-              <a:r>
-                <a:rPr lang="en-US" sz="3200" dirty="0">
-                  <a:solidFill>
-                    <a:srgbClr val="FF335A"/>
-                  </a:solidFill>
-                  <a:latin typeface="Euclid" panose="02020503060505020303" pitchFamily="18" charset="0"/>
-                  <a:ea typeface="Segoe UI Symbol" pitchFamily="34" charset="0"/>
-                </a:rPr>
-                <a:t>focus stacking</a:t>
-              </a:r>
-              <a:r>
-                <a:rPr lang="en-US" sz="3200" dirty="0">
-                  <a:solidFill>
-                    <a:schemeClr val="tx1">
-                      <a:lumMod val="75000"/>
-                      <a:lumOff val="25000"/>
-                    </a:schemeClr>
-                  </a:solidFill>
-                  <a:latin typeface="Euclid" panose="02020503060505020303" pitchFamily="18" charset="0"/>
-                  <a:ea typeface="Segoe UI Symbol" pitchFamily="34" charset="0"/>
-                </a:rPr>
-                <a:t>,</a:t>
-              </a:r>
-              <a:r>
-                <a:rPr lang="en-US" sz="3200" dirty="0">
-                  <a:solidFill>
-                    <a:schemeClr val="bg1">
-                      <a:lumMod val="85000"/>
-                    </a:schemeClr>
-                  </a:solidFill>
-                  <a:latin typeface="Euclid" panose="02020503060505020303" pitchFamily="18" charset="0"/>
-                  <a:ea typeface="Segoe UI Symbol" pitchFamily="34" charset="0"/>
-                </a:rPr>
-                <a:t> </a:t>
-              </a:r>
-              <a:r>
-                <a:rPr lang="en-US" sz="3200" dirty="0">
-                  <a:solidFill>
-                    <a:schemeClr val="tx1">
-                      <a:lumMod val="75000"/>
-                      <a:lumOff val="25000"/>
-                    </a:schemeClr>
-                  </a:solidFill>
-                  <a:latin typeface="Euclid" panose="02020503060505020303" pitchFamily="18" charset="0"/>
-                  <a:ea typeface="Segoe UI Symbol" pitchFamily="34" charset="0"/>
-                </a:rPr>
-                <a:t>etc.</a:t>
-              </a:r>
-            </a:p>
-            <a:p>
-              <a:pPr defTabSz="4493876" fontAlgn="auto">
-                <a:spcBef>
-                  <a:spcPts val="1200"/>
-                </a:spcBef>
-                <a:defRPr/>
-              </a:pPr>
-              <a:endParaRPr lang="en-US" sz="3200" dirty="0">
+          </p:txBody>
+        </p:sp>
+      </p:grpSp>
+      <p:sp>
+        <p:nvSpPr>
+          <p:cNvPr id="5" name="Text Box 197"/>
+          <p:cNvSpPr txBox="1">
+            <a:spLocks noChangeArrowheads="1"/>
+          </p:cNvSpPr>
+          <p:nvPr/>
+        </p:nvSpPr>
+        <p:spPr bwMode="auto">
+          <a:xfrm>
+            <a:off x="4259132" y="1437525"/>
+            <a:ext cx="15520679" cy="4473552"/>
+          </a:xfrm>
+          <a:prstGeom prst="rect">
+            <a:avLst/>
+          </a:prstGeom>
+          <a:noFill/>
+          <a:ln w="19050">
+            <a:noFill/>
+            <a:prstDash val="dash"/>
+            <a:miter lim="800000"/>
+            <a:headEnd/>
+            <a:tailEnd/>
+          </a:ln>
+          <a:effectLst/>
+          <a:extLst/>
+        </p:spPr>
+        <p:txBody>
+          <a:bodyPr lIns="228600" tIns="228600" rIns="118872" bIns="228600"/>
+          <a:lstStyle/>
+          <a:p>
+            <a:pPr algn="just" defTabSz="4493876" fontAlgn="auto">
+              <a:spcBef>
+                <a:spcPts val="600"/>
+              </a:spcBef>
+              <a:spcAft>
+                <a:spcPts val="600"/>
+              </a:spcAft>
+              <a:defRPr/>
+            </a:pPr>
+            <a:r>
+              <a:rPr lang="en-US" sz="3200" dirty="0">
+                <a:solidFill>
+                  <a:schemeClr val="tx1">
+                    <a:lumMod val="75000"/>
+                    <a:lumOff val="25000"/>
+                  </a:schemeClr>
+                </a:solidFill>
+                <a:latin typeface="Euclid" panose="02020503060505020303" pitchFamily="18" charset="0"/>
+                <a:ea typeface="Segoe UI Symbol" pitchFamily="34" charset="0"/>
+              </a:rPr>
+              <a:t>An </a:t>
+            </a:r>
+            <a:r>
+              <a:rPr lang="en-US" sz="3200" dirty="0">
+                <a:solidFill>
+                  <a:srgbClr val="FF335A"/>
+                </a:solidFill>
+                <a:latin typeface="Euclid" panose="02020503060505020303" pitchFamily="18" charset="0"/>
+                <a:ea typeface="Segoe UI Symbol" pitchFamily="34" charset="0"/>
+              </a:rPr>
+              <a:t>omnifocus</a:t>
+            </a:r>
+            <a:r>
+              <a:rPr lang="en-US" sz="3200" dirty="0">
+                <a:solidFill>
+                  <a:schemeClr val="tx1">
+                    <a:lumMod val="75000"/>
+                    <a:lumOff val="25000"/>
+                  </a:schemeClr>
+                </a:solidFill>
+                <a:latin typeface="Euclid" panose="02020503060505020303" pitchFamily="18" charset="0"/>
+                <a:ea typeface="Segoe UI Symbol" pitchFamily="34" charset="0"/>
+              </a:rPr>
+              <a:t> image has everything in the close foreground to far background in sharp focus.   </a:t>
+            </a:r>
+          </a:p>
+          <a:p>
+            <a:pPr algn="just" defTabSz="4493876" fontAlgn="auto">
+              <a:spcBef>
+                <a:spcPts val="600"/>
+              </a:spcBef>
+              <a:spcAft>
+                <a:spcPts val="600"/>
+              </a:spcAft>
+              <a:defRPr/>
+            </a:pPr>
+            <a:r>
+              <a:rPr lang="en-US" sz="3200" dirty="0">
+                <a:solidFill>
+                  <a:schemeClr val="tx1">
+                    <a:lumMod val="75000"/>
+                    <a:lumOff val="25000"/>
+                  </a:schemeClr>
+                </a:solidFill>
+                <a:latin typeface="Euclid" panose="02020503060505020303" pitchFamily="18" charset="0"/>
+                <a:ea typeface="Segoe UI Symbol" pitchFamily="34" charset="0"/>
+              </a:rPr>
+              <a:t>Lenses can focus only on a single surface—usually, the </a:t>
+            </a:r>
+            <a:r>
+              <a:rPr lang="en-US" sz="3200" i="1" dirty="0">
+                <a:solidFill>
+                  <a:schemeClr val="tx1">
+                    <a:lumMod val="75000"/>
+                    <a:lumOff val="25000"/>
+                  </a:schemeClr>
+                </a:solidFill>
+                <a:latin typeface="Euclid" panose="02020503060505020303" pitchFamily="18" charset="0"/>
+                <a:ea typeface="Segoe UI Symbol" pitchFamily="34" charset="0"/>
+              </a:rPr>
+              <a:t>plane</a:t>
+            </a:r>
+            <a:r>
+              <a:rPr lang="en-US" sz="3200" dirty="0">
+                <a:solidFill>
+                  <a:schemeClr val="tx1">
+                    <a:lumMod val="75000"/>
+                    <a:lumOff val="25000"/>
+                  </a:schemeClr>
+                </a:solidFill>
+                <a:latin typeface="Euclid" panose="02020503060505020303" pitchFamily="18" charset="0"/>
+                <a:ea typeface="Segoe UI Symbol" pitchFamily="34" charset="0"/>
+              </a:rPr>
+              <a:t> of sharp focus—as dictated by the laws of physics. Consequently, objects fore and aft the plane of sharp focus gradually get out of focus and appear blurry in the image. This interplay of light and lenses leads to the limited </a:t>
+            </a:r>
+            <a:r>
+              <a:rPr lang="en-US" sz="3200" dirty="0">
+                <a:solidFill>
+                  <a:srgbClr val="FF335A"/>
+                </a:solidFill>
+                <a:latin typeface="Euclid" panose="02020503060505020303" pitchFamily="18" charset="0"/>
+                <a:ea typeface="Segoe UI Symbol" pitchFamily="34" charset="0"/>
+              </a:rPr>
+              <a:t>depth </a:t>
+            </a:r>
+            <a:r>
+              <a:rPr lang="en-US" sz="3200">
+                <a:solidFill>
+                  <a:srgbClr val="FF335A"/>
+                </a:solidFill>
+                <a:latin typeface="Euclid" panose="02020503060505020303" pitchFamily="18" charset="0"/>
+                <a:ea typeface="Segoe UI Symbol" pitchFamily="34" charset="0"/>
+              </a:rPr>
+              <a:t>of field (DOF) </a:t>
+            </a:r>
+            <a:r>
+              <a:rPr lang="en-US" sz="3200" dirty="0">
+                <a:solidFill>
+                  <a:srgbClr val="FF335A"/>
+                </a:solidFill>
+                <a:latin typeface="Euclid" panose="02020503060505020303" pitchFamily="18" charset="0"/>
+                <a:ea typeface="Segoe UI Symbol" pitchFamily="34" charset="0"/>
+              </a:rPr>
+              <a:t>problem</a:t>
+            </a:r>
+            <a:r>
+              <a:rPr lang="en-US" sz="3200" dirty="0">
+                <a:solidFill>
+                  <a:schemeClr val="tx1">
+                    <a:lumMod val="75000"/>
+                    <a:lumOff val="25000"/>
+                  </a:schemeClr>
+                </a:solidFill>
+                <a:latin typeface="Euclid" panose="02020503060505020303" pitchFamily="18" charset="0"/>
+                <a:ea typeface="Segoe UI Symbol" pitchFamily="34" charset="0"/>
+              </a:rPr>
+              <a:t>.</a:t>
+            </a:r>
+            <a:r>
+              <a:rPr lang="en-US" sz="3200" dirty="0">
                 <a:solidFill>
                   <a:schemeClr val="bg1">
                     <a:lumMod val="85000"/>
@@ -3954,20 +3854,1456 @@
                 </a:solidFill>
                 <a:latin typeface="Euclid" panose="02020503060505020303" pitchFamily="18" charset="0"/>
                 <a:ea typeface="Segoe UI Symbol" pitchFamily="34" charset="0"/>
-              </a:endParaRPr>
+              </a:rPr>
+              <a:t> </a:t>
+            </a:r>
+          </a:p>
+          <a:p>
+            <a:pPr algn="just" defTabSz="4493876" fontAlgn="auto">
+              <a:spcBef>
+                <a:spcPts val="600"/>
+              </a:spcBef>
+              <a:spcAft>
+                <a:spcPts val="600"/>
+              </a:spcAft>
+              <a:defRPr/>
+            </a:pPr>
+            <a:r>
+              <a:rPr lang="en-US" sz="3200" dirty="0">
+                <a:solidFill>
+                  <a:schemeClr val="tx1">
+                    <a:lumMod val="75000"/>
+                    <a:lumOff val="25000"/>
+                  </a:schemeClr>
+                </a:solidFill>
+                <a:latin typeface="Euclid" panose="02020503060505020303" pitchFamily="18" charset="0"/>
+                <a:ea typeface="Segoe UI Symbol" pitchFamily="34" charset="0"/>
+              </a:rPr>
+              <a:t>Several methods overcome this problem. For example, wavefront coding, plenoptic imaging, </a:t>
+            </a:r>
+            <a:r>
+              <a:rPr lang="en-US" sz="3200" dirty="0">
+                <a:solidFill>
+                  <a:srgbClr val="FF335A"/>
+                </a:solidFill>
+                <a:latin typeface="Euclid" panose="02020503060505020303" pitchFamily="18" charset="0"/>
+                <a:ea typeface="Segoe UI Symbol" pitchFamily="34" charset="0"/>
+              </a:rPr>
+              <a:t>Scheimpflug imaging</a:t>
+            </a:r>
+            <a:r>
+              <a:rPr lang="en-US" sz="3200" dirty="0">
+                <a:solidFill>
+                  <a:schemeClr val="tx1">
+                    <a:lumMod val="75000"/>
+                    <a:lumOff val="25000"/>
+                  </a:schemeClr>
+                </a:solidFill>
+                <a:latin typeface="Euclid" panose="02020503060505020303" pitchFamily="18" charset="0"/>
+                <a:ea typeface="Segoe UI Symbol" pitchFamily="34" charset="0"/>
+              </a:rPr>
+              <a:t>, </a:t>
+            </a:r>
+            <a:r>
+              <a:rPr lang="en-US" sz="3200" dirty="0">
+                <a:solidFill>
+                  <a:srgbClr val="FF335A"/>
+                </a:solidFill>
+                <a:latin typeface="Euclid" panose="02020503060505020303" pitchFamily="18" charset="0"/>
+                <a:ea typeface="Segoe UI Symbol" pitchFamily="34" charset="0"/>
+              </a:rPr>
+              <a:t>focus stacking</a:t>
+            </a:r>
+            <a:r>
+              <a:rPr lang="en-US" sz="3200" dirty="0">
+                <a:solidFill>
+                  <a:schemeClr val="tx1">
+                    <a:lumMod val="75000"/>
+                    <a:lumOff val="25000"/>
+                  </a:schemeClr>
+                </a:solidFill>
+                <a:latin typeface="Euclid" panose="02020503060505020303" pitchFamily="18" charset="0"/>
+                <a:ea typeface="Segoe UI Symbol" pitchFamily="34" charset="0"/>
+              </a:rPr>
+              <a:t>,</a:t>
+            </a:r>
+            <a:r>
+              <a:rPr lang="en-US" sz="3200" dirty="0">
+                <a:solidFill>
+                  <a:schemeClr val="bg1">
+                    <a:lumMod val="85000"/>
+                  </a:schemeClr>
+                </a:solidFill>
+                <a:latin typeface="Euclid" panose="02020503060505020303" pitchFamily="18" charset="0"/>
+                <a:ea typeface="Segoe UI Symbol" pitchFamily="34" charset="0"/>
+              </a:rPr>
+              <a:t> </a:t>
+            </a:r>
+            <a:r>
+              <a:rPr lang="en-US" sz="3200" dirty="0">
+                <a:solidFill>
+                  <a:schemeClr val="tx1">
+                    <a:lumMod val="75000"/>
+                    <a:lumOff val="25000"/>
+                  </a:schemeClr>
+                </a:solidFill>
+                <a:latin typeface="Euclid" panose="02020503060505020303" pitchFamily="18" charset="0"/>
+                <a:ea typeface="Segoe UI Symbol" pitchFamily="34" charset="0"/>
+              </a:rPr>
+              <a:t>etc.</a:t>
+            </a:r>
+          </a:p>
+          <a:p>
+            <a:pPr defTabSz="4493876" fontAlgn="auto">
+              <a:spcBef>
+                <a:spcPts val="1200"/>
+              </a:spcBef>
+              <a:defRPr/>
+            </a:pPr>
+            <a:endParaRPr lang="en-US" sz="3200" dirty="0">
+              <a:solidFill>
+                <a:schemeClr val="bg1">
+                  <a:lumMod val="85000"/>
+                </a:schemeClr>
+              </a:solidFill>
+              <a:latin typeface="Euclid" panose="02020503060505020303" pitchFamily="18" charset="0"/>
+              <a:ea typeface="Segoe UI Symbol" pitchFamily="34" charset="0"/>
+            </a:endParaRPr>
+          </a:p>
+        </p:txBody>
+      </p:sp>
+      <p:pic>
+        <p:nvPicPr>
+          <p:cNvPr id="6" name="Picture 5"/>
+          <p:cNvPicPr>
+            <a:picLocks noChangeAspect="1"/>
+          </p:cNvPicPr>
+          <p:nvPr/>
+        </p:nvPicPr>
+        <p:blipFill>
+          <a:blip r:embed="rId3" cstate="print">
+            <a:extLst>
+              <a:ext uri="{28A0092B-C50C-407E-A947-70E740481C1C}">
+                <a14:useLocalDpi xmlns:a14="http://schemas.microsoft.com/office/drawing/2010/main" val="0"/>
+              </a:ext>
+            </a:extLst>
+          </a:blip>
+          <a:stretch>
+            <a:fillRect/>
+          </a:stretch>
+        </p:blipFill>
+        <p:spPr>
+          <a:xfrm>
+            <a:off x="470844" y="1393971"/>
+            <a:ext cx="3261695" cy="4564551"/>
+          </a:xfrm>
+          <a:prstGeom prst="rect">
+            <a:avLst/>
+          </a:prstGeom>
+          <a:effectLst>
+            <a:outerShdw blurRad="50800" dist="38100" dir="2700000" algn="tl" rotWithShape="0">
+              <a:prstClr val="black">
+                <a:alpha val="40000"/>
+              </a:prstClr>
+            </a:outerShdw>
+          </a:effectLst>
+        </p:spPr>
+      </p:pic>
+      <p:sp>
+        <p:nvSpPr>
+          <p:cNvPr id="25" name="Text Box 197"/>
+          <p:cNvSpPr txBox="1">
+            <a:spLocks noChangeArrowheads="1"/>
+          </p:cNvSpPr>
+          <p:nvPr/>
+        </p:nvSpPr>
+        <p:spPr bwMode="auto">
+          <a:xfrm>
+            <a:off x="236105" y="6275479"/>
+            <a:ext cx="11749829" cy="1989330"/>
+          </a:xfrm>
+          <a:prstGeom prst="rect">
+            <a:avLst/>
+          </a:prstGeom>
+          <a:noFill/>
+          <a:ln w="19050">
+            <a:noFill/>
+            <a:prstDash val="dash"/>
+            <a:miter lim="800000"/>
+            <a:headEnd/>
+            <a:tailEnd/>
+          </a:ln>
+          <a:effectLst/>
+          <a:extLst/>
+        </p:spPr>
+        <p:txBody>
+          <a:bodyPr lIns="228600" tIns="228600" rIns="118872" bIns="228600"/>
+          <a:lstStyle/>
+          <a:p>
+            <a:pPr algn="just" defTabSz="4493876" fontAlgn="auto">
+              <a:spcBef>
+                <a:spcPts val="600"/>
+              </a:spcBef>
+              <a:spcAft>
+                <a:spcPts val="600"/>
+              </a:spcAft>
+              <a:defRPr/>
+            </a:pPr>
+            <a:r>
+              <a:rPr lang="en-US" sz="3200" dirty="0">
+                <a:solidFill>
+                  <a:schemeClr val="tx1">
+                    <a:lumMod val="75000"/>
+                    <a:lumOff val="25000"/>
+                  </a:schemeClr>
+                </a:solidFill>
+                <a:latin typeface="Euclid" panose="02020503060505020303" pitchFamily="18" charset="0"/>
+                <a:ea typeface="Segoe UI Symbol" pitchFamily="34" charset="0"/>
+              </a:rPr>
+              <a:t>In </a:t>
+            </a:r>
+            <a:r>
+              <a:rPr lang="en-US" sz="3200" dirty="0">
+                <a:solidFill>
+                  <a:srgbClr val="FF335A"/>
+                </a:solidFill>
+                <a:latin typeface="Euclid" panose="02020503060505020303" pitchFamily="18" charset="0"/>
+                <a:ea typeface="Segoe UI Symbol" pitchFamily="34" charset="0"/>
+              </a:rPr>
+              <a:t>Scheimpflug imaging</a:t>
+            </a:r>
+            <a:r>
+              <a:rPr lang="en-US" sz="3200" dirty="0">
+                <a:solidFill>
+                  <a:schemeClr val="tx1">
+                    <a:lumMod val="75000"/>
+                    <a:lumOff val="25000"/>
+                  </a:schemeClr>
+                </a:solidFill>
+                <a:latin typeface="Euclid" panose="02020503060505020303" pitchFamily="18" charset="0"/>
+                <a:ea typeface="Segoe UI Symbol" pitchFamily="34" charset="0"/>
+              </a:rPr>
+              <a:t> the lens or the sensor or both are rotated, which induces a rotation of the plane of sharp focus allowing scenes with significant depths to be in focus.</a:t>
+            </a:r>
+          </a:p>
+        </p:txBody>
+      </p:sp>
+      <p:grpSp>
+        <p:nvGrpSpPr>
+          <p:cNvPr id="11" name="Group 10"/>
+          <p:cNvGrpSpPr/>
+          <p:nvPr/>
+        </p:nvGrpSpPr>
+        <p:grpSpPr>
+          <a:xfrm>
+            <a:off x="13487015" y="6075907"/>
+            <a:ext cx="6125549" cy="3448601"/>
+            <a:chOff x="12899435" y="6514603"/>
+            <a:chExt cx="6125549" cy="3448601"/>
+          </a:xfrm>
+        </p:grpSpPr>
+        <p:cxnSp>
+          <p:nvCxnSpPr>
+            <p:cNvPr id="32" name="Straight Connector 31"/>
+            <p:cNvCxnSpPr/>
+            <p:nvPr/>
+          </p:nvCxnSpPr>
+          <p:spPr>
+            <a:xfrm flipH="1">
+              <a:off x="19022726" y="7438437"/>
+              <a:ext cx="0" cy="1340478"/>
+            </a:xfrm>
+            <a:prstGeom prst="line">
+              <a:avLst/>
+            </a:prstGeom>
+            <a:ln w="12700">
+              <a:solidFill>
+                <a:schemeClr val="tx1">
+                  <a:lumMod val="50000"/>
+                  <a:lumOff val="50000"/>
+                </a:schemeClr>
+              </a:solidFill>
+              <a:prstDash val="dash"/>
+            </a:ln>
+          </p:spPr>
+          <p:style>
+            <a:lnRef idx="1">
+              <a:schemeClr val="accent1"/>
+            </a:lnRef>
+            <a:fillRef idx="0">
+              <a:schemeClr val="accent1"/>
+            </a:fillRef>
+            <a:effectRef idx="0">
+              <a:schemeClr val="accent1"/>
+            </a:effectRef>
+            <a:fontRef idx="minor">
+              <a:schemeClr val="tx1"/>
+            </a:fontRef>
+          </p:style>
+        </p:cxnSp>
+        <p:cxnSp>
+          <p:nvCxnSpPr>
+            <p:cNvPr id="27" name="Straight Connector 26"/>
+            <p:cNvCxnSpPr/>
+            <p:nvPr/>
+          </p:nvCxnSpPr>
+          <p:spPr>
+            <a:xfrm>
+              <a:off x="14544167" y="8127768"/>
+              <a:ext cx="4480817" cy="0"/>
+            </a:xfrm>
+            <a:prstGeom prst="line">
+              <a:avLst/>
+            </a:prstGeom>
+            <a:ln w="22225">
+              <a:solidFill>
+                <a:srgbClr val="FF335A"/>
+              </a:solidFill>
+            </a:ln>
+          </p:spPr>
+          <p:style>
+            <a:lnRef idx="1">
+              <a:schemeClr val="accent1"/>
+            </a:lnRef>
+            <a:fillRef idx="0">
+              <a:schemeClr val="accent1"/>
+            </a:fillRef>
+            <a:effectRef idx="0">
+              <a:schemeClr val="accent1"/>
+            </a:effectRef>
+            <a:fontRef idx="minor">
+              <a:schemeClr val="tx1"/>
+            </a:fontRef>
+          </p:style>
+        </p:cxnSp>
+        <p:sp>
+          <p:nvSpPr>
+            <p:cNvPr id="28" name="Cube 27"/>
+            <p:cNvSpPr/>
+            <p:nvPr/>
+          </p:nvSpPr>
+          <p:spPr>
+            <a:xfrm>
+              <a:off x="14966228" y="7836322"/>
+              <a:ext cx="1557740" cy="502679"/>
+            </a:xfrm>
+            <a:prstGeom prst="cube">
+              <a:avLst>
+                <a:gd name="adj" fmla="val 25000"/>
+              </a:avLst>
+            </a:prstGeom>
+            <a:solidFill>
+              <a:schemeClr val="bg1">
+                <a:lumMod val="65000"/>
+                <a:alpha val="85000"/>
+              </a:schemeClr>
+            </a:solidFill>
+            <a:ln w="0">
+              <a:solidFill>
+                <a:schemeClr val="tx1">
+                  <a:lumMod val="50000"/>
+                  <a:lumOff val="50000"/>
+                  <a:alpha val="34000"/>
+                </a:schemeClr>
+              </a:solidFill>
+            </a:ln>
+            <a:effectLst>
+              <a:outerShdw blurRad="76200" dist="12700" dir="13500000" sy="23000" kx="1200000" algn="br" rotWithShape="0">
+                <a:prstClr val="black">
+                  <a:alpha val="30000"/>
+                </a:prstClr>
+              </a:outerShdw>
+            </a:effectLst>
+          </p:spPr>
+          <p:style>
+            <a:lnRef idx="2">
+              <a:schemeClr val="accent1">
+                <a:shade val="50000"/>
+              </a:schemeClr>
+            </a:lnRef>
+            <a:fillRef idx="1">
+              <a:schemeClr val="accent1"/>
+            </a:fillRef>
+            <a:effectRef idx="0">
+              <a:schemeClr val="accent1"/>
+            </a:effectRef>
+            <a:fontRef idx="minor">
+              <a:schemeClr val="lt1"/>
+            </a:fontRef>
+          </p:style>
+          <p:txBody>
+            <a:bodyPr rtlCol="0" anchor="ctr"/>
+            <a:lstStyle/>
+            <a:p>
+              <a:pPr algn="ctr"/>
+              <a:endParaRPr lang="en-US"/>
             </a:p>
           </p:txBody>
         </p:sp>
+        <p:cxnSp>
+          <p:nvCxnSpPr>
+            <p:cNvPr id="33" name="Straight Connector 32"/>
+            <p:cNvCxnSpPr>
+              <a:cxnSpLocks noChangeAspect="1"/>
+            </p:cNvCxnSpPr>
+            <p:nvPr/>
+          </p:nvCxnSpPr>
+          <p:spPr>
+            <a:xfrm>
+              <a:off x="18234974" y="7508315"/>
+              <a:ext cx="235550" cy="1340478"/>
+            </a:xfrm>
+            <a:prstGeom prst="line">
+              <a:avLst/>
+            </a:prstGeom>
+            <a:ln w="12700">
+              <a:solidFill>
+                <a:schemeClr val="tx1">
+                  <a:lumMod val="50000"/>
+                  <a:lumOff val="50000"/>
+                </a:schemeClr>
+              </a:solidFill>
+              <a:prstDash val="dash"/>
+            </a:ln>
+          </p:spPr>
+          <p:style>
+            <a:lnRef idx="1">
+              <a:schemeClr val="accent1"/>
+            </a:lnRef>
+            <a:fillRef idx="0">
+              <a:schemeClr val="accent1"/>
+            </a:fillRef>
+            <a:effectRef idx="0">
+              <a:schemeClr val="accent1"/>
+            </a:effectRef>
+            <a:fontRef idx="minor">
+              <a:schemeClr val="tx1"/>
+            </a:fontRef>
+          </p:style>
+        </p:cxnSp>
+        <p:cxnSp>
+          <p:nvCxnSpPr>
+            <p:cNvPr id="29" name="Straight Connector 28"/>
+            <p:cNvCxnSpPr/>
+            <p:nvPr/>
+          </p:nvCxnSpPr>
+          <p:spPr>
+            <a:xfrm>
+              <a:off x="19024007" y="7723424"/>
+              <a:ext cx="0" cy="795057"/>
+            </a:xfrm>
+            <a:prstGeom prst="line">
+              <a:avLst/>
+            </a:prstGeom>
+            <a:ln w="38100" cap="rnd">
+              <a:solidFill>
+                <a:srgbClr val="777777"/>
+              </a:solidFill>
+              <a:round/>
+            </a:ln>
+            <a:effectLst>
+              <a:outerShdw blurRad="50800" dist="38100" dir="2700000" algn="tl" rotWithShape="0">
+                <a:prstClr val="black">
+                  <a:alpha val="40000"/>
+                </a:prstClr>
+              </a:outerShdw>
+            </a:effectLst>
+          </p:spPr>
+          <p:style>
+            <a:lnRef idx="1">
+              <a:schemeClr val="accent1"/>
+            </a:lnRef>
+            <a:fillRef idx="0">
+              <a:schemeClr val="accent1"/>
+            </a:fillRef>
+            <a:effectRef idx="0">
+              <a:schemeClr val="accent1"/>
+            </a:effectRef>
+            <a:fontRef idx="minor">
+              <a:schemeClr val="tx1"/>
+            </a:fontRef>
+          </p:style>
+        </p:cxnSp>
         <p:pic>
           <p:nvPicPr>
-            <p:cNvPr id="6" name="Picture 5"/>
+            <p:cNvPr id="30" name="lens"/>
             <p:cNvPicPr>
               <a:picLocks noChangeAspect="1"/>
             </p:cNvPicPr>
             <p:nvPr/>
           </p:nvPicPr>
           <p:blipFill>
-            <a:blip r:embed="rId3" cstate="print">
+            <a:blip r:embed="rId4" cstate="print">
+              <a:extLst>
+                <a:ext uri="{28A0092B-C50C-407E-A947-70E740481C1C}">
+                  <a14:useLocalDpi xmlns:a14="http://schemas.microsoft.com/office/drawing/2010/main" val="0"/>
+                </a:ext>
+              </a:extLst>
+            </a:blip>
+            <a:stretch>
+              <a:fillRect/>
+            </a:stretch>
+          </p:blipFill>
+          <p:spPr>
+            <a:xfrm rot="21000000">
+              <a:off x="17869856" y="7759782"/>
+              <a:ext cx="1084732" cy="806222"/>
+            </a:xfrm>
+            <a:prstGeom prst="rect">
+              <a:avLst/>
+            </a:prstGeom>
+            <a:effectLst>
+              <a:outerShdw blurRad="50800" dist="38100" dir="5400000" algn="ctr" rotWithShape="0">
+                <a:srgbClr val="000000">
+                  <a:alpha val="95000"/>
+                </a:srgbClr>
+              </a:outerShdw>
+            </a:effectLst>
+          </p:spPr>
+        </p:pic>
+        <p:sp>
+          <p:nvSpPr>
+            <p:cNvPr id="38" name="Freeform 37"/>
+            <p:cNvSpPr/>
+            <p:nvPr/>
+          </p:nvSpPr>
+          <p:spPr>
+            <a:xfrm>
+              <a:off x="12906434" y="7093731"/>
+              <a:ext cx="5748756" cy="2828062"/>
+            </a:xfrm>
+            <a:custGeom>
+              <a:avLst/>
+              <a:gdLst>
+                <a:gd name="connsiteX0" fmla="*/ 6452315 w 6452315"/>
+                <a:gd name="connsiteY0" fmla="*/ 3086637 h 3086637"/>
+                <a:gd name="connsiteX1" fmla="*/ 3078051 w 6452315"/>
+                <a:gd name="connsiteY1" fmla="*/ 0 h 3086637"/>
+                <a:gd name="connsiteX2" fmla="*/ 0 w 6452315"/>
+                <a:gd name="connsiteY2" fmla="*/ 0 h 3086637"/>
+                <a:gd name="connsiteX3" fmla="*/ 6452315 w 6452315"/>
+                <a:gd name="connsiteY3" fmla="*/ 3086637 h 3086637"/>
+              </a:gdLst>
+              <a:ahLst/>
+              <a:cxnLst>
+                <a:cxn ang="0">
+                  <a:pos x="connsiteX0" y="connsiteY0"/>
+                </a:cxn>
+                <a:cxn ang="0">
+                  <a:pos x="connsiteX1" y="connsiteY1"/>
+                </a:cxn>
+                <a:cxn ang="0">
+                  <a:pos x="connsiteX2" y="connsiteY2"/>
+                </a:cxn>
+                <a:cxn ang="0">
+                  <a:pos x="connsiteX3" y="connsiteY3"/>
+                </a:cxn>
+              </a:cxnLst>
+              <a:rect l="l" t="t" r="r" b="b"/>
+              <a:pathLst>
+                <a:path w="6452315" h="3086637">
+                  <a:moveTo>
+                    <a:pt x="6452315" y="3086637"/>
+                  </a:moveTo>
+                  <a:lnTo>
+                    <a:pt x="3078051" y="0"/>
+                  </a:lnTo>
+                  <a:lnTo>
+                    <a:pt x="0" y="0"/>
+                  </a:lnTo>
+                  <a:lnTo>
+                    <a:pt x="6452315" y="3086637"/>
+                  </a:lnTo>
+                  <a:close/>
+                </a:path>
+              </a:pathLst>
+            </a:custGeom>
+            <a:solidFill>
+              <a:schemeClr val="bg2">
+                <a:lumMod val="50000"/>
+                <a:alpha val="38000"/>
+              </a:schemeClr>
+            </a:solidFill>
+            <a:ln>
+              <a:noFill/>
+            </a:ln>
+          </p:spPr>
+          <p:style>
+            <a:lnRef idx="2">
+              <a:schemeClr val="accent1">
+                <a:shade val="50000"/>
+              </a:schemeClr>
+            </a:lnRef>
+            <a:fillRef idx="1">
+              <a:schemeClr val="accent1"/>
+            </a:fillRef>
+            <a:effectRef idx="0">
+              <a:schemeClr val="accent1"/>
+            </a:effectRef>
+            <a:fontRef idx="minor">
+              <a:schemeClr val="lt1"/>
+            </a:fontRef>
+          </p:style>
+          <p:txBody>
+            <a:bodyPr rtlCol="0" anchor="ctr"/>
+            <a:lstStyle/>
+            <a:p>
+              <a:pPr algn="ctr"/>
+              <a:endParaRPr lang="en-US"/>
+            </a:p>
+          </p:txBody>
+        </p:sp>
+        <p:cxnSp>
+          <p:nvCxnSpPr>
+            <p:cNvPr id="31" name="Straight Connector 30"/>
+            <p:cNvCxnSpPr>
+              <a:cxnSpLocks noChangeAspect="1"/>
+            </p:cNvCxnSpPr>
+            <p:nvPr/>
+          </p:nvCxnSpPr>
+          <p:spPr>
+            <a:xfrm flipH="1">
+              <a:off x="17323998" y="8059571"/>
+              <a:ext cx="1680306" cy="309130"/>
+            </a:xfrm>
+            <a:prstGeom prst="line">
+              <a:avLst/>
+            </a:prstGeom>
+            <a:ln w="22225" cap="rnd">
+              <a:solidFill>
+                <a:srgbClr val="FF8000"/>
+              </a:solidFill>
+              <a:prstDash val="dash"/>
+              <a:round/>
+            </a:ln>
+          </p:spPr>
+          <p:style>
+            <a:lnRef idx="1">
+              <a:schemeClr val="accent1"/>
+            </a:lnRef>
+            <a:fillRef idx="0">
+              <a:schemeClr val="accent1"/>
+            </a:fillRef>
+            <a:effectRef idx="0">
+              <a:schemeClr val="accent1"/>
+            </a:effectRef>
+            <a:fontRef idx="minor">
+              <a:schemeClr val="tx1"/>
+            </a:fontRef>
+          </p:style>
+        </p:cxnSp>
+        <p:sp>
+          <p:nvSpPr>
+            <p:cNvPr id="34" name="Oval 33"/>
+            <p:cNvSpPr>
+              <a:spLocks noChangeAspect="1"/>
+            </p:cNvSpPr>
+            <p:nvPr/>
+          </p:nvSpPr>
+          <p:spPr>
+            <a:xfrm>
+              <a:off x="18592470" y="8099967"/>
+              <a:ext cx="61010" cy="62740"/>
+            </a:xfrm>
+            <a:prstGeom prst="ellipse">
+              <a:avLst/>
+            </a:prstGeom>
+            <a:solidFill>
+              <a:srgbClr val="FFC000"/>
+            </a:solidFill>
+            <a:ln w="6350">
+              <a:solidFill>
+                <a:schemeClr val="tx1">
+                  <a:lumMod val="85000"/>
+                  <a:lumOff val="15000"/>
+                </a:schemeClr>
+              </a:solidFill>
+            </a:ln>
+          </p:spPr>
+          <p:style>
+            <a:lnRef idx="2">
+              <a:schemeClr val="accent1">
+                <a:shade val="50000"/>
+              </a:schemeClr>
+            </a:lnRef>
+            <a:fillRef idx="1">
+              <a:schemeClr val="accent1"/>
+            </a:fillRef>
+            <a:effectRef idx="0">
+              <a:schemeClr val="accent1"/>
+            </a:effectRef>
+            <a:fontRef idx="minor">
+              <a:schemeClr val="lt1"/>
+            </a:fontRef>
+          </p:style>
+          <p:txBody>
+            <a:bodyPr rtlCol="0" anchor="ctr"/>
+            <a:lstStyle/>
+            <a:p>
+              <a:pPr algn="ctr"/>
+              <a:endParaRPr lang="en-US"/>
+            </a:p>
+          </p:txBody>
+        </p:sp>
+        <p:cxnSp>
+          <p:nvCxnSpPr>
+            <p:cNvPr id="36" name="Straight Connector 35"/>
+            <p:cNvCxnSpPr>
+              <a:cxnSpLocks/>
+            </p:cNvCxnSpPr>
+            <p:nvPr/>
+          </p:nvCxnSpPr>
+          <p:spPr>
+            <a:xfrm>
+              <a:off x="14713583" y="7108333"/>
+              <a:ext cx="3935392" cy="2809159"/>
+            </a:xfrm>
+            <a:prstGeom prst="line">
+              <a:avLst/>
+            </a:prstGeom>
+            <a:ln w="22225" cap="rnd">
+              <a:solidFill>
+                <a:schemeClr val="tx1">
+                  <a:lumMod val="50000"/>
+                  <a:lumOff val="50000"/>
+                </a:schemeClr>
+              </a:solidFill>
+              <a:prstDash val="dash"/>
+            </a:ln>
+          </p:spPr>
+          <p:style>
+            <a:lnRef idx="1">
+              <a:schemeClr val="accent1"/>
+            </a:lnRef>
+            <a:fillRef idx="0">
+              <a:schemeClr val="accent1"/>
+            </a:fillRef>
+            <a:effectRef idx="0">
+              <a:schemeClr val="accent1"/>
+            </a:effectRef>
+            <a:fontRef idx="minor">
+              <a:schemeClr val="tx1"/>
+            </a:fontRef>
+          </p:style>
+        </p:cxnSp>
+        <p:sp>
+          <p:nvSpPr>
+            <p:cNvPr id="43" name="Oval 42"/>
+            <p:cNvSpPr/>
+            <p:nvPr/>
+          </p:nvSpPr>
+          <p:spPr>
+            <a:xfrm>
+              <a:off x="18641849" y="9900464"/>
+              <a:ext cx="61010" cy="62740"/>
+            </a:xfrm>
+            <a:prstGeom prst="ellipse">
+              <a:avLst/>
+            </a:prstGeom>
+            <a:solidFill>
+              <a:schemeClr val="tx1">
+                <a:lumMod val="50000"/>
+                <a:lumOff val="50000"/>
+              </a:schemeClr>
+            </a:solidFill>
+            <a:ln w="6350">
+              <a:noFill/>
+            </a:ln>
+          </p:spPr>
+          <p:style>
+            <a:lnRef idx="2">
+              <a:schemeClr val="accent1">
+                <a:shade val="50000"/>
+              </a:schemeClr>
+            </a:lnRef>
+            <a:fillRef idx="1">
+              <a:schemeClr val="accent1"/>
+            </a:fillRef>
+            <a:effectRef idx="0">
+              <a:schemeClr val="accent1"/>
+            </a:effectRef>
+            <a:fontRef idx="minor">
+              <a:schemeClr val="lt1"/>
+            </a:fontRef>
+          </p:style>
+          <p:txBody>
+            <a:bodyPr rtlCol="0" anchor="ctr"/>
+            <a:lstStyle/>
+            <a:p>
+              <a:pPr algn="ctr"/>
+              <a:endParaRPr lang="en-US"/>
+            </a:p>
+          </p:txBody>
+        </p:sp>
+        <p:sp>
+          <p:nvSpPr>
+            <p:cNvPr id="44" name="Rectangle 43"/>
+            <p:cNvSpPr/>
+            <p:nvPr/>
+          </p:nvSpPr>
+          <p:spPr>
+            <a:xfrm>
+              <a:off x="13178408" y="6514603"/>
+              <a:ext cx="2148027" cy="461665"/>
+            </a:xfrm>
+            <a:prstGeom prst="rect">
+              <a:avLst/>
+            </a:prstGeom>
+          </p:spPr>
+          <p:txBody>
+            <a:bodyPr wrap="square">
+              <a:spAutoFit/>
+            </a:bodyPr>
+            <a:lstStyle/>
+            <a:p>
+              <a:r>
+                <a:rPr lang="en-US" sz="2400" dirty="0">
+                  <a:solidFill>
+                    <a:srgbClr val="17B2B6"/>
+                  </a:solidFill>
+                  <a:latin typeface="Euclid" panose="02020503060505020303" pitchFamily="18" charset="0"/>
+                  <a:ea typeface="Segoe UI Symbol" pitchFamily="34" charset="0"/>
+                </a:rPr>
+                <a:t>Depth of field</a:t>
+              </a:r>
+              <a:endParaRPr lang="en-US" sz="2800" dirty="0">
+                <a:solidFill>
+                  <a:srgbClr val="17B2B6"/>
+                </a:solidFill>
+              </a:endParaRPr>
+            </a:p>
+          </p:txBody>
+        </p:sp>
+        <p:sp>
+          <p:nvSpPr>
+            <p:cNvPr id="45" name="Left Brace 44"/>
+            <p:cNvSpPr/>
+            <p:nvPr/>
+          </p:nvSpPr>
+          <p:spPr>
+            <a:xfrm rot="5400000">
+              <a:off x="14225097" y="5612189"/>
+              <a:ext cx="94109" cy="2745433"/>
+            </a:xfrm>
+            <a:prstGeom prst="leftBrace">
+              <a:avLst>
+                <a:gd name="adj1" fmla="val 40540"/>
+                <a:gd name="adj2" fmla="val 50000"/>
+              </a:avLst>
+            </a:prstGeom>
+            <a:ln w="19050">
+              <a:solidFill>
+                <a:schemeClr val="tx1">
+                  <a:lumMod val="50000"/>
+                  <a:lumOff val="50000"/>
+                </a:schemeClr>
+              </a:solidFill>
+            </a:ln>
+          </p:spPr>
+          <p:style>
+            <a:lnRef idx="1">
+              <a:schemeClr val="accent1"/>
+            </a:lnRef>
+            <a:fillRef idx="0">
+              <a:schemeClr val="accent1"/>
+            </a:fillRef>
+            <a:effectRef idx="0">
+              <a:schemeClr val="accent1"/>
+            </a:effectRef>
+            <a:fontRef idx="minor">
+              <a:schemeClr val="tx1"/>
+            </a:fontRef>
+          </p:style>
+          <p:txBody>
+            <a:bodyPr rtlCol="0" anchor="ctr"/>
+            <a:lstStyle/>
+            <a:p>
+              <a:pPr algn="ctr"/>
+              <a:endParaRPr lang="en-US"/>
+            </a:p>
+          </p:txBody>
+        </p:sp>
+        <p:sp>
+          <p:nvSpPr>
+            <p:cNvPr id="49" name="Rectangle 48"/>
+            <p:cNvSpPr/>
+            <p:nvPr/>
+          </p:nvSpPr>
+          <p:spPr>
+            <a:xfrm>
+              <a:off x="16390961" y="7126615"/>
+              <a:ext cx="1629004" cy="461665"/>
+            </a:xfrm>
+            <a:prstGeom prst="rect">
+              <a:avLst/>
+            </a:prstGeom>
+          </p:spPr>
+          <p:txBody>
+            <a:bodyPr wrap="square">
+              <a:spAutoFit/>
+            </a:bodyPr>
+            <a:lstStyle/>
+            <a:p>
+              <a:r>
+                <a:rPr lang="en-US" sz="2400" dirty="0">
+                  <a:solidFill>
+                    <a:srgbClr val="17B2B6"/>
+                  </a:solidFill>
+                  <a:latin typeface="Euclid" panose="02020503060505020303" pitchFamily="18" charset="0"/>
+                  <a:ea typeface="Segoe UI Symbol" pitchFamily="34" charset="0"/>
+                </a:rPr>
+                <a:t>Lens plane</a:t>
+              </a:r>
+              <a:endParaRPr lang="en-US" sz="2800" dirty="0">
+                <a:solidFill>
+                  <a:srgbClr val="17B2B6"/>
+                </a:solidFill>
+              </a:endParaRPr>
+            </a:p>
+          </p:txBody>
+        </p:sp>
+        <p:sp>
+          <p:nvSpPr>
+            <p:cNvPr id="50" name="Rectangle 49"/>
+            <p:cNvSpPr/>
+            <p:nvPr/>
+          </p:nvSpPr>
+          <p:spPr>
+            <a:xfrm>
+              <a:off x="16834514" y="6755108"/>
+              <a:ext cx="1866120" cy="461665"/>
+            </a:xfrm>
+            <a:prstGeom prst="rect">
+              <a:avLst/>
+            </a:prstGeom>
+          </p:spPr>
+          <p:txBody>
+            <a:bodyPr wrap="square">
+              <a:spAutoFit/>
+            </a:bodyPr>
+            <a:lstStyle/>
+            <a:p>
+              <a:r>
+                <a:rPr lang="en-US" sz="2400" dirty="0">
+                  <a:solidFill>
+                    <a:srgbClr val="17B2B6"/>
+                  </a:solidFill>
+                  <a:latin typeface="Euclid" panose="02020503060505020303" pitchFamily="18" charset="0"/>
+                  <a:ea typeface="Segoe UI Symbol" pitchFamily="34" charset="0"/>
+                </a:rPr>
+                <a:t>Sensor plane</a:t>
+              </a:r>
+              <a:endParaRPr lang="en-US" sz="2800" dirty="0">
+                <a:solidFill>
+                  <a:srgbClr val="17B2B6"/>
+                </a:solidFill>
+              </a:endParaRPr>
+            </a:p>
+          </p:txBody>
+        </p:sp>
+        <p:sp>
+          <p:nvSpPr>
+            <p:cNvPr id="52" name="Rectangle 51"/>
+            <p:cNvSpPr/>
+            <p:nvPr/>
+          </p:nvSpPr>
+          <p:spPr>
+            <a:xfrm>
+              <a:off x="13644627" y="8706029"/>
+              <a:ext cx="3055670" cy="461665"/>
+            </a:xfrm>
+            <a:prstGeom prst="rect">
+              <a:avLst/>
+            </a:prstGeom>
+          </p:spPr>
+          <p:txBody>
+            <a:bodyPr wrap="square">
+              <a:spAutoFit/>
+            </a:bodyPr>
+            <a:lstStyle/>
+            <a:p>
+              <a:r>
+                <a:rPr lang="en-US" sz="2400" dirty="0">
+                  <a:solidFill>
+                    <a:srgbClr val="17B2B6"/>
+                  </a:solidFill>
+                  <a:latin typeface="Euclid" panose="02020503060505020303" pitchFamily="18" charset="0"/>
+                  <a:ea typeface="Segoe UI Symbol" pitchFamily="34" charset="0"/>
+                </a:rPr>
+                <a:t>Plane of sharp focus</a:t>
+              </a:r>
+              <a:endParaRPr lang="en-US" sz="2800" dirty="0">
+                <a:solidFill>
+                  <a:srgbClr val="17B2B6"/>
+                </a:solidFill>
+              </a:endParaRPr>
+            </a:p>
+          </p:txBody>
+        </p:sp>
+        <p:sp>
+          <p:nvSpPr>
+            <p:cNvPr id="54" name="Arc 53"/>
+            <p:cNvSpPr/>
+            <p:nvPr/>
+          </p:nvSpPr>
+          <p:spPr>
+            <a:xfrm>
+              <a:off x="15653130" y="7689992"/>
+              <a:ext cx="1252192" cy="1287704"/>
+            </a:xfrm>
+            <a:prstGeom prst="arc">
+              <a:avLst>
+                <a:gd name="adj1" fmla="val 1780666"/>
+                <a:gd name="adj2" fmla="val 4194096"/>
+              </a:avLst>
+            </a:prstGeom>
+            <a:ln w="12700">
+              <a:solidFill>
+                <a:schemeClr val="tx1">
+                  <a:lumMod val="75000"/>
+                  <a:lumOff val="25000"/>
+                </a:schemeClr>
+              </a:solidFill>
+              <a:headEnd type="triangle" w="med" len="lg"/>
+            </a:ln>
+          </p:spPr>
+          <p:style>
+            <a:lnRef idx="1">
+              <a:schemeClr val="accent1"/>
+            </a:lnRef>
+            <a:fillRef idx="0">
+              <a:schemeClr val="accent1"/>
+            </a:fillRef>
+            <a:effectRef idx="0">
+              <a:schemeClr val="accent1"/>
+            </a:effectRef>
+            <a:fontRef idx="minor">
+              <a:schemeClr val="tx1"/>
+            </a:fontRef>
+          </p:style>
+          <p:txBody>
+            <a:bodyPr rtlCol="0" anchor="ctr"/>
+            <a:lstStyle/>
+            <a:p>
+              <a:pPr algn="ctr"/>
+              <a:endParaRPr lang="en-US"/>
+            </a:p>
+          </p:txBody>
+        </p:sp>
+        <p:sp>
+          <p:nvSpPr>
+            <p:cNvPr id="55" name="Arc 54"/>
+            <p:cNvSpPr/>
+            <p:nvPr/>
+          </p:nvSpPr>
+          <p:spPr>
+            <a:xfrm>
+              <a:off x="17536367" y="7350235"/>
+              <a:ext cx="783195" cy="805406"/>
+            </a:xfrm>
+            <a:prstGeom prst="arc">
+              <a:avLst>
+                <a:gd name="adj1" fmla="val 16200000"/>
+                <a:gd name="adj2" fmla="val 19144503"/>
+              </a:avLst>
+            </a:prstGeom>
+            <a:ln w="12700">
+              <a:solidFill>
+                <a:schemeClr val="tx1">
+                  <a:lumMod val="75000"/>
+                  <a:lumOff val="25000"/>
+                </a:schemeClr>
+              </a:solidFill>
+              <a:headEnd type="none" w="med" len="lg"/>
+              <a:tailEnd type="triangle" w="med" len="lg"/>
+            </a:ln>
+          </p:spPr>
+          <p:style>
+            <a:lnRef idx="1">
+              <a:schemeClr val="accent1"/>
+            </a:lnRef>
+            <a:fillRef idx="0">
+              <a:schemeClr val="accent1"/>
+            </a:fillRef>
+            <a:effectRef idx="0">
+              <a:schemeClr val="accent1"/>
+            </a:effectRef>
+            <a:fontRef idx="minor">
+              <a:schemeClr val="tx1"/>
+            </a:fontRef>
+          </p:style>
+          <p:txBody>
+            <a:bodyPr rtlCol="0" anchor="ctr"/>
+            <a:lstStyle/>
+            <a:p>
+              <a:pPr algn="ctr"/>
+              <a:endParaRPr lang="en-US"/>
+            </a:p>
+          </p:txBody>
+        </p:sp>
+        <p:sp>
+          <p:nvSpPr>
+            <p:cNvPr id="56" name="Arc 55"/>
+            <p:cNvSpPr/>
+            <p:nvPr/>
+          </p:nvSpPr>
+          <p:spPr>
+            <a:xfrm>
+              <a:off x="18236152" y="6977696"/>
+              <a:ext cx="783195" cy="805406"/>
+            </a:xfrm>
+            <a:prstGeom prst="arc">
+              <a:avLst>
+                <a:gd name="adj1" fmla="val 16200000"/>
+                <a:gd name="adj2" fmla="val 234645"/>
+              </a:avLst>
+            </a:prstGeom>
+            <a:ln w="12700">
+              <a:solidFill>
+                <a:schemeClr val="tx1">
+                  <a:lumMod val="75000"/>
+                  <a:lumOff val="25000"/>
+                </a:schemeClr>
+              </a:solidFill>
+              <a:headEnd type="none" w="med" len="lg"/>
+              <a:tailEnd type="triangle" w="med" len="lg"/>
+            </a:ln>
+          </p:spPr>
+          <p:style>
+            <a:lnRef idx="1">
+              <a:schemeClr val="accent1"/>
+            </a:lnRef>
+            <a:fillRef idx="0">
+              <a:schemeClr val="accent1"/>
+            </a:fillRef>
+            <a:effectRef idx="0">
+              <a:schemeClr val="accent1"/>
+            </a:effectRef>
+            <a:fontRef idx="minor">
+              <a:schemeClr val="tx1"/>
+            </a:fontRef>
+          </p:style>
+          <p:txBody>
+            <a:bodyPr rtlCol="0" anchor="ctr"/>
+            <a:lstStyle/>
+            <a:p>
+              <a:pPr algn="ctr"/>
+              <a:endParaRPr lang="en-US"/>
+            </a:p>
+          </p:txBody>
+        </p:sp>
+      </p:grpSp>
+      <p:sp>
+        <p:nvSpPr>
+          <p:cNvPr id="40" name="Text Box 197"/>
+          <p:cNvSpPr txBox="1">
+            <a:spLocks noChangeArrowheads="1"/>
+          </p:cNvSpPr>
+          <p:nvPr/>
+        </p:nvSpPr>
+        <p:spPr bwMode="auto">
+          <a:xfrm>
+            <a:off x="239389" y="8084546"/>
+            <a:ext cx="11738179" cy="3890851"/>
+          </a:xfrm>
+          <a:prstGeom prst="rect">
+            <a:avLst/>
+          </a:prstGeom>
+          <a:noFill/>
+          <a:ln w="19050">
+            <a:noFill/>
+            <a:prstDash val="dash"/>
+            <a:miter lim="800000"/>
+            <a:headEnd/>
+            <a:tailEnd/>
+          </a:ln>
+          <a:effectLst/>
+          <a:extLst/>
+        </p:spPr>
+        <p:txBody>
+          <a:bodyPr lIns="228600" tIns="228600" rIns="118872" bIns="228600"/>
+          <a:lstStyle/>
+          <a:p>
+            <a:pPr algn="just" defTabSz="4493876" fontAlgn="auto">
+              <a:spcBef>
+                <a:spcPts val="1200"/>
+              </a:spcBef>
+              <a:defRPr/>
+            </a:pPr>
+            <a:r>
+              <a:rPr lang="en-US" sz="3200" dirty="0">
+                <a:solidFill>
+                  <a:schemeClr val="tx1">
+                    <a:lumMod val="75000"/>
+                    <a:lumOff val="25000"/>
+                  </a:schemeClr>
+                </a:solidFill>
+                <a:latin typeface="Euclid" panose="02020503060505020303" pitchFamily="18" charset="0"/>
+                <a:ea typeface="Segoe UI Symbol" pitchFamily="34" charset="0"/>
+              </a:rPr>
+              <a:t>In </a:t>
+            </a:r>
+            <a:r>
+              <a:rPr lang="en-US" sz="3200" dirty="0">
+                <a:solidFill>
+                  <a:srgbClr val="FF335A"/>
+                </a:solidFill>
+                <a:latin typeface="Euclid" panose="02020503060505020303" pitchFamily="18" charset="0"/>
+                <a:ea typeface="Segoe UI Symbol" pitchFamily="34" charset="0"/>
+              </a:rPr>
+              <a:t>focus stacking</a:t>
+            </a:r>
+            <a:r>
+              <a:rPr lang="en-US" sz="3200" dirty="0">
+                <a:solidFill>
+                  <a:schemeClr val="tx1">
+                    <a:lumMod val="75000"/>
+                    <a:lumOff val="25000"/>
+                  </a:schemeClr>
+                </a:solidFill>
+                <a:latin typeface="Euclid" panose="02020503060505020303" pitchFamily="18" charset="0"/>
+                <a:ea typeface="Segoe UI Symbol" pitchFamily="34" charset="0"/>
+              </a:rPr>
+              <a:t>, images are captured at multiple focus depths. Therefore, regions only at specific depths are in focus in a single image. Collectively, however, the stack contains the whole scene in focus distributed amongst the images. </a:t>
+            </a:r>
+          </a:p>
+          <a:p>
+            <a:pPr algn="just" defTabSz="4493876" fontAlgn="auto">
+              <a:spcBef>
+                <a:spcPts val="1200"/>
+              </a:spcBef>
+              <a:defRPr/>
+            </a:pPr>
+            <a:r>
+              <a:rPr lang="en-US" sz="3200" dirty="0">
+                <a:solidFill>
+                  <a:schemeClr val="tx1">
+                    <a:lumMod val="75000"/>
+                    <a:lumOff val="25000"/>
+                  </a:schemeClr>
+                </a:solidFill>
+                <a:latin typeface="Euclid" panose="02020503060505020303" pitchFamily="18" charset="0"/>
+                <a:ea typeface="Segoe UI Symbol" pitchFamily="34" charset="0"/>
+              </a:rPr>
+              <a:t>An omnifocus image is created by registering the images, followed by identifying and blending the in-focus regions. </a:t>
+            </a:r>
+          </a:p>
+        </p:txBody>
+      </p:sp>
+      <p:grpSp>
+        <p:nvGrpSpPr>
+          <p:cNvPr id="53" name="Group 52"/>
+          <p:cNvGrpSpPr/>
+          <p:nvPr/>
+        </p:nvGrpSpPr>
+        <p:grpSpPr>
+          <a:xfrm>
+            <a:off x="12919102" y="9461871"/>
+            <a:ext cx="6868537" cy="3025663"/>
+            <a:chOff x="1498800" y="1548409"/>
+            <a:chExt cx="6868537" cy="3025663"/>
+          </a:xfrm>
+        </p:grpSpPr>
+        <p:sp>
+          <p:nvSpPr>
+            <p:cNvPr id="57" name="TextBox 56"/>
+            <p:cNvSpPr txBox="1"/>
+            <p:nvPr/>
+          </p:nvSpPr>
+          <p:spPr>
+            <a:xfrm>
+              <a:off x="1841263" y="3582319"/>
+              <a:ext cx="3025876" cy="369332"/>
+            </a:xfrm>
+            <a:prstGeom prst="rect">
+              <a:avLst/>
+            </a:prstGeom>
+            <a:solidFill>
+              <a:schemeClr val="bg1"/>
+            </a:solidFill>
+          </p:spPr>
+          <p:txBody>
+            <a:bodyPr wrap="square" rtlCol="0">
+              <a:spAutoFit/>
+            </a:bodyPr>
+            <a:lstStyle/>
+            <a:p>
+              <a:r>
+                <a:rPr lang="en-US" sz="1800" b="1" dirty="0">
+                  <a:solidFill>
+                    <a:schemeClr val="bg1">
+                      <a:lumMod val="75000"/>
+                    </a:schemeClr>
+                  </a:solidFill>
+                  <a:latin typeface="Segoe WP" panose="020B0502040204020203" pitchFamily="34" charset="0"/>
+                  <a:cs typeface="Segoe WP" panose="020B0502040204020203" pitchFamily="34" charset="0"/>
+                </a:rPr>
+                <a:t>DEEP OBJECT SPACE</a:t>
+              </a:r>
+              <a:endParaRPr lang="en-US" sz="2000" b="1" dirty="0">
+                <a:solidFill>
+                  <a:schemeClr val="bg1">
+                    <a:lumMod val="75000"/>
+                  </a:schemeClr>
+                </a:solidFill>
+                <a:latin typeface="Segoe WP" panose="020B0502040204020203" pitchFamily="34" charset="0"/>
+                <a:cs typeface="Segoe WP" panose="020B0502040204020203" pitchFamily="34" charset="0"/>
+              </a:endParaRPr>
+            </a:p>
+          </p:txBody>
+        </p:sp>
+        <p:cxnSp>
+          <p:nvCxnSpPr>
+            <p:cNvPr id="58" name="optical axis"/>
+            <p:cNvCxnSpPr/>
+            <p:nvPr/>
+          </p:nvCxnSpPr>
+          <p:spPr>
+            <a:xfrm>
+              <a:off x="1498800" y="3091100"/>
+              <a:ext cx="6629400" cy="0"/>
+            </a:xfrm>
+            <a:prstGeom prst="line">
+              <a:avLst/>
+            </a:prstGeom>
+            <a:ln w="22225">
+              <a:solidFill>
+                <a:srgbClr val="F5504E"/>
+              </a:solidFill>
+            </a:ln>
+          </p:spPr>
+          <p:style>
+            <a:lnRef idx="1">
+              <a:schemeClr val="accent1"/>
+            </a:lnRef>
+            <a:fillRef idx="0">
+              <a:schemeClr val="accent1"/>
+            </a:fillRef>
+            <a:effectRef idx="0">
+              <a:schemeClr val="accent1"/>
+            </a:effectRef>
+            <a:fontRef idx="minor">
+              <a:schemeClr val="tx1"/>
+            </a:fontRef>
+          </p:style>
+        </p:cxnSp>
+        <p:sp>
+          <p:nvSpPr>
+            <p:cNvPr id="59" name="Cube 58"/>
+            <p:cNvSpPr/>
+            <p:nvPr/>
+          </p:nvSpPr>
+          <p:spPr>
+            <a:xfrm>
+              <a:off x="4261924" y="2824644"/>
+              <a:ext cx="356259" cy="353802"/>
+            </a:xfrm>
+            <a:prstGeom prst="cube">
+              <a:avLst>
+                <a:gd name="adj" fmla="val 25000"/>
+              </a:avLst>
+            </a:prstGeom>
+            <a:solidFill>
+              <a:schemeClr val="bg1">
+                <a:lumMod val="65000"/>
+                <a:alpha val="85000"/>
+              </a:schemeClr>
+            </a:solidFill>
+            <a:ln w="0">
+              <a:solidFill>
+                <a:schemeClr val="tx1">
+                  <a:lumMod val="50000"/>
+                  <a:lumOff val="50000"/>
+                  <a:alpha val="34000"/>
+                </a:schemeClr>
+              </a:solidFill>
+            </a:ln>
+            <a:effectLst>
+              <a:outerShdw blurRad="76200" dist="12700" dir="13500000" sy="23000" kx="1200000" algn="br" rotWithShape="0">
+                <a:prstClr val="black">
+                  <a:alpha val="48000"/>
+                </a:prstClr>
+              </a:outerShdw>
+            </a:effectLst>
+          </p:spPr>
+          <p:style>
+            <a:lnRef idx="2">
+              <a:schemeClr val="accent1">
+                <a:shade val="50000"/>
+              </a:schemeClr>
+            </a:lnRef>
+            <a:fillRef idx="1">
+              <a:schemeClr val="accent1"/>
+            </a:fillRef>
+            <a:effectRef idx="0">
+              <a:schemeClr val="accent1"/>
+            </a:effectRef>
+            <a:fontRef idx="minor">
+              <a:schemeClr val="lt1"/>
+            </a:fontRef>
+          </p:style>
+          <p:txBody>
+            <a:bodyPr rtlCol="0" anchor="ctr"/>
+            <a:lstStyle/>
+            <a:p>
+              <a:pPr algn="ctr"/>
+              <a:endParaRPr lang="en-US"/>
+            </a:p>
+          </p:txBody>
+        </p:sp>
+        <p:cxnSp>
+          <p:nvCxnSpPr>
+            <p:cNvPr id="60" name="sensor"/>
+            <p:cNvCxnSpPr/>
+            <p:nvPr/>
+          </p:nvCxnSpPr>
+          <p:spPr>
+            <a:xfrm>
+              <a:off x="8116485" y="2689513"/>
+              <a:ext cx="0" cy="794416"/>
+            </a:xfrm>
+            <a:prstGeom prst="line">
+              <a:avLst/>
+            </a:prstGeom>
+            <a:ln w="38100" cap="rnd">
+              <a:solidFill>
+                <a:srgbClr val="777777"/>
+              </a:solidFill>
+              <a:round/>
+            </a:ln>
+            <a:effectLst>
+              <a:outerShdw blurRad="50800" dist="38100" dir="2700000" algn="tl" rotWithShape="0">
+                <a:prstClr val="black">
+                  <a:alpha val="40000"/>
+                </a:prstClr>
+              </a:outerShdw>
+            </a:effectLst>
+          </p:spPr>
+          <p:style>
+            <a:lnRef idx="1">
+              <a:schemeClr val="accent1"/>
+            </a:lnRef>
+            <a:fillRef idx="0">
+              <a:schemeClr val="accent1"/>
+            </a:fillRef>
+            <a:effectRef idx="0">
+              <a:schemeClr val="accent1"/>
+            </a:effectRef>
+            <a:fontRef idx="minor">
+              <a:schemeClr val="tx1"/>
+            </a:fontRef>
+          </p:style>
+        </p:cxnSp>
+        <p:pic>
+          <p:nvPicPr>
+            <p:cNvPr id="61" name="lens"/>
+            <p:cNvPicPr>
+              <a:picLocks noChangeAspect="1"/>
+            </p:cNvPicPr>
+            <p:nvPr/>
+          </p:nvPicPr>
+          <p:blipFill>
+            <a:blip r:embed="rId5" cstate="print">
               <a:extLst>
                 <a:ext uri="{28A0092B-C50C-407E-A947-70E740481C1C}">
                   <a14:useLocalDpi xmlns:a14="http://schemas.microsoft.com/office/drawing/2010/main" val="0"/>
@@ -3980,434 +5316,409 @@
           </p:blipFill>
           <p:spPr>
             <a:xfrm>
-              <a:off x="470844" y="1393971"/>
-              <a:ext cx="3261695" cy="4564551"/>
+              <a:off x="6701493" y="2692337"/>
+              <a:ext cx="1114594" cy="805572"/>
             </a:xfrm>
             <a:prstGeom prst="rect">
               <a:avLst/>
             </a:prstGeom>
             <a:effectLst>
-              <a:outerShdw blurRad="50800" dist="38100" dir="2700000" algn="tl" rotWithShape="0">
-                <a:prstClr val="black">
-                  <a:alpha val="40000"/>
-                </a:prstClr>
+              <a:outerShdw blurRad="50800" dist="38100" dir="5400000" algn="ctr" rotWithShape="0">
+                <a:srgbClr val="000000">
+                  <a:alpha val="95000"/>
+                </a:srgbClr>
               </a:outerShdw>
             </a:effectLst>
           </p:spPr>
         </p:pic>
         <p:sp>
           <p:nvSpPr>
-            <p:cNvPr id="25" name="Text Box 197"/>
-            <p:cNvSpPr txBox="1">
-              <a:spLocks noChangeArrowheads="1"/>
-            </p:cNvSpPr>
+            <p:cNvPr id="62" name="Cube 61"/>
+            <p:cNvSpPr/>
             <p:nvPr/>
           </p:nvSpPr>
-          <p:spPr bwMode="auto">
+          <p:spPr>
             <a:xfrm>
-              <a:off x="236105" y="6275479"/>
-              <a:ext cx="11749829" cy="1989330"/>
+              <a:off x="1712831" y="2824644"/>
+              <a:ext cx="356259" cy="353802"/>
+            </a:xfrm>
+            <a:prstGeom prst="cube">
+              <a:avLst>
+                <a:gd name="adj" fmla="val 25000"/>
+              </a:avLst>
+            </a:prstGeom>
+            <a:solidFill>
+              <a:schemeClr val="bg1">
+                <a:lumMod val="65000"/>
+                <a:alpha val="85000"/>
+              </a:schemeClr>
+            </a:solidFill>
+            <a:ln w="0">
+              <a:solidFill>
+                <a:schemeClr val="tx1">
+                  <a:lumMod val="50000"/>
+                  <a:lumOff val="50000"/>
+                  <a:alpha val="34000"/>
+                </a:schemeClr>
+              </a:solidFill>
+            </a:ln>
+            <a:effectLst>
+              <a:outerShdw blurRad="76200" dist="12700" dir="13500000" sy="23000" kx="1200000" algn="br" rotWithShape="0">
+                <a:prstClr val="black">
+                  <a:alpha val="48000"/>
+                </a:prstClr>
+              </a:outerShdw>
+            </a:effectLst>
+          </p:spPr>
+          <p:style>
+            <a:lnRef idx="2">
+              <a:schemeClr val="accent1">
+                <a:shade val="50000"/>
+              </a:schemeClr>
+            </a:lnRef>
+            <a:fillRef idx="1">
+              <a:schemeClr val="accent1"/>
+            </a:fillRef>
+            <a:effectRef idx="0">
+              <a:schemeClr val="accent1"/>
+            </a:effectRef>
+            <a:fontRef idx="minor">
+              <a:schemeClr val="lt1"/>
+            </a:fontRef>
+          </p:style>
+          <p:txBody>
+            <a:bodyPr rtlCol="0" anchor="ctr"/>
+            <a:lstStyle/>
+            <a:p>
+              <a:pPr algn="ctr"/>
+              <a:endParaRPr lang="en-US"/>
+            </a:p>
+          </p:txBody>
+        </p:sp>
+        <p:sp>
+          <p:nvSpPr>
+            <p:cNvPr id="63" name="Cube 62"/>
+            <p:cNvSpPr/>
+            <p:nvPr/>
+          </p:nvSpPr>
+          <p:spPr>
+            <a:xfrm>
+              <a:off x="2560481" y="2824644"/>
+              <a:ext cx="356259" cy="353802"/>
+            </a:xfrm>
+            <a:prstGeom prst="cube">
+              <a:avLst>
+                <a:gd name="adj" fmla="val 25000"/>
+              </a:avLst>
+            </a:prstGeom>
+            <a:solidFill>
+              <a:schemeClr val="bg1">
+                <a:lumMod val="65000"/>
+                <a:alpha val="85000"/>
+              </a:schemeClr>
+            </a:solidFill>
+            <a:ln w="0">
+              <a:solidFill>
+                <a:schemeClr val="tx1">
+                  <a:lumMod val="50000"/>
+                  <a:lumOff val="50000"/>
+                  <a:alpha val="34000"/>
+                </a:schemeClr>
+              </a:solidFill>
+            </a:ln>
+            <a:effectLst>
+              <a:outerShdw blurRad="76200" dist="12700" dir="13500000" sy="23000" kx="1200000" algn="br" rotWithShape="0">
+                <a:prstClr val="black">
+                  <a:alpha val="48000"/>
+                </a:prstClr>
+              </a:outerShdw>
+            </a:effectLst>
+          </p:spPr>
+          <p:style>
+            <a:lnRef idx="2">
+              <a:schemeClr val="accent1">
+                <a:shade val="50000"/>
+              </a:schemeClr>
+            </a:lnRef>
+            <a:fillRef idx="1">
+              <a:schemeClr val="accent1"/>
+            </a:fillRef>
+            <a:effectRef idx="0">
+              <a:schemeClr val="accent1"/>
+            </a:effectRef>
+            <a:fontRef idx="minor">
+              <a:schemeClr val="lt1"/>
+            </a:fontRef>
+          </p:style>
+          <p:txBody>
+            <a:bodyPr rtlCol="0" anchor="ctr"/>
+            <a:lstStyle/>
+            <a:p>
+              <a:pPr algn="ctr"/>
+              <a:endParaRPr lang="en-US"/>
+            </a:p>
+          </p:txBody>
+        </p:sp>
+        <p:sp>
+          <p:nvSpPr>
+            <p:cNvPr id="64" name="Cube 63"/>
+            <p:cNvSpPr/>
+            <p:nvPr/>
+          </p:nvSpPr>
+          <p:spPr>
+            <a:xfrm>
+              <a:off x="3408131" y="2824644"/>
+              <a:ext cx="356259" cy="353802"/>
+            </a:xfrm>
+            <a:prstGeom prst="cube">
+              <a:avLst>
+                <a:gd name="adj" fmla="val 25000"/>
+              </a:avLst>
+            </a:prstGeom>
+            <a:solidFill>
+              <a:schemeClr val="bg1">
+                <a:lumMod val="65000"/>
+                <a:alpha val="85000"/>
+              </a:schemeClr>
+            </a:solidFill>
+            <a:ln w="0">
+              <a:solidFill>
+                <a:schemeClr val="tx1">
+                  <a:lumMod val="50000"/>
+                  <a:lumOff val="50000"/>
+                  <a:alpha val="34000"/>
+                </a:schemeClr>
+              </a:solidFill>
+            </a:ln>
+            <a:effectLst>
+              <a:outerShdw blurRad="76200" dist="12700" dir="13500000" sy="23000" kx="1200000" algn="br" rotWithShape="0">
+                <a:prstClr val="black">
+                  <a:alpha val="48000"/>
+                </a:prstClr>
+              </a:outerShdw>
+            </a:effectLst>
+          </p:spPr>
+          <p:style>
+            <a:lnRef idx="2">
+              <a:schemeClr val="accent1">
+                <a:shade val="50000"/>
+              </a:schemeClr>
+            </a:lnRef>
+            <a:fillRef idx="1">
+              <a:schemeClr val="accent1"/>
+            </a:fillRef>
+            <a:effectRef idx="0">
+              <a:schemeClr val="accent1"/>
+            </a:effectRef>
+            <a:fontRef idx="minor">
+              <a:schemeClr val="lt1"/>
+            </a:fontRef>
+          </p:style>
+          <p:txBody>
+            <a:bodyPr rtlCol="0" anchor="ctr"/>
+            <a:lstStyle/>
+            <a:p>
+              <a:pPr algn="ctr"/>
+              <a:endParaRPr lang="en-US"/>
+            </a:p>
+          </p:txBody>
+        </p:sp>
+        <p:sp>
+          <p:nvSpPr>
+            <p:cNvPr id="65" name="Cube 64"/>
+            <p:cNvSpPr/>
+            <p:nvPr/>
+          </p:nvSpPr>
+          <p:spPr>
+            <a:xfrm>
+              <a:off x="5103367" y="2824644"/>
+              <a:ext cx="356259" cy="353802"/>
+            </a:xfrm>
+            <a:prstGeom prst="cube">
+              <a:avLst>
+                <a:gd name="adj" fmla="val 25000"/>
+              </a:avLst>
+            </a:prstGeom>
+            <a:solidFill>
+              <a:schemeClr val="bg1">
+                <a:lumMod val="65000"/>
+                <a:alpha val="85000"/>
+              </a:schemeClr>
+            </a:solidFill>
+            <a:ln w="0">
+              <a:solidFill>
+                <a:schemeClr val="tx1">
+                  <a:lumMod val="50000"/>
+                  <a:lumOff val="50000"/>
+                  <a:alpha val="34000"/>
+                </a:schemeClr>
+              </a:solidFill>
+            </a:ln>
+            <a:effectLst>
+              <a:outerShdw blurRad="76200" dist="12700" dir="13500000" sy="23000" kx="1200000" algn="br" rotWithShape="0">
+                <a:prstClr val="black">
+                  <a:alpha val="48000"/>
+                </a:prstClr>
+              </a:outerShdw>
+            </a:effectLst>
+          </p:spPr>
+          <p:style>
+            <a:lnRef idx="2">
+              <a:schemeClr val="accent1">
+                <a:shade val="50000"/>
+              </a:schemeClr>
+            </a:lnRef>
+            <a:fillRef idx="1">
+              <a:schemeClr val="accent1"/>
+            </a:fillRef>
+            <a:effectRef idx="0">
+              <a:schemeClr val="accent1"/>
+            </a:effectRef>
+            <a:fontRef idx="minor">
+              <a:schemeClr val="lt1"/>
+            </a:fontRef>
+          </p:style>
+          <p:txBody>
+            <a:bodyPr rtlCol="0" anchor="ctr"/>
+            <a:lstStyle/>
+            <a:p>
+              <a:pPr algn="ctr"/>
+              <a:endParaRPr lang="en-US"/>
+            </a:p>
+          </p:txBody>
+        </p:sp>
+        <p:sp>
+          <p:nvSpPr>
+            <p:cNvPr id="66" name="Cube 65"/>
+            <p:cNvSpPr/>
+            <p:nvPr/>
+          </p:nvSpPr>
+          <p:spPr>
+            <a:xfrm>
+              <a:off x="5963367" y="2824644"/>
+              <a:ext cx="356259" cy="353802"/>
+            </a:xfrm>
+            <a:prstGeom prst="cube">
+              <a:avLst>
+                <a:gd name="adj" fmla="val 25000"/>
+              </a:avLst>
+            </a:prstGeom>
+            <a:solidFill>
+              <a:schemeClr val="bg1">
+                <a:lumMod val="65000"/>
+                <a:alpha val="85000"/>
+              </a:schemeClr>
+            </a:solidFill>
+            <a:ln w="0">
+              <a:solidFill>
+                <a:schemeClr val="tx1">
+                  <a:lumMod val="50000"/>
+                  <a:lumOff val="50000"/>
+                  <a:alpha val="34000"/>
+                </a:schemeClr>
+              </a:solidFill>
+            </a:ln>
+            <a:effectLst>
+              <a:outerShdw blurRad="76200" dist="12700" dir="13500000" sy="23000" kx="1200000" algn="br" rotWithShape="0">
+                <a:prstClr val="black">
+                  <a:alpha val="48000"/>
+                </a:prstClr>
+              </a:outerShdw>
+            </a:effectLst>
+          </p:spPr>
+          <p:style>
+            <a:lnRef idx="2">
+              <a:schemeClr val="accent1">
+                <a:shade val="50000"/>
+              </a:schemeClr>
+            </a:lnRef>
+            <a:fillRef idx="1">
+              <a:schemeClr val="accent1"/>
+            </a:fillRef>
+            <a:effectRef idx="0">
+              <a:schemeClr val="accent1"/>
+            </a:effectRef>
+            <a:fontRef idx="minor">
+              <a:schemeClr val="lt1"/>
+            </a:fontRef>
+          </p:style>
+          <p:txBody>
+            <a:bodyPr rtlCol="0" anchor="ctr"/>
+            <a:lstStyle/>
+            <a:p>
+              <a:pPr algn="ctr"/>
+              <a:endParaRPr lang="en-US"/>
+            </a:p>
+          </p:txBody>
+        </p:sp>
+        <p:sp>
+          <p:nvSpPr>
+            <p:cNvPr id="67" name="TextBox 66"/>
+            <p:cNvSpPr txBox="1"/>
+            <p:nvPr/>
+          </p:nvSpPr>
+          <p:spPr>
+            <a:xfrm>
+              <a:off x="6701493" y="3743075"/>
+              <a:ext cx="1648574" cy="830997"/>
             </a:xfrm>
             <a:prstGeom prst="rect">
               <a:avLst/>
             </a:prstGeom>
             <a:noFill/>
-            <a:ln w="19050">
-              <a:noFill/>
-              <a:prstDash val="dash"/>
-              <a:miter lim="800000"/>
-              <a:headEnd/>
-              <a:tailEnd/>
-            </a:ln>
-            <a:effectLst/>
-            <a:extLst/>
           </p:spPr>
           <p:txBody>
-            <a:bodyPr lIns="228600" tIns="228600" rIns="118872" bIns="228600"/>
+            <a:bodyPr wrap="square" rtlCol="0">
+              <a:spAutoFit/>
+            </a:bodyPr>
             <a:lstStyle/>
             <a:p>
-              <a:pPr algn="just" defTabSz="4493876" fontAlgn="auto">
-                <a:spcBef>
-                  <a:spcPts val="600"/>
-                </a:spcBef>
-                <a:spcAft>
-                  <a:spcPts val="600"/>
-                </a:spcAft>
-                <a:defRPr/>
-              </a:pPr>
+              <a:pPr algn="r"/>
               <a:r>
-                <a:rPr lang="en-US" sz="3200" dirty="0">
+                <a:rPr lang="en-US" sz="2400" dirty="0">
                   <a:solidFill>
-                    <a:schemeClr val="tx1">
-                      <a:lumMod val="75000"/>
-                      <a:lumOff val="25000"/>
-                    </a:schemeClr>
+                    <a:srgbClr val="17B2B6"/>
                   </a:solidFill>
                   <a:latin typeface="Euclid" panose="02020503060505020303" pitchFamily="18" charset="0"/>
                   <a:ea typeface="Segoe UI Symbol" pitchFamily="34" charset="0"/>
                 </a:rPr>
-                <a:t>In </a:t>
-              </a:r>
-              <a:r>
-                <a:rPr lang="en-US" sz="3200" dirty="0">
-                  <a:solidFill>
-                    <a:srgbClr val="FF335A"/>
-                  </a:solidFill>
-                  <a:latin typeface="Euclid" panose="02020503060505020303" pitchFamily="18" charset="0"/>
-                  <a:ea typeface="Segoe UI Symbol" pitchFamily="34" charset="0"/>
-                </a:rPr>
-                <a:t>Scheimpflug imaging</a:t>
-              </a:r>
-              <a:r>
-                <a:rPr lang="en-US" sz="3200" dirty="0">
-                  <a:solidFill>
-                    <a:schemeClr val="tx1">
-                      <a:lumMod val="75000"/>
-                      <a:lumOff val="25000"/>
-                    </a:schemeClr>
-                  </a:solidFill>
-                  <a:latin typeface="Euclid" panose="02020503060505020303" pitchFamily="18" charset="0"/>
-                  <a:ea typeface="Segoe UI Symbol" pitchFamily="34" charset="0"/>
-                </a:rPr>
-                <a:t> the lens or the sensor or both are rotated, which induces a rotation of the plane of sharp focus allowing scenes with significant depths to be in focus.</a:t>
+                <a:t>Sensor translation</a:t>
               </a:r>
             </a:p>
           </p:txBody>
         </p:sp>
         <p:grpSp>
           <p:nvGrpSpPr>
-            <p:cNvPr id="11" name="Group 10"/>
+            <p:cNvPr id="68" name="Group 67"/>
             <p:cNvGrpSpPr/>
             <p:nvPr/>
           </p:nvGrpSpPr>
           <p:grpSpPr>
             <a:xfrm>
-              <a:off x="13487015" y="6075907"/>
-              <a:ext cx="6125549" cy="3448601"/>
-              <a:chOff x="12899435" y="6514603"/>
-              <a:chExt cx="6125549" cy="3448601"/>
+              <a:off x="6105325" y="2126983"/>
+              <a:ext cx="87358" cy="1956631"/>
+              <a:chOff x="8066380" y="1937068"/>
+              <a:chExt cx="135466" cy="3034146"/>
             </a:xfrm>
           </p:grpSpPr>
-          <p:cxnSp>
-            <p:nvCxnSpPr>
-              <p:cNvPr id="32" name="Straight Connector 31"/>
-              <p:cNvCxnSpPr/>
-              <p:nvPr/>
-            </p:nvCxnSpPr>
-            <p:spPr>
-              <a:xfrm flipH="1">
-                <a:off x="19022726" y="7438437"/>
-                <a:ext cx="0" cy="1340478"/>
-              </a:xfrm>
-              <a:prstGeom prst="line">
-                <a:avLst/>
-              </a:prstGeom>
-              <a:ln w="12700">
-                <a:solidFill>
-                  <a:schemeClr val="tx1">
-                    <a:lumMod val="50000"/>
-                    <a:lumOff val="50000"/>
-                  </a:schemeClr>
-                </a:solidFill>
-                <a:prstDash val="dash"/>
-              </a:ln>
-            </p:spPr>
-            <p:style>
-              <a:lnRef idx="1">
-                <a:schemeClr val="accent1"/>
-              </a:lnRef>
-              <a:fillRef idx="0">
-                <a:schemeClr val="accent1"/>
-              </a:fillRef>
-              <a:effectRef idx="0">
-                <a:schemeClr val="accent1"/>
-              </a:effectRef>
-              <a:fontRef idx="minor">
-                <a:schemeClr val="tx1"/>
-              </a:fontRef>
-            </p:style>
-          </p:cxnSp>
-          <p:cxnSp>
-            <p:nvCxnSpPr>
-              <p:cNvPr id="27" name="Straight Connector 26"/>
-              <p:cNvCxnSpPr/>
-              <p:nvPr/>
-            </p:nvCxnSpPr>
-            <p:spPr>
-              <a:xfrm>
-                <a:off x="14544167" y="8127768"/>
-                <a:ext cx="4480817" cy="0"/>
-              </a:xfrm>
-              <a:prstGeom prst="line">
-                <a:avLst/>
-              </a:prstGeom>
-              <a:ln w="22225">
-                <a:solidFill>
-                  <a:srgbClr val="FF335A"/>
-                </a:solidFill>
-              </a:ln>
-            </p:spPr>
-            <p:style>
-              <a:lnRef idx="1">
-                <a:schemeClr val="accent1"/>
-              </a:lnRef>
-              <a:fillRef idx="0">
-                <a:schemeClr val="accent1"/>
-              </a:fillRef>
-              <a:effectRef idx="0">
-                <a:schemeClr val="accent1"/>
-              </a:effectRef>
-              <a:fontRef idx="minor">
-                <a:schemeClr val="tx1"/>
-              </a:fontRef>
-            </p:style>
-          </p:cxnSp>
           <p:sp>
             <p:nvSpPr>
-              <p:cNvPr id="28" name="Cube 27"/>
+              <p:cNvPr id="101" name="Rectangle 100"/>
               <p:cNvSpPr/>
               <p:nvPr/>
             </p:nvSpPr>
             <p:spPr>
               <a:xfrm>
-                <a:off x="14966228" y="7836322"/>
-                <a:ext cx="1557740" cy="502679"/>
-              </a:xfrm>
-              <a:prstGeom prst="cube">
-                <a:avLst>
-                  <a:gd name="adj" fmla="val 25000"/>
-                </a:avLst>
-              </a:prstGeom>
-              <a:solidFill>
-                <a:schemeClr val="bg1">
-                  <a:lumMod val="65000"/>
-                  <a:alpha val="85000"/>
-                </a:schemeClr>
-              </a:solidFill>
-              <a:ln w="0">
-                <a:solidFill>
-                  <a:schemeClr val="tx1">
-                    <a:lumMod val="50000"/>
-                    <a:lumOff val="50000"/>
-                    <a:alpha val="34000"/>
-                  </a:schemeClr>
-                </a:solidFill>
-              </a:ln>
-              <a:effectLst>
-                <a:outerShdw blurRad="76200" dist="12700" dir="13500000" sy="23000" kx="1200000" algn="br" rotWithShape="0">
-                  <a:prstClr val="black">
-                    <a:alpha val="30000"/>
-                  </a:prstClr>
-                </a:outerShdw>
-              </a:effectLst>
-            </p:spPr>
-            <p:style>
-              <a:lnRef idx="2">
-                <a:schemeClr val="accent1">
-                  <a:shade val="50000"/>
-                </a:schemeClr>
-              </a:lnRef>
-              <a:fillRef idx="1">
-                <a:schemeClr val="accent1"/>
-              </a:fillRef>
-              <a:effectRef idx="0">
-                <a:schemeClr val="accent1"/>
-              </a:effectRef>
-              <a:fontRef idx="minor">
-                <a:schemeClr val="lt1"/>
-              </a:fontRef>
-            </p:style>
-            <p:txBody>
-              <a:bodyPr rtlCol="0" anchor="ctr"/>
-              <a:lstStyle/>
-              <a:p>
-                <a:pPr algn="ctr"/>
-                <a:endParaRPr lang="en-US"/>
-              </a:p>
-            </p:txBody>
-          </p:sp>
-          <p:cxnSp>
-            <p:nvCxnSpPr>
-              <p:cNvPr id="33" name="Straight Connector 32"/>
-              <p:cNvCxnSpPr>
-                <a:cxnSpLocks noChangeAspect="1"/>
-              </p:cNvCxnSpPr>
-              <p:nvPr/>
-            </p:nvCxnSpPr>
-            <p:spPr>
-              <a:xfrm>
-                <a:off x="18234974" y="7508315"/>
-                <a:ext cx="235550" cy="1340478"/>
-              </a:xfrm>
-              <a:prstGeom prst="line">
-                <a:avLst/>
-              </a:prstGeom>
-              <a:ln w="12700">
-                <a:solidFill>
-                  <a:schemeClr val="tx1">
-                    <a:lumMod val="50000"/>
-                    <a:lumOff val="50000"/>
-                  </a:schemeClr>
-                </a:solidFill>
-                <a:prstDash val="dash"/>
-              </a:ln>
-            </p:spPr>
-            <p:style>
-              <a:lnRef idx="1">
-                <a:schemeClr val="accent1"/>
-              </a:lnRef>
-              <a:fillRef idx="0">
-                <a:schemeClr val="accent1"/>
-              </a:fillRef>
-              <a:effectRef idx="0">
-                <a:schemeClr val="accent1"/>
-              </a:effectRef>
-              <a:fontRef idx="minor">
-                <a:schemeClr val="tx1"/>
-              </a:fontRef>
-            </p:style>
-          </p:cxnSp>
-          <p:cxnSp>
-            <p:nvCxnSpPr>
-              <p:cNvPr id="29" name="Straight Connector 28"/>
-              <p:cNvCxnSpPr/>
-              <p:nvPr/>
-            </p:nvCxnSpPr>
-            <p:spPr>
-              <a:xfrm>
-                <a:off x="19024007" y="7723424"/>
-                <a:ext cx="0" cy="795057"/>
-              </a:xfrm>
-              <a:prstGeom prst="line">
-                <a:avLst/>
-              </a:prstGeom>
-              <a:ln w="38100" cap="rnd">
-                <a:solidFill>
-                  <a:srgbClr val="777777"/>
-                </a:solidFill>
-                <a:round/>
-              </a:ln>
-              <a:effectLst>
-                <a:outerShdw blurRad="50800" dist="38100" dir="2700000" algn="tl" rotWithShape="0">
-                  <a:prstClr val="black">
-                    <a:alpha val="40000"/>
-                  </a:prstClr>
-                </a:outerShdw>
-              </a:effectLst>
-            </p:spPr>
-            <p:style>
-              <a:lnRef idx="1">
-                <a:schemeClr val="accent1"/>
-              </a:lnRef>
-              <a:fillRef idx="0">
-                <a:schemeClr val="accent1"/>
-              </a:fillRef>
-              <a:effectRef idx="0">
-                <a:schemeClr val="accent1"/>
-              </a:effectRef>
-              <a:fontRef idx="minor">
-                <a:schemeClr val="tx1"/>
-              </a:fontRef>
-            </p:style>
-          </p:cxnSp>
-          <p:pic>
-            <p:nvPicPr>
-              <p:cNvPr id="30" name="lens"/>
-              <p:cNvPicPr>
-                <a:picLocks noChangeAspect="1"/>
-              </p:cNvPicPr>
-              <p:nvPr/>
-            </p:nvPicPr>
-            <p:blipFill>
-              <a:blip r:embed="rId4" cstate="print">
-                <a:extLst>
-                  <a:ext uri="{28A0092B-C50C-407E-A947-70E740481C1C}">
-                    <a14:useLocalDpi xmlns:a14="http://schemas.microsoft.com/office/drawing/2010/main" val="0"/>
-                  </a:ext>
-                </a:extLst>
-              </a:blip>
-              <a:stretch>
-                <a:fillRect/>
-              </a:stretch>
-            </p:blipFill>
-            <p:spPr>
-              <a:xfrm rot="21000000">
-                <a:off x="17869856" y="7759782"/>
-                <a:ext cx="1084732" cy="806222"/>
+                <a:off x="8066380" y="1937068"/>
+                <a:ext cx="135466" cy="3034146"/>
               </a:xfrm>
               <a:prstGeom prst="rect">
                 <a:avLst/>
               </a:prstGeom>
-              <a:effectLst>
-                <a:outerShdw blurRad="50800" dist="38100" dir="5400000" algn="ctr" rotWithShape="0">
-                  <a:srgbClr val="000000">
-                    <a:alpha val="95000"/>
-                  </a:srgbClr>
-                </a:outerShdw>
-              </a:effectLst>
-            </p:spPr>
-          </p:pic>
-          <p:sp>
-            <p:nvSpPr>
-              <p:cNvPr id="38" name="Freeform 37"/>
-              <p:cNvSpPr/>
-              <p:nvPr/>
-            </p:nvSpPr>
-            <p:spPr>
-              <a:xfrm>
-                <a:off x="12906434" y="7093731"/>
-                <a:ext cx="5748756" cy="2828062"/>
-              </a:xfrm>
-              <a:custGeom>
-                <a:avLst/>
-                <a:gdLst>
-                  <a:gd name="connsiteX0" fmla="*/ 6452315 w 6452315"/>
-                  <a:gd name="connsiteY0" fmla="*/ 3086637 h 3086637"/>
-                  <a:gd name="connsiteX1" fmla="*/ 3078051 w 6452315"/>
-                  <a:gd name="connsiteY1" fmla="*/ 0 h 3086637"/>
-                  <a:gd name="connsiteX2" fmla="*/ 0 w 6452315"/>
-                  <a:gd name="connsiteY2" fmla="*/ 0 h 3086637"/>
-                  <a:gd name="connsiteX3" fmla="*/ 6452315 w 6452315"/>
-                  <a:gd name="connsiteY3" fmla="*/ 3086637 h 3086637"/>
-                </a:gdLst>
-                <a:ahLst/>
-                <a:cxnLst>
-                  <a:cxn ang="0">
-                    <a:pos x="connsiteX0" y="connsiteY0"/>
-                  </a:cxn>
-                  <a:cxn ang="0">
-                    <a:pos x="connsiteX1" y="connsiteY1"/>
-                  </a:cxn>
-                  <a:cxn ang="0">
-                    <a:pos x="connsiteX2" y="connsiteY2"/>
-                  </a:cxn>
-                  <a:cxn ang="0">
-                    <a:pos x="connsiteX3" y="connsiteY3"/>
-                  </a:cxn>
-                </a:cxnLst>
-                <a:rect l="l" t="t" r="r" b="b"/>
-                <a:pathLst>
-                  <a:path w="6452315" h="3086637">
-                    <a:moveTo>
-                      <a:pt x="6452315" y="3086637"/>
-                    </a:moveTo>
-                    <a:lnTo>
-                      <a:pt x="3078051" y="0"/>
-                    </a:lnTo>
-                    <a:lnTo>
-                      <a:pt x="0" y="0"/>
-                    </a:lnTo>
-                    <a:lnTo>
-                      <a:pt x="6452315" y="3086637"/>
-                    </a:lnTo>
-                    <a:close/>
-                  </a:path>
-                </a:pathLst>
-              </a:custGeom>
               <a:solidFill>
                 <a:schemeClr val="bg2">
                   <a:lumMod val="50000"/>
-                  <a:alpha val="38000"/>
+                  <a:alpha val="55000"/>
                 </a:schemeClr>
               </a:solidFill>
               <a:ln>
@@ -4441,26 +5752,26 @@
           </p:sp>
           <p:cxnSp>
             <p:nvCxnSpPr>
-              <p:cNvPr id="31" name="Straight Connector 30"/>
-              <p:cNvCxnSpPr>
-                <a:cxnSpLocks noChangeAspect="1"/>
-              </p:cNvCxnSpPr>
+              <p:cNvPr id="102" name="Straight Connector 101"/>
+              <p:cNvCxnSpPr/>
               <p:nvPr/>
             </p:nvCxnSpPr>
             <p:spPr>
-              <a:xfrm flipH="1">
-                <a:off x="17323998" y="8059571"/>
-                <a:ext cx="1680306" cy="309130"/>
+              <a:xfrm>
+                <a:off x="8121023" y="1937068"/>
+                <a:ext cx="0" cy="3034146"/>
               </a:xfrm>
               <a:prstGeom prst="line">
                 <a:avLst/>
               </a:prstGeom>
               <a:ln w="22225" cap="rnd">
                 <a:solidFill>
-                  <a:srgbClr val="FF8000"/>
+                  <a:schemeClr val="tx1">
+                    <a:lumMod val="50000"/>
+                    <a:lumOff val="50000"/>
+                  </a:schemeClr>
                 </a:solidFill>
                 <a:prstDash val="dash"/>
-                <a:round/>
               </a:ln>
             </p:spPr>
             <p:style>
@@ -4478,32 +5789,137 @@
               </a:fontRef>
             </p:style>
           </p:cxnSp>
+        </p:grpSp>
+        <p:sp>
+          <p:nvSpPr>
+            <p:cNvPr id="69" name="Left Brace 68"/>
+            <p:cNvSpPr/>
+            <p:nvPr/>
+          </p:nvSpPr>
+          <p:spPr>
+            <a:xfrm rot="5400000">
+              <a:off x="6119212" y="1986049"/>
+              <a:ext cx="56818" cy="85994"/>
+            </a:xfrm>
+            <a:prstGeom prst="leftBrace">
+              <a:avLst>
+                <a:gd name="adj1" fmla="val 40540"/>
+                <a:gd name="adj2" fmla="val 50000"/>
+              </a:avLst>
+            </a:prstGeom>
+            <a:ln w="19050">
+              <a:solidFill>
+                <a:schemeClr val="tx1">
+                  <a:lumMod val="50000"/>
+                  <a:lumOff val="50000"/>
+                </a:schemeClr>
+              </a:solidFill>
+            </a:ln>
+          </p:spPr>
+          <p:style>
+            <a:lnRef idx="1">
+              <a:schemeClr val="accent1"/>
+            </a:lnRef>
+            <a:fillRef idx="0">
+              <a:schemeClr val="accent1"/>
+            </a:fillRef>
+            <a:effectRef idx="0">
+              <a:schemeClr val="accent1"/>
+            </a:effectRef>
+            <a:fontRef idx="minor">
+              <a:schemeClr val="tx1"/>
+            </a:fontRef>
+          </p:style>
+          <p:txBody>
+            <a:bodyPr rtlCol="0" anchor="ctr"/>
+            <a:lstStyle/>
+            <a:p>
+              <a:pPr algn="ctr"/>
+              <a:endParaRPr lang="en-US"/>
+            </a:p>
+          </p:txBody>
+        </p:sp>
+        <p:cxnSp>
+          <p:nvCxnSpPr>
+            <p:cNvPr id="70" name="Straight Connector 69"/>
+            <p:cNvCxnSpPr/>
+            <p:nvPr/>
+          </p:nvCxnSpPr>
+          <p:spPr>
+            <a:xfrm>
+              <a:off x="8071220" y="2689513"/>
+              <a:ext cx="0" cy="794416"/>
+            </a:xfrm>
+            <a:prstGeom prst="line">
+              <a:avLst/>
+            </a:prstGeom>
+            <a:ln w="38100" cap="rnd">
+              <a:solidFill>
+                <a:srgbClr val="777777">
+                  <a:alpha val="90000"/>
+                </a:srgbClr>
+              </a:solidFill>
+              <a:round/>
+            </a:ln>
+            <a:effectLst>
+              <a:outerShdw blurRad="50800" dist="38100" dir="2700000" algn="tl" rotWithShape="0">
+                <a:prstClr val="black">
+                  <a:alpha val="40000"/>
+                </a:prstClr>
+              </a:outerShdw>
+            </a:effectLst>
+          </p:spPr>
+          <p:style>
+            <a:lnRef idx="1">
+              <a:schemeClr val="accent1"/>
+            </a:lnRef>
+            <a:fillRef idx="0">
+              <a:schemeClr val="accent1"/>
+            </a:fillRef>
+            <a:effectRef idx="0">
+              <a:schemeClr val="accent1"/>
+            </a:effectRef>
+            <a:fontRef idx="minor">
+              <a:schemeClr val="tx1"/>
+            </a:fontRef>
+          </p:style>
+        </p:cxnSp>
+        <p:grpSp>
+          <p:nvGrpSpPr>
+            <p:cNvPr id="71" name="Group 70"/>
+            <p:cNvGrpSpPr/>
+            <p:nvPr/>
+          </p:nvGrpSpPr>
+          <p:grpSpPr>
+            <a:xfrm>
+              <a:off x="5963366" y="2126983"/>
+              <a:ext cx="134677" cy="1956631"/>
+              <a:chOff x="7846245" y="1937068"/>
+              <a:chExt cx="208844" cy="3034146"/>
+            </a:xfrm>
+          </p:grpSpPr>
           <p:sp>
             <p:nvSpPr>
-              <p:cNvPr id="34" name="Oval 33"/>
-              <p:cNvSpPr>
-                <a:spLocks noChangeAspect="1"/>
-              </p:cNvSpPr>
+              <p:cNvPr id="99" name="Rectangle 98"/>
+              <p:cNvSpPr/>
               <p:nvPr/>
             </p:nvSpPr>
             <p:spPr>
               <a:xfrm>
-                <a:off x="18592470" y="8099967"/>
-                <a:ext cx="61010" cy="62740"/>
+                <a:off x="7846245" y="1937068"/>
+                <a:ext cx="208844" cy="3034146"/>
               </a:xfrm>
-              <a:prstGeom prst="ellipse">
+              <a:prstGeom prst="rect">
                 <a:avLst/>
               </a:prstGeom>
               <a:solidFill>
-                <a:srgbClr val="FFC000"/>
+                <a:schemeClr val="bg2">
+                  <a:lumMod val="50000"/>
+                  <a:alpha val="47000"/>
+                </a:schemeClr>
               </a:solidFill>
-              <a:ln w="6350">
-                <a:solidFill>
-                  <a:schemeClr val="tx1">
-                    <a:lumMod val="85000"/>
-                    <a:lumOff val="15000"/>
-                  </a:schemeClr>
-                </a:solidFill>
+              <a:ln>
+                <a:noFill/>
               </a:ln>
             </p:spPr>
             <p:style>
@@ -4533,16 +5949,14 @@
           </p:sp>
           <p:cxnSp>
             <p:nvCxnSpPr>
-              <p:cNvPr id="36" name="Straight Connector 35"/>
-              <p:cNvCxnSpPr>
-                <a:cxnSpLocks/>
-              </p:cNvCxnSpPr>
+              <p:cNvPr id="100" name="Straight Connector 99"/>
+              <p:cNvCxnSpPr/>
               <p:nvPr/>
             </p:nvCxnSpPr>
             <p:spPr>
               <a:xfrm>
-                <a:off x="14713583" y="7108333"/>
-                <a:ext cx="3935392" cy="2809159"/>
+                <a:off x="7944382" y="1937068"/>
+                <a:ext cx="0" cy="3034146"/>
               </a:xfrm>
               <a:prstGeom prst="line">
                 <a:avLst/>
@@ -4572,27 +5986,91 @@
               </a:fontRef>
             </p:style>
           </p:cxnSp>
-          <p:sp>
-            <p:nvSpPr>
-              <p:cNvPr id="43" name="Oval 42"/>
-              <p:cNvSpPr/>
-              <p:nvPr/>
-            </p:nvSpPr>
-            <p:spPr>
-              <a:xfrm>
-                <a:off x="18641849" y="9900464"/>
-                <a:ext cx="61010" cy="62740"/>
-              </a:xfrm>
-              <a:prstGeom prst="ellipse">
-                <a:avLst/>
-              </a:prstGeom>
+        </p:grpSp>
+        <p:sp>
+          <p:nvSpPr>
+            <p:cNvPr id="72" name="Left Brace 71"/>
+            <p:cNvSpPr/>
+            <p:nvPr/>
+          </p:nvSpPr>
+          <p:spPr>
+            <a:xfrm rot="5400000">
+              <a:off x="6000603" y="1964182"/>
+              <a:ext cx="56818" cy="129727"/>
+            </a:xfrm>
+            <a:prstGeom prst="leftBrace">
+              <a:avLst>
+                <a:gd name="adj1" fmla="val 40540"/>
+                <a:gd name="adj2" fmla="val 50000"/>
+              </a:avLst>
+            </a:prstGeom>
+            <a:ln w="19050">
               <a:solidFill>
                 <a:schemeClr val="tx1">
                   <a:lumMod val="50000"/>
                   <a:lumOff val="50000"/>
                 </a:schemeClr>
               </a:solidFill>
-              <a:ln w="6350">
+            </a:ln>
+          </p:spPr>
+          <p:style>
+            <a:lnRef idx="1">
+              <a:schemeClr val="accent1"/>
+            </a:lnRef>
+            <a:fillRef idx="0">
+              <a:schemeClr val="accent1"/>
+            </a:fillRef>
+            <a:effectRef idx="0">
+              <a:schemeClr val="accent1"/>
+            </a:effectRef>
+            <a:fontRef idx="minor">
+              <a:schemeClr val="tx1"/>
+            </a:fontRef>
+          </p:style>
+          <p:txBody>
+            <a:bodyPr rtlCol="0" anchor="ctr"/>
+            <a:lstStyle/>
+            <a:p>
+              <a:pPr algn="ctr"/>
+              <a:endParaRPr lang="en-US"/>
+            </a:p>
+          </p:txBody>
+        </p:sp>
+        <p:grpSp>
+          <p:nvGrpSpPr>
+            <p:cNvPr id="73" name="Group 72"/>
+            <p:cNvGrpSpPr/>
+            <p:nvPr/>
+          </p:nvGrpSpPr>
+          <p:grpSpPr>
+            <a:xfrm>
+              <a:off x="5719490" y="2126983"/>
+              <a:ext cx="211116" cy="1956631"/>
+              <a:chOff x="7468067" y="1937068"/>
+              <a:chExt cx="327378" cy="3034146"/>
+            </a:xfrm>
+          </p:grpSpPr>
+          <p:sp>
+            <p:nvSpPr>
+              <p:cNvPr id="97" name="Rectangle 96"/>
+              <p:cNvSpPr/>
+              <p:nvPr/>
+            </p:nvSpPr>
+            <p:spPr>
+              <a:xfrm>
+                <a:off x="7468067" y="1937068"/>
+                <a:ext cx="327378" cy="3034146"/>
+              </a:xfrm>
+              <a:prstGeom prst="rect">
+                <a:avLst/>
+              </a:prstGeom>
+              <a:solidFill>
+                <a:schemeClr val="bg2">
+                  <a:lumMod val="50000"/>
+                  <a:alpha val="41000"/>
+                </a:schemeClr>
+              </a:solidFill>
+              <a:ln>
                 <a:noFill/>
               </a:ln>
             </p:spPr>
@@ -4621,541 +6099,28 @@
               </a:p>
             </p:txBody>
           </p:sp>
-          <p:sp>
-            <p:nvSpPr>
-              <p:cNvPr id="44" name="Rectangle 43"/>
-              <p:cNvSpPr/>
+          <p:cxnSp>
+            <p:nvCxnSpPr>
+              <p:cNvPr id="98" name="Straight Connector 97"/>
+              <p:cNvCxnSpPr/>
               <p:nvPr/>
-            </p:nvSpPr>
+            </p:nvCxnSpPr>
             <p:spPr>
               <a:xfrm>
-                <a:off x="13178408" y="6514603"/>
-                <a:ext cx="2148027" cy="461665"/>
+                <a:off x="7663827" y="1937068"/>
+                <a:ext cx="0" cy="3034146"/>
               </a:xfrm>
-              <a:prstGeom prst="rect">
+              <a:prstGeom prst="line">
                 <a:avLst/>
               </a:prstGeom>
-            </p:spPr>
-            <p:txBody>
-              <a:bodyPr wrap="square">
-                <a:spAutoFit/>
-              </a:bodyPr>
-              <a:lstStyle/>
-              <a:p>
-                <a:r>
-                  <a:rPr lang="en-US" sz="2400" dirty="0">
-                    <a:solidFill>
-                      <a:srgbClr val="17B2B6"/>
-                    </a:solidFill>
-                    <a:latin typeface="Euclid" panose="02020503060505020303" pitchFamily="18" charset="0"/>
-                    <a:ea typeface="Segoe UI Symbol" pitchFamily="34" charset="0"/>
-                  </a:rPr>
-                  <a:t>Depth of field</a:t>
-                </a:r>
-                <a:endParaRPr lang="en-US" sz="2800" dirty="0">
-                  <a:solidFill>
-                    <a:srgbClr val="17B2B6"/>
-                  </a:solidFill>
-                </a:endParaRPr>
-              </a:p>
-            </p:txBody>
-          </p:sp>
-          <p:sp>
-            <p:nvSpPr>
-              <p:cNvPr id="45" name="Left Brace 44"/>
-              <p:cNvSpPr/>
-              <p:nvPr/>
-            </p:nvSpPr>
-            <p:spPr>
-              <a:xfrm rot="5400000">
-                <a:off x="14225097" y="5612189"/>
-                <a:ext cx="94109" cy="2745433"/>
-              </a:xfrm>
-              <a:prstGeom prst="leftBrace">
-                <a:avLst>
-                  <a:gd name="adj1" fmla="val 40540"/>
-                  <a:gd name="adj2" fmla="val 50000"/>
-                </a:avLst>
-              </a:prstGeom>
-              <a:ln w="19050">
+              <a:ln w="22225" cap="rnd">
                 <a:solidFill>
                   <a:schemeClr val="tx1">
                     <a:lumMod val="50000"/>
                     <a:lumOff val="50000"/>
                   </a:schemeClr>
                 </a:solidFill>
-              </a:ln>
-            </p:spPr>
-            <p:style>
-              <a:lnRef idx="1">
-                <a:schemeClr val="accent1"/>
-              </a:lnRef>
-              <a:fillRef idx="0">
-                <a:schemeClr val="accent1"/>
-              </a:fillRef>
-              <a:effectRef idx="0">
-                <a:schemeClr val="accent1"/>
-              </a:effectRef>
-              <a:fontRef idx="minor">
-                <a:schemeClr val="tx1"/>
-              </a:fontRef>
-            </p:style>
-            <p:txBody>
-              <a:bodyPr rtlCol="0" anchor="ctr"/>
-              <a:lstStyle/>
-              <a:p>
-                <a:pPr algn="ctr"/>
-                <a:endParaRPr lang="en-US"/>
-              </a:p>
-            </p:txBody>
-          </p:sp>
-          <p:sp>
-            <p:nvSpPr>
-              <p:cNvPr id="49" name="Rectangle 48"/>
-              <p:cNvSpPr/>
-              <p:nvPr/>
-            </p:nvSpPr>
-            <p:spPr>
-              <a:xfrm>
-                <a:off x="16390961" y="7126615"/>
-                <a:ext cx="1629004" cy="461665"/>
-              </a:xfrm>
-              <a:prstGeom prst="rect">
-                <a:avLst/>
-              </a:prstGeom>
-            </p:spPr>
-            <p:txBody>
-              <a:bodyPr wrap="square">
-                <a:spAutoFit/>
-              </a:bodyPr>
-              <a:lstStyle/>
-              <a:p>
-                <a:r>
-                  <a:rPr lang="en-US" sz="2400" dirty="0">
-                    <a:solidFill>
-                      <a:srgbClr val="17B2B6"/>
-                    </a:solidFill>
-                    <a:latin typeface="Euclid" panose="02020503060505020303" pitchFamily="18" charset="0"/>
-                    <a:ea typeface="Segoe UI Symbol" pitchFamily="34" charset="0"/>
-                  </a:rPr>
-                  <a:t>Lens plane</a:t>
-                </a:r>
-                <a:endParaRPr lang="en-US" sz="2800" dirty="0">
-                  <a:solidFill>
-                    <a:srgbClr val="17B2B6"/>
-                  </a:solidFill>
-                </a:endParaRPr>
-              </a:p>
-            </p:txBody>
-          </p:sp>
-          <p:sp>
-            <p:nvSpPr>
-              <p:cNvPr id="50" name="Rectangle 49"/>
-              <p:cNvSpPr/>
-              <p:nvPr/>
-            </p:nvSpPr>
-            <p:spPr>
-              <a:xfrm>
-                <a:off x="16834514" y="6755108"/>
-                <a:ext cx="1866120" cy="461665"/>
-              </a:xfrm>
-              <a:prstGeom prst="rect">
-                <a:avLst/>
-              </a:prstGeom>
-            </p:spPr>
-            <p:txBody>
-              <a:bodyPr wrap="square">
-                <a:spAutoFit/>
-              </a:bodyPr>
-              <a:lstStyle/>
-              <a:p>
-                <a:r>
-                  <a:rPr lang="en-US" sz="2400" dirty="0">
-                    <a:solidFill>
-                      <a:srgbClr val="17B2B6"/>
-                    </a:solidFill>
-                    <a:latin typeface="Euclid" panose="02020503060505020303" pitchFamily="18" charset="0"/>
-                    <a:ea typeface="Segoe UI Symbol" pitchFamily="34" charset="0"/>
-                  </a:rPr>
-                  <a:t>Sensor plane</a:t>
-                </a:r>
-                <a:endParaRPr lang="en-US" sz="2800" dirty="0">
-                  <a:solidFill>
-                    <a:srgbClr val="17B2B6"/>
-                  </a:solidFill>
-                </a:endParaRPr>
-              </a:p>
-            </p:txBody>
-          </p:sp>
-          <p:sp>
-            <p:nvSpPr>
-              <p:cNvPr id="52" name="Rectangle 51"/>
-              <p:cNvSpPr/>
-              <p:nvPr/>
-            </p:nvSpPr>
-            <p:spPr>
-              <a:xfrm>
-                <a:off x="13644627" y="8706029"/>
-                <a:ext cx="3055670" cy="461665"/>
-              </a:xfrm>
-              <a:prstGeom prst="rect">
-                <a:avLst/>
-              </a:prstGeom>
-            </p:spPr>
-            <p:txBody>
-              <a:bodyPr wrap="square">
-                <a:spAutoFit/>
-              </a:bodyPr>
-              <a:lstStyle/>
-              <a:p>
-                <a:r>
-                  <a:rPr lang="en-US" sz="2400" dirty="0">
-                    <a:solidFill>
-                      <a:srgbClr val="17B2B6"/>
-                    </a:solidFill>
-                    <a:latin typeface="Euclid" panose="02020503060505020303" pitchFamily="18" charset="0"/>
-                    <a:ea typeface="Segoe UI Symbol" pitchFamily="34" charset="0"/>
-                  </a:rPr>
-                  <a:t>Plane of sharp focus</a:t>
-                </a:r>
-                <a:endParaRPr lang="en-US" sz="2800" dirty="0">
-                  <a:solidFill>
-                    <a:srgbClr val="17B2B6"/>
-                  </a:solidFill>
-                </a:endParaRPr>
-              </a:p>
-            </p:txBody>
-          </p:sp>
-          <p:sp>
-            <p:nvSpPr>
-              <p:cNvPr id="54" name="Arc 53"/>
-              <p:cNvSpPr/>
-              <p:nvPr/>
-            </p:nvSpPr>
-            <p:spPr>
-              <a:xfrm>
-                <a:off x="15653130" y="7689992"/>
-                <a:ext cx="1252192" cy="1287704"/>
-              </a:xfrm>
-              <a:prstGeom prst="arc">
-                <a:avLst>
-                  <a:gd name="adj1" fmla="val 1780666"/>
-                  <a:gd name="adj2" fmla="val 4194096"/>
-                </a:avLst>
-              </a:prstGeom>
-              <a:ln w="12700">
-                <a:solidFill>
-                  <a:schemeClr val="tx1">
-                    <a:lumMod val="75000"/>
-                    <a:lumOff val="25000"/>
-                  </a:schemeClr>
-                </a:solidFill>
-                <a:headEnd type="triangle" w="med" len="lg"/>
-              </a:ln>
-            </p:spPr>
-            <p:style>
-              <a:lnRef idx="1">
-                <a:schemeClr val="accent1"/>
-              </a:lnRef>
-              <a:fillRef idx="0">
-                <a:schemeClr val="accent1"/>
-              </a:fillRef>
-              <a:effectRef idx="0">
-                <a:schemeClr val="accent1"/>
-              </a:effectRef>
-              <a:fontRef idx="minor">
-                <a:schemeClr val="tx1"/>
-              </a:fontRef>
-            </p:style>
-            <p:txBody>
-              <a:bodyPr rtlCol="0" anchor="ctr"/>
-              <a:lstStyle/>
-              <a:p>
-                <a:pPr algn="ctr"/>
-                <a:endParaRPr lang="en-US"/>
-              </a:p>
-            </p:txBody>
-          </p:sp>
-          <p:sp>
-            <p:nvSpPr>
-              <p:cNvPr id="55" name="Arc 54"/>
-              <p:cNvSpPr/>
-              <p:nvPr/>
-            </p:nvSpPr>
-            <p:spPr>
-              <a:xfrm>
-                <a:off x="17536367" y="7350235"/>
-                <a:ext cx="783195" cy="805406"/>
-              </a:xfrm>
-              <a:prstGeom prst="arc">
-                <a:avLst>
-                  <a:gd name="adj1" fmla="val 16200000"/>
-                  <a:gd name="adj2" fmla="val 19144503"/>
-                </a:avLst>
-              </a:prstGeom>
-              <a:ln w="12700">
-                <a:solidFill>
-                  <a:schemeClr val="tx1">
-                    <a:lumMod val="75000"/>
-                    <a:lumOff val="25000"/>
-                  </a:schemeClr>
-                </a:solidFill>
-                <a:headEnd type="none" w="med" len="lg"/>
-                <a:tailEnd type="triangle" w="med" len="lg"/>
-              </a:ln>
-            </p:spPr>
-            <p:style>
-              <a:lnRef idx="1">
-                <a:schemeClr val="accent1"/>
-              </a:lnRef>
-              <a:fillRef idx="0">
-                <a:schemeClr val="accent1"/>
-              </a:fillRef>
-              <a:effectRef idx="0">
-                <a:schemeClr val="accent1"/>
-              </a:effectRef>
-              <a:fontRef idx="minor">
-                <a:schemeClr val="tx1"/>
-              </a:fontRef>
-            </p:style>
-            <p:txBody>
-              <a:bodyPr rtlCol="0" anchor="ctr"/>
-              <a:lstStyle/>
-              <a:p>
-                <a:pPr algn="ctr"/>
-                <a:endParaRPr lang="en-US"/>
-              </a:p>
-            </p:txBody>
-          </p:sp>
-          <p:sp>
-            <p:nvSpPr>
-              <p:cNvPr id="56" name="Arc 55"/>
-              <p:cNvSpPr/>
-              <p:nvPr/>
-            </p:nvSpPr>
-            <p:spPr>
-              <a:xfrm>
-                <a:off x="18236152" y="6977696"/>
-                <a:ext cx="783195" cy="805406"/>
-              </a:xfrm>
-              <a:prstGeom prst="arc">
-                <a:avLst>
-                  <a:gd name="adj1" fmla="val 16200000"/>
-                  <a:gd name="adj2" fmla="val 234645"/>
-                </a:avLst>
-              </a:prstGeom>
-              <a:ln w="12700">
-                <a:solidFill>
-                  <a:schemeClr val="tx1">
-                    <a:lumMod val="75000"/>
-                    <a:lumOff val="25000"/>
-                  </a:schemeClr>
-                </a:solidFill>
-                <a:headEnd type="none" w="med" len="lg"/>
-                <a:tailEnd type="triangle" w="med" len="lg"/>
-              </a:ln>
-            </p:spPr>
-            <p:style>
-              <a:lnRef idx="1">
-                <a:schemeClr val="accent1"/>
-              </a:lnRef>
-              <a:fillRef idx="0">
-                <a:schemeClr val="accent1"/>
-              </a:fillRef>
-              <a:effectRef idx="0">
-                <a:schemeClr val="accent1"/>
-              </a:effectRef>
-              <a:fontRef idx="minor">
-                <a:schemeClr val="tx1"/>
-              </a:fontRef>
-            </p:style>
-            <p:txBody>
-              <a:bodyPr rtlCol="0" anchor="ctr"/>
-              <a:lstStyle/>
-              <a:p>
-                <a:pPr algn="ctr"/>
-                <a:endParaRPr lang="en-US"/>
-              </a:p>
-            </p:txBody>
-          </p:sp>
-        </p:grpSp>
-        <p:sp>
-          <p:nvSpPr>
-            <p:cNvPr id="40" name="Text Box 197"/>
-            <p:cNvSpPr txBox="1">
-              <a:spLocks noChangeArrowheads="1"/>
-            </p:cNvSpPr>
-            <p:nvPr/>
-          </p:nvSpPr>
-          <p:spPr bwMode="auto">
-            <a:xfrm>
-              <a:off x="239389" y="8084546"/>
-              <a:ext cx="11738179" cy="3890851"/>
-            </a:xfrm>
-            <a:prstGeom prst="rect">
-              <a:avLst/>
-            </a:prstGeom>
-            <a:noFill/>
-            <a:ln w="19050">
-              <a:noFill/>
-              <a:prstDash val="dash"/>
-              <a:miter lim="800000"/>
-              <a:headEnd/>
-              <a:tailEnd/>
-            </a:ln>
-            <a:effectLst/>
-            <a:extLst/>
-          </p:spPr>
-          <p:txBody>
-            <a:bodyPr lIns="228600" tIns="228600" rIns="118872" bIns="228600"/>
-            <a:lstStyle/>
-            <a:p>
-              <a:pPr algn="just" defTabSz="4493876" fontAlgn="auto">
-                <a:spcBef>
-                  <a:spcPts val="1200"/>
-                </a:spcBef>
-                <a:defRPr/>
-              </a:pPr>
-              <a:r>
-                <a:rPr lang="en-US" sz="3200" dirty="0">
-                  <a:solidFill>
-                    <a:schemeClr val="tx1">
-                      <a:lumMod val="75000"/>
-                      <a:lumOff val="25000"/>
-                    </a:schemeClr>
-                  </a:solidFill>
-                  <a:latin typeface="Euclid" panose="02020503060505020303" pitchFamily="18" charset="0"/>
-                  <a:ea typeface="Segoe UI Symbol" pitchFamily="34" charset="0"/>
-                </a:rPr>
-                <a:t>In </a:t>
-              </a:r>
-              <a:r>
-                <a:rPr lang="en-US" sz="3200" dirty="0">
-                  <a:solidFill>
-                    <a:srgbClr val="FF335A"/>
-                  </a:solidFill>
-                  <a:latin typeface="Euclid" panose="02020503060505020303" pitchFamily="18" charset="0"/>
-                  <a:ea typeface="Segoe UI Symbol" pitchFamily="34" charset="0"/>
-                </a:rPr>
-                <a:t>focus stacking</a:t>
-              </a:r>
-              <a:r>
-                <a:rPr lang="en-US" sz="3200" dirty="0">
-                  <a:solidFill>
-                    <a:schemeClr val="tx1">
-                      <a:lumMod val="75000"/>
-                      <a:lumOff val="25000"/>
-                    </a:schemeClr>
-                  </a:solidFill>
-                  <a:latin typeface="Euclid" panose="02020503060505020303" pitchFamily="18" charset="0"/>
-                  <a:ea typeface="Segoe UI Symbol" pitchFamily="34" charset="0"/>
-                </a:rPr>
-                <a:t>, images are captured at multiple focus depths. Therefore, regions only at specific depths are in focus in a single image. Collectively, however, the stack contains the whole scene in focus distributed amongst the images. </a:t>
-              </a:r>
-            </a:p>
-            <a:p>
-              <a:pPr algn="just" defTabSz="4493876" fontAlgn="auto">
-                <a:spcBef>
-                  <a:spcPts val="1200"/>
-                </a:spcBef>
-                <a:defRPr/>
-              </a:pPr>
-              <a:r>
-                <a:rPr lang="en-US" sz="3200" dirty="0">
-                  <a:solidFill>
-                    <a:schemeClr val="tx1">
-                      <a:lumMod val="75000"/>
-                      <a:lumOff val="25000"/>
-                    </a:schemeClr>
-                  </a:solidFill>
-                  <a:latin typeface="Euclid" panose="02020503060505020303" pitchFamily="18" charset="0"/>
-                  <a:ea typeface="Segoe UI Symbol" pitchFamily="34" charset="0"/>
-                </a:rPr>
-                <a:t>An omnifocus image is created by registering the images, followed by identifying and blending the in-focus regions. </a:t>
-              </a:r>
-            </a:p>
-          </p:txBody>
-        </p:sp>
-        <p:grpSp>
-          <p:nvGrpSpPr>
-            <p:cNvPr id="53" name="Group 52"/>
-            <p:cNvGrpSpPr/>
-            <p:nvPr/>
-          </p:nvGrpSpPr>
-          <p:grpSpPr>
-            <a:xfrm>
-              <a:off x="12919102" y="9461871"/>
-              <a:ext cx="6868537" cy="3025663"/>
-              <a:chOff x="1498800" y="1548409"/>
-              <a:chExt cx="6868537" cy="3025663"/>
-            </a:xfrm>
-          </p:grpSpPr>
-          <p:sp>
-            <p:nvSpPr>
-              <p:cNvPr id="57" name="TextBox 56"/>
-              <p:cNvSpPr txBox="1"/>
-              <p:nvPr/>
-            </p:nvSpPr>
-            <p:spPr>
-              <a:xfrm>
-                <a:off x="1841263" y="3582319"/>
-                <a:ext cx="3025876" cy="369332"/>
-              </a:xfrm>
-              <a:prstGeom prst="rect">
-                <a:avLst/>
-              </a:prstGeom>
-              <a:solidFill>
-                <a:schemeClr val="bg1"/>
-              </a:solidFill>
-            </p:spPr>
-            <p:txBody>
-              <a:bodyPr wrap="square" rtlCol="0">
-                <a:spAutoFit/>
-              </a:bodyPr>
-              <a:lstStyle/>
-              <a:p>
-                <a:r>
-                  <a:rPr lang="en-US" sz="1800" b="1" dirty="0">
-                    <a:solidFill>
-                      <a:schemeClr val="bg1">
-                        <a:lumMod val="75000"/>
-                      </a:schemeClr>
-                    </a:solidFill>
-                    <a:latin typeface="Segoe WP" panose="020B0502040204020203" pitchFamily="34" charset="0"/>
-                    <a:cs typeface="Segoe WP" panose="020B0502040204020203" pitchFamily="34" charset="0"/>
-                  </a:rPr>
-                  <a:t>DEEP OBJECT SPACE</a:t>
-                </a:r>
-                <a:endParaRPr lang="en-US" sz="2000" b="1" dirty="0">
-                  <a:solidFill>
-                    <a:schemeClr val="bg1">
-                      <a:lumMod val="75000"/>
-                    </a:schemeClr>
-                  </a:solidFill>
-                  <a:latin typeface="Segoe WP" panose="020B0502040204020203" pitchFamily="34" charset="0"/>
-                  <a:cs typeface="Segoe WP" panose="020B0502040204020203" pitchFamily="34" charset="0"/>
-                </a:endParaRPr>
-              </a:p>
-            </p:txBody>
-          </p:sp>
-          <p:cxnSp>
-            <p:nvCxnSpPr>
-              <p:cNvPr id="58" name="optical axis"/>
-              <p:cNvCxnSpPr/>
-              <p:nvPr/>
-            </p:nvCxnSpPr>
-            <p:spPr>
-              <a:xfrm>
-                <a:off x="1498800" y="3091100"/>
-                <a:ext cx="6629400" cy="0"/>
-              </a:xfrm>
-              <a:prstGeom prst="line">
-                <a:avLst/>
-              </a:prstGeom>
-              <a:ln w="22225">
-                <a:solidFill>
-                  <a:srgbClr val="F5504E"/>
-                </a:solidFill>
+                <a:prstDash val="dash"/>
               </a:ln>
             </p:spPr>
             <p:style>
@@ -5173,44 +6138,138 @@
               </a:fontRef>
             </p:style>
           </p:cxnSp>
+        </p:grpSp>
+        <p:cxnSp>
+          <p:nvCxnSpPr>
+            <p:cNvPr id="74" name="Straight Connector 73"/>
+            <p:cNvCxnSpPr/>
+            <p:nvPr/>
+          </p:nvCxnSpPr>
+          <p:spPr>
+            <a:xfrm>
+              <a:off x="8023640" y="2689513"/>
+              <a:ext cx="0" cy="794416"/>
+            </a:xfrm>
+            <a:prstGeom prst="line">
+              <a:avLst/>
+            </a:prstGeom>
+            <a:ln w="38100" cap="rnd">
+              <a:solidFill>
+                <a:srgbClr val="777777">
+                  <a:alpha val="80000"/>
+                </a:srgbClr>
+              </a:solidFill>
+              <a:round/>
+            </a:ln>
+            <a:effectLst>
+              <a:outerShdw blurRad="50800" dist="38100" dir="2700000" algn="tl" rotWithShape="0">
+                <a:prstClr val="black">
+                  <a:alpha val="40000"/>
+                </a:prstClr>
+              </a:outerShdw>
+            </a:effectLst>
+          </p:spPr>
+          <p:style>
+            <a:lnRef idx="1">
+              <a:schemeClr val="accent1"/>
+            </a:lnRef>
+            <a:fillRef idx="0">
+              <a:schemeClr val="accent1"/>
+            </a:fillRef>
+            <a:effectRef idx="0">
+              <a:schemeClr val="accent1"/>
+            </a:effectRef>
+            <a:fontRef idx="minor">
+              <a:schemeClr val="tx1"/>
+            </a:fontRef>
+          </p:style>
+        </p:cxnSp>
+        <p:sp>
+          <p:nvSpPr>
+            <p:cNvPr id="75" name="Left Brace 74"/>
+            <p:cNvSpPr/>
+            <p:nvPr/>
+          </p:nvSpPr>
+          <p:spPr>
+            <a:xfrm rot="5400000">
+              <a:off x="5795795" y="1928802"/>
+              <a:ext cx="56818" cy="200488"/>
+            </a:xfrm>
+            <a:prstGeom prst="leftBrace">
+              <a:avLst>
+                <a:gd name="adj1" fmla="val 40540"/>
+                <a:gd name="adj2" fmla="val 50000"/>
+              </a:avLst>
+            </a:prstGeom>
+            <a:ln w="19050">
+              <a:solidFill>
+                <a:schemeClr val="tx1">
+                  <a:lumMod val="50000"/>
+                  <a:lumOff val="50000"/>
+                </a:schemeClr>
+              </a:solidFill>
+            </a:ln>
+          </p:spPr>
+          <p:style>
+            <a:lnRef idx="1">
+              <a:schemeClr val="accent1"/>
+            </a:lnRef>
+            <a:fillRef idx="0">
+              <a:schemeClr val="accent1"/>
+            </a:fillRef>
+            <a:effectRef idx="0">
+              <a:schemeClr val="accent1"/>
+            </a:effectRef>
+            <a:fontRef idx="minor">
+              <a:schemeClr val="tx1"/>
+            </a:fontRef>
+          </p:style>
+          <p:txBody>
+            <a:bodyPr rtlCol="0" anchor="ctr"/>
+            <a:lstStyle/>
+            <a:p>
+              <a:pPr algn="ctr"/>
+              <a:endParaRPr lang="en-US"/>
+            </a:p>
+          </p:txBody>
+        </p:sp>
+        <p:grpSp>
+          <p:nvGrpSpPr>
+            <p:cNvPr id="76" name="Group 75"/>
+            <p:cNvGrpSpPr/>
+            <p:nvPr/>
+          </p:nvGrpSpPr>
+          <p:grpSpPr>
+            <a:xfrm>
+              <a:off x="5130900" y="2126983"/>
+              <a:ext cx="493952" cy="1956631"/>
+              <a:chOff x="6555341" y="1937068"/>
+              <a:chExt cx="765971" cy="3034146"/>
+            </a:xfrm>
+          </p:grpSpPr>
           <p:sp>
             <p:nvSpPr>
-              <p:cNvPr id="59" name="Cube 58"/>
+              <p:cNvPr id="95" name="Rectangle 94"/>
               <p:cNvSpPr/>
               <p:nvPr/>
             </p:nvSpPr>
             <p:spPr>
               <a:xfrm>
-                <a:off x="4261924" y="2824644"/>
-                <a:ext cx="356259" cy="353802"/>
+                <a:off x="6555341" y="1937068"/>
+                <a:ext cx="765971" cy="3034146"/>
               </a:xfrm>
-              <a:prstGeom prst="cube">
-                <a:avLst>
-                  <a:gd name="adj" fmla="val 25000"/>
-                </a:avLst>
+              <a:prstGeom prst="rect">
+                <a:avLst/>
               </a:prstGeom>
               <a:solidFill>
-                <a:schemeClr val="bg1">
-                  <a:lumMod val="65000"/>
-                  <a:alpha val="85000"/>
+                <a:schemeClr val="bg2">
+                  <a:lumMod val="50000"/>
+                  <a:alpha val="35000"/>
                 </a:schemeClr>
               </a:solidFill>
-              <a:ln w="0">
-                <a:solidFill>
-                  <a:schemeClr val="tx1">
-                    <a:lumMod val="50000"/>
-                    <a:lumOff val="50000"/>
-                    <a:alpha val="34000"/>
-                  </a:schemeClr>
-                </a:solidFill>
+              <a:ln>
+                <a:noFill/>
               </a:ln>
-              <a:effectLst>
-                <a:outerShdw blurRad="76200" dist="12700" dir="13500000" sy="23000" kx="1200000" algn="br" rotWithShape="0">
-                  <a:prstClr val="black">
-                    <a:alpha val="48000"/>
-                  </a:prstClr>
-                </a:outerShdw>
-              </a:effectLst>
             </p:spPr>
             <p:style>
               <a:lnRef idx="2">
@@ -5239,31 +6298,27 @@
           </p:sp>
           <p:cxnSp>
             <p:nvCxnSpPr>
-              <p:cNvPr id="60" name="sensor"/>
+              <p:cNvPr id="96" name="Straight Connector 95"/>
               <p:cNvCxnSpPr/>
               <p:nvPr/>
             </p:nvCxnSpPr>
             <p:spPr>
               <a:xfrm>
-                <a:off x="8116485" y="2689513"/>
-                <a:ext cx="0" cy="794416"/>
+                <a:off x="7047300" y="1937068"/>
+                <a:ext cx="0" cy="3034146"/>
               </a:xfrm>
               <a:prstGeom prst="line">
                 <a:avLst/>
               </a:prstGeom>
-              <a:ln w="38100" cap="rnd">
+              <a:ln w="22225" cap="rnd">
                 <a:solidFill>
-                  <a:srgbClr val="777777"/>
+                  <a:schemeClr val="tx1">
+                    <a:lumMod val="50000"/>
+                    <a:lumOff val="50000"/>
+                  </a:schemeClr>
                 </a:solidFill>
-                <a:round/>
+                <a:prstDash val="dash"/>
               </a:ln>
-              <a:effectLst>
-                <a:outerShdw blurRad="50800" dist="38100" dir="2700000" algn="tl" rotWithShape="0">
-                  <a:prstClr val="black">
-                    <a:alpha val="40000"/>
-                  </a:prstClr>
-                </a:outerShdw>
-              </a:effectLst>
             </p:spPr>
             <p:style>
               <a:lnRef idx="1">
@@ -5280,81 +6335,138 @@
               </a:fontRef>
             </p:style>
           </p:cxnSp>
-          <p:pic>
-            <p:nvPicPr>
-              <p:cNvPr id="61" name="lens"/>
-              <p:cNvPicPr>
-                <a:picLocks noChangeAspect="1"/>
-              </p:cNvPicPr>
-              <p:nvPr/>
-            </p:nvPicPr>
-            <p:blipFill>
-              <a:blip r:embed="rId5" cstate="print">
-                <a:extLst>
-                  <a:ext uri="{28A0092B-C50C-407E-A947-70E740481C1C}">
-                    <a14:useLocalDpi xmlns:a14="http://schemas.microsoft.com/office/drawing/2010/main" val="0"/>
-                  </a:ext>
-                </a:extLst>
-              </a:blip>
-              <a:stretch>
-                <a:fillRect/>
-              </a:stretch>
-            </p:blipFill>
-            <p:spPr>
-              <a:xfrm>
-                <a:off x="6701493" y="2692337"/>
-                <a:ext cx="1114594" cy="805572"/>
-              </a:xfrm>
-              <a:prstGeom prst="rect">
-                <a:avLst/>
-              </a:prstGeom>
-              <a:effectLst>
-                <a:outerShdw blurRad="50800" dist="38100" dir="5400000" algn="ctr" rotWithShape="0">
-                  <a:srgbClr val="000000">
-                    <a:alpha val="95000"/>
-                  </a:srgbClr>
-                </a:outerShdw>
-              </a:effectLst>
-            </p:spPr>
-          </p:pic>
+        </p:grpSp>
+        <p:cxnSp>
+          <p:nvCxnSpPr>
+            <p:cNvPr id="77" name="Straight Connector 76"/>
+            <p:cNvCxnSpPr/>
+            <p:nvPr/>
+          </p:nvCxnSpPr>
+          <p:spPr>
+            <a:xfrm>
+              <a:off x="7976728" y="2689513"/>
+              <a:ext cx="0" cy="794416"/>
+            </a:xfrm>
+            <a:prstGeom prst="line">
+              <a:avLst/>
+            </a:prstGeom>
+            <a:ln w="38100" cap="rnd">
+              <a:solidFill>
+                <a:srgbClr val="777777">
+                  <a:alpha val="70000"/>
+                </a:srgbClr>
+              </a:solidFill>
+              <a:round/>
+            </a:ln>
+            <a:effectLst>
+              <a:outerShdw blurRad="50800" dist="38100" dir="2700000" algn="tl" rotWithShape="0">
+                <a:prstClr val="black">
+                  <a:alpha val="40000"/>
+                </a:prstClr>
+              </a:outerShdw>
+            </a:effectLst>
+          </p:spPr>
+          <p:style>
+            <a:lnRef idx="1">
+              <a:schemeClr val="accent1"/>
+            </a:lnRef>
+            <a:fillRef idx="0">
+              <a:schemeClr val="accent1"/>
+            </a:fillRef>
+            <a:effectRef idx="0">
+              <a:schemeClr val="accent1"/>
+            </a:effectRef>
+            <a:fontRef idx="minor">
+              <a:schemeClr val="tx1"/>
+            </a:fontRef>
+          </p:style>
+        </p:cxnSp>
+        <p:sp>
+          <p:nvSpPr>
+            <p:cNvPr id="78" name="Left Brace 77"/>
+            <p:cNvSpPr/>
+            <p:nvPr/>
+          </p:nvSpPr>
+          <p:spPr>
+            <a:xfrm rot="5400000">
+              <a:off x="5349202" y="1787281"/>
+              <a:ext cx="56818" cy="483529"/>
+            </a:xfrm>
+            <a:prstGeom prst="leftBrace">
+              <a:avLst>
+                <a:gd name="adj1" fmla="val 40540"/>
+                <a:gd name="adj2" fmla="val 50000"/>
+              </a:avLst>
+            </a:prstGeom>
+            <a:ln w="19050">
+              <a:solidFill>
+                <a:schemeClr val="tx1">
+                  <a:lumMod val="50000"/>
+                  <a:lumOff val="50000"/>
+                </a:schemeClr>
+              </a:solidFill>
+            </a:ln>
+          </p:spPr>
+          <p:style>
+            <a:lnRef idx="1">
+              <a:schemeClr val="accent1"/>
+            </a:lnRef>
+            <a:fillRef idx="0">
+              <a:schemeClr val="accent1"/>
+            </a:fillRef>
+            <a:effectRef idx="0">
+              <a:schemeClr val="accent1"/>
+            </a:effectRef>
+            <a:fontRef idx="minor">
+              <a:schemeClr val="tx1"/>
+            </a:fontRef>
+          </p:style>
+          <p:txBody>
+            <a:bodyPr rtlCol="0" anchor="ctr"/>
+            <a:lstStyle/>
+            <a:p>
+              <a:pPr algn="ctr"/>
+              <a:endParaRPr lang="en-US"/>
+            </a:p>
+          </p:txBody>
+        </p:sp>
+        <p:grpSp>
+          <p:nvGrpSpPr>
+            <p:cNvPr id="79" name="Group 78"/>
+            <p:cNvGrpSpPr/>
+            <p:nvPr/>
+          </p:nvGrpSpPr>
+          <p:grpSpPr>
+            <a:xfrm>
+              <a:off x="2506501" y="2126983"/>
+              <a:ext cx="2392183" cy="1956631"/>
+              <a:chOff x="2919844" y="1937068"/>
+              <a:chExt cx="3709555" cy="3034146"/>
+            </a:xfrm>
+          </p:grpSpPr>
           <p:sp>
             <p:nvSpPr>
-              <p:cNvPr id="62" name="Cube 61"/>
+              <p:cNvPr id="93" name="Rectangle 92"/>
               <p:cNvSpPr/>
               <p:nvPr/>
             </p:nvSpPr>
             <p:spPr>
               <a:xfrm>
-                <a:off x="1712831" y="2824644"/>
-                <a:ext cx="356259" cy="353802"/>
+                <a:off x="2919844" y="1937068"/>
+                <a:ext cx="3709555" cy="3034146"/>
               </a:xfrm>
-              <a:prstGeom prst="cube">
-                <a:avLst>
-                  <a:gd name="adj" fmla="val 25000"/>
-                </a:avLst>
+              <a:prstGeom prst="rect">
+                <a:avLst/>
               </a:prstGeom>
               <a:solidFill>
-                <a:schemeClr val="bg1">
-                  <a:lumMod val="65000"/>
-                  <a:alpha val="85000"/>
+                <a:schemeClr val="bg2">
+                  <a:lumMod val="50000"/>
+                  <a:alpha val="26000"/>
                 </a:schemeClr>
               </a:solidFill>
-              <a:ln w="0">
-                <a:solidFill>
-                  <a:schemeClr val="tx1">
-                    <a:lumMod val="50000"/>
-                    <a:lumOff val="50000"/>
-                    <a:alpha val="34000"/>
-                  </a:schemeClr>
-                </a:solidFill>
+              <a:ln>
+                <a:noFill/>
               </a:ln>
-              <a:effectLst>
-                <a:outerShdw blurRad="76200" dist="12700" dir="13500000" sy="23000" kx="1200000" algn="br" rotWithShape="0">
-                  <a:prstClr val="black">
-                    <a:alpha val="48000"/>
-                  </a:prstClr>
-                </a:outerShdw>
-              </a:effectLst>
             </p:spPr>
             <p:style>
               <a:lnRef idx="2">
@@ -5381,44 +6493,412 @@
               </a:p>
             </p:txBody>
           </p:sp>
+          <p:cxnSp>
+            <p:nvCxnSpPr>
+              <p:cNvPr id="94" name="Straight Connector 93"/>
+              <p:cNvCxnSpPr/>
+              <p:nvPr/>
+            </p:nvCxnSpPr>
+            <p:spPr>
+              <a:xfrm>
+                <a:off x="5628410" y="1937068"/>
+                <a:ext cx="0" cy="3034146"/>
+              </a:xfrm>
+              <a:prstGeom prst="line">
+                <a:avLst/>
+              </a:prstGeom>
+              <a:ln w="22225" cap="rnd">
+                <a:solidFill>
+                  <a:schemeClr val="tx1">
+                    <a:lumMod val="50000"/>
+                    <a:lumOff val="50000"/>
+                  </a:schemeClr>
+                </a:solidFill>
+                <a:prstDash val="dash"/>
+              </a:ln>
+            </p:spPr>
+            <p:style>
+              <a:lnRef idx="1">
+                <a:schemeClr val="accent1"/>
+              </a:lnRef>
+              <a:fillRef idx="0">
+                <a:schemeClr val="accent1"/>
+              </a:fillRef>
+              <a:effectRef idx="0">
+                <a:schemeClr val="accent1"/>
+              </a:effectRef>
+              <a:fontRef idx="minor">
+                <a:schemeClr val="tx1"/>
+              </a:fontRef>
+            </p:style>
+          </p:cxnSp>
+        </p:grpSp>
+        <p:cxnSp>
+          <p:nvCxnSpPr>
+            <p:cNvPr id="80" name="Straight Connector 79"/>
+            <p:cNvCxnSpPr/>
+            <p:nvPr/>
+          </p:nvCxnSpPr>
+          <p:spPr>
+            <a:xfrm>
+              <a:off x="7927435" y="2689513"/>
+              <a:ext cx="0" cy="794416"/>
+            </a:xfrm>
+            <a:prstGeom prst="line">
+              <a:avLst/>
+            </a:prstGeom>
+            <a:ln w="38100" cap="rnd">
+              <a:solidFill>
+                <a:srgbClr val="777777">
+                  <a:alpha val="70000"/>
+                </a:srgbClr>
+              </a:solidFill>
+              <a:round/>
+            </a:ln>
+            <a:effectLst>
+              <a:outerShdw blurRad="50800" dist="38100" dir="2700000" algn="tl" rotWithShape="0">
+                <a:prstClr val="black">
+                  <a:alpha val="40000"/>
+                </a:prstClr>
+              </a:outerShdw>
+            </a:effectLst>
+          </p:spPr>
+          <p:style>
+            <a:lnRef idx="1">
+              <a:schemeClr val="accent1"/>
+            </a:lnRef>
+            <a:fillRef idx="0">
+              <a:schemeClr val="accent1"/>
+            </a:fillRef>
+            <a:effectRef idx="0">
+              <a:schemeClr val="accent1"/>
+            </a:effectRef>
+            <a:fontRef idx="minor">
+              <a:schemeClr val="tx1"/>
+            </a:fontRef>
+          </p:style>
+        </p:cxnSp>
+        <p:sp>
+          <p:nvSpPr>
+            <p:cNvPr id="81" name="Left Brace 80"/>
+            <p:cNvSpPr/>
+            <p:nvPr/>
+          </p:nvSpPr>
+          <p:spPr>
+            <a:xfrm rot="5400000">
+              <a:off x="3676969" y="840861"/>
+              <a:ext cx="56818" cy="2376369"/>
+            </a:xfrm>
+            <a:prstGeom prst="leftBrace">
+              <a:avLst>
+                <a:gd name="adj1" fmla="val 40540"/>
+                <a:gd name="adj2" fmla="val 50000"/>
+              </a:avLst>
+            </a:prstGeom>
+            <a:ln w="19050">
+              <a:solidFill>
+                <a:schemeClr val="tx1">
+                  <a:lumMod val="50000"/>
+                  <a:lumOff val="50000"/>
+                </a:schemeClr>
+              </a:solidFill>
+            </a:ln>
+          </p:spPr>
+          <p:style>
+            <a:lnRef idx="1">
+              <a:schemeClr val="accent1"/>
+            </a:lnRef>
+            <a:fillRef idx="0">
+              <a:schemeClr val="accent1"/>
+            </a:fillRef>
+            <a:effectRef idx="0">
+              <a:schemeClr val="accent1"/>
+            </a:effectRef>
+            <a:fontRef idx="minor">
+              <a:schemeClr val="tx1"/>
+            </a:fontRef>
+          </p:style>
+          <p:txBody>
+            <a:bodyPr rtlCol="0" anchor="ctr"/>
+            <a:lstStyle/>
+            <a:p>
+              <a:pPr algn="ctr"/>
+              <a:endParaRPr lang="en-US"/>
+            </a:p>
+          </p:txBody>
+        </p:sp>
+        <mc:AlternateContent xmlns:mc="http://schemas.openxmlformats.org/markup-compatibility/2006" xmlns:a14="http://schemas.microsoft.com/office/drawing/2010/main">
+          <mc:Choice Requires="a14">
+            <p:sp>
+              <p:nvSpPr>
+                <p:cNvPr id="82" name="TextBox 81"/>
+                <p:cNvSpPr txBox="1"/>
+                <p:nvPr/>
+              </p:nvSpPr>
+              <p:spPr>
+                <a:xfrm>
+                  <a:off x="3717999" y="1548409"/>
+                  <a:ext cx="2935563" cy="475387"/>
+                </a:xfrm>
+                <a:prstGeom prst="rect">
+                  <a:avLst/>
+                </a:prstGeom>
+                <a:noFill/>
+              </p:spPr>
+              <p:txBody>
+                <a:bodyPr wrap="square" rtlCol="0">
+                  <a:spAutoFit/>
+                </a:bodyPr>
+                <a:lstStyle/>
+                <a:p>
+                  <a14:m>
+                    <m:oMath xmlns:m="http://schemas.openxmlformats.org/officeDocument/2006/math">
+                      <m:sSup>
+                        <m:sSupPr>
+                          <m:ctrlPr>
+                            <a:rPr lang="en-US" sz="2400" i="1">
+                              <a:solidFill>
+                                <a:srgbClr val="17B2B6"/>
+                              </a:solidFill>
+                              <a:latin typeface="Cambria Math" panose="02040503050406030204" pitchFamily="18" charset="0"/>
+                              <a:ea typeface="Segoe UI Symbol" pitchFamily="34" charset="0"/>
+                            </a:rPr>
+                          </m:ctrlPr>
+                        </m:sSupPr>
+                        <m:e>
+                          <m:r>
+                            <a:rPr lang="en-US" sz="2400">
+                              <a:solidFill>
+                                <a:srgbClr val="17B2B6"/>
+                              </a:solidFill>
+                              <a:latin typeface="Cambria Math" panose="02040503050406030204" pitchFamily="18" charset="0"/>
+                              <a:ea typeface="Segoe UI Symbol" pitchFamily="34" charset="0"/>
+                            </a:rPr>
+                            <m:t>𝑖</m:t>
+                          </m:r>
+                        </m:e>
+                        <m:sup>
+                          <m:r>
+                            <a:rPr lang="en-US" sz="2400">
+                              <a:solidFill>
+                                <a:srgbClr val="17B2B6"/>
+                              </a:solidFill>
+                              <a:latin typeface="Cambria Math" panose="02040503050406030204" pitchFamily="18" charset="0"/>
+                              <a:ea typeface="Segoe UI Symbol" pitchFamily="34" charset="0"/>
+                            </a:rPr>
+                            <m:t>𝑡h</m:t>
+                          </m:r>
+                        </m:sup>
+                      </m:sSup>
+                    </m:oMath>
+                  </a14:m>
+                  <a:r>
+                    <a:rPr lang="en-US" sz="2400" dirty="0">
+                      <a:solidFill>
+                        <a:srgbClr val="17B2B6"/>
+                      </a:solidFill>
+                      <a:latin typeface="Euclid" panose="02020503060505020303" pitchFamily="18" charset="0"/>
+                      <a:ea typeface="Segoe UI Symbol" pitchFamily="34" charset="0"/>
+                    </a:rPr>
+                    <a:t> depth of field</a:t>
+                  </a:r>
+                </a:p>
+              </p:txBody>
+            </p:sp>
+          </mc:Choice>
+          <mc:Fallback xmlns="">
+            <p:sp>
+              <p:nvSpPr>
+                <p:cNvPr id="82" name="TextBox 81"/>
+                <p:cNvSpPr txBox="1">
+                  <a:spLocks noRot="1" noChangeAspect="1" noMove="1" noResize="1" noEditPoints="1" noAdjustHandles="1" noChangeArrowheads="1" noChangeShapeType="1" noTextEdit="1"/>
+                </p:cNvSpPr>
+                <p:nvPr/>
+              </p:nvSpPr>
+              <p:spPr>
+                <a:xfrm>
+                  <a:off x="3717999" y="1548409"/>
+                  <a:ext cx="2935563" cy="475387"/>
+                </a:xfrm>
+                <a:prstGeom prst="rect">
+                  <a:avLst/>
+                </a:prstGeom>
+                <a:blipFill>
+                  <a:blip r:embed="rId6"/>
+                  <a:stretch>
+                    <a:fillRect l="-624" t="-6410" b="-29487"/>
+                  </a:stretch>
+                </a:blipFill>
+              </p:spPr>
+              <p:txBody>
+                <a:bodyPr/>
+                <a:lstStyle/>
+                <a:p>
+                  <a:r>
+                    <a:rPr lang="en-US">
+                      <a:noFill/>
+                    </a:rPr>
+                    <a:t> </a:t>
+                  </a:r>
+                </a:p>
+              </p:txBody>
+            </p:sp>
+          </mc:Fallback>
+        </mc:AlternateContent>
+        <p:grpSp>
+          <p:nvGrpSpPr>
+            <p:cNvPr id="83" name="Group 82"/>
+            <p:cNvGrpSpPr/>
+            <p:nvPr/>
+          </p:nvGrpSpPr>
+          <p:grpSpPr>
+            <a:xfrm>
+              <a:off x="6557946" y="3056651"/>
+              <a:ext cx="44768" cy="72822"/>
+              <a:chOff x="8768259" y="3378704"/>
+              <a:chExt cx="69421" cy="112925"/>
+            </a:xfrm>
+          </p:grpSpPr>
+          <p:cxnSp>
+            <p:nvCxnSpPr>
+              <p:cNvPr id="90" name="Straight Connector 89"/>
+              <p:cNvCxnSpPr/>
+              <p:nvPr/>
+            </p:nvCxnSpPr>
+            <p:spPr>
+              <a:xfrm rot="1980000">
+                <a:off x="8807947" y="3378704"/>
+                <a:ext cx="0" cy="104351"/>
+              </a:xfrm>
+              <a:prstGeom prst="line">
+                <a:avLst/>
+              </a:prstGeom>
+              <a:ln w="41275" cap="sq">
+                <a:solidFill>
+                  <a:schemeClr val="bg1"/>
+                </a:solidFill>
+              </a:ln>
+            </p:spPr>
+            <p:style>
+              <a:lnRef idx="1">
+                <a:schemeClr val="dk1"/>
+              </a:lnRef>
+              <a:fillRef idx="0">
+                <a:schemeClr val="dk1"/>
+              </a:fillRef>
+              <a:effectRef idx="0">
+                <a:schemeClr val="dk1"/>
+              </a:effectRef>
+              <a:fontRef idx="minor">
+                <a:schemeClr val="tx1"/>
+              </a:fontRef>
+            </p:style>
+          </p:cxnSp>
+          <p:cxnSp>
+            <p:nvCxnSpPr>
+              <p:cNvPr id="91" name="Straight Connector 90"/>
+              <p:cNvCxnSpPr/>
+              <p:nvPr/>
+            </p:nvCxnSpPr>
+            <p:spPr>
+              <a:xfrm rot="1980000">
+                <a:off x="8768259" y="3382673"/>
+                <a:ext cx="0" cy="104351"/>
+              </a:xfrm>
+              <a:prstGeom prst="line">
+                <a:avLst/>
+              </a:prstGeom>
+              <a:ln w="22225" cap="sq">
+                <a:solidFill>
+                  <a:srgbClr val="F5504E"/>
+                </a:solidFill>
+              </a:ln>
+            </p:spPr>
+            <p:style>
+              <a:lnRef idx="1">
+                <a:schemeClr val="dk1"/>
+              </a:lnRef>
+              <a:fillRef idx="0">
+                <a:schemeClr val="dk1"/>
+              </a:fillRef>
+              <a:effectRef idx="0">
+                <a:schemeClr val="dk1"/>
+              </a:effectRef>
+              <a:fontRef idx="minor">
+                <a:schemeClr val="tx1"/>
+              </a:fontRef>
+            </p:style>
+          </p:cxnSp>
+          <p:cxnSp>
+            <p:nvCxnSpPr>
+              <p:cNvPr id="92" name="Straight Connector 91"/>
+              <p:cNvCxnSpPr/>
+              <p:nvPr/>
+            </p:nvCxnSpPr>
+            <p:spPr>
+              <a:xfrm rot="1980000">
+                <a:off x="8837680" y="3387278"/>
+                <a:ext cx="0" cy="104351"/>
+              </a:xfrm>
+              <a:prstGeom prst="line">
+                <a:avLst/>
+              </a:prstGeom>
+              <a:ln w="22225" cap="sq">
+                <a:solidFill>
+                  <a:srgbClr val="F5504E"/>
+                </a:solidFill>
+              </a:ln>
+            </p:spPr>
+            <p:style>
+              <a:lnRef idx="1">
+                <a:schemeClr val="dk1"/>
+              </a:lnRef>
+              <a:fillRef idx="0">
+                <a:schemeClr val="dk1"/>
+              </a:fillRef>
+              <a:effectRef idx="0">
+                <a:schemeClr val="dk1"/>
+              </a:effectRef>
+              <a:fontRef idx="minor">
+                <a:schemeClr val="tx1"/>
+              </a:fontRef>
+            </p:style>
+          </p:cxnSp>
+        </p:grpSp>
+        <p:grpSp>
+          <p:nvGrpSpPr>
+            <p:cNvPr id="84" name="Group 83"/>
+            <p:cNvGrpSpPr/>
+            <p:nvPr/>
+          </p:nvGrpSpPr>
+          <p:grpSpPr>
+            <a:xfrm>
+              <a:off x="7882588" y="3556044"/>
+              <a:ext cx="274320" cy="214562"/>
+              <a:chOff x="7857188" y="2413044"/>
+              <a:chExt cx="274320" cy="214562"/>
+            </a:xfrm>
+          </p:grpSpPr>
           <p:sp>
             <p:nvSpPr>
-              <p:cNvPr id="63" name="Cube 62"/>
+              <p:cNvPr id="88" name="Right Arrow 87"/>
               <p:cNvSpPr/>
               <p:nvPr/>
             </p:nvSpPr>
             <p:spPr>
-              <a:xfrm>
-                <a:off x="2560481" y="2824644"/>
-                <a:ext cx="356259" cy="353802"/>
+              <a:xfrm flipH="1">
+                <a:off x="7857188" y="2413044"/>
+                <a:ext cx="274320" cy="214562"/>
               </a:xfrm>
-              <a:prstGeom prst="cube">
-                <a:avLst>
-                  <a:gd name="adj" fmla="val 25000"/>
-                </a:avLst>
+              <a:prstGeom prst="rightArrow">
+                <a:avLst/>
               </a:prstGeom>
               <a:solidFill>
-                <a:schemeClr val="bg1">
-                  <a:lumMod val="65000"/>
-                  <a:alpha val="85000"/>
-                </a:schemeClr>
+                <a:srgbClr val="FFC000"/>
               </a:solidFill>
-              <a:ln w="0">
-                <a:solidFill>
-                  <a:schemeClr val="tx1">
-                    <a:lumMod val="50000"/>
-                    <a:lumOff val="50000"/>
-                    <a:alpha val="34000"/>
-                  </a:schemeClr>
-                </a:solidFill>
+              <a:ln>
+                <a:noFill/>
               </a:ln>
-              <a:effectLst>
-                <a:outerShdw blurRad="76200" dist="12700" dir="13500000" sy="23000" kx="1200000" algn="br" rotWithShape="0">
-                  <a:prstClr val="black">
-                    <a:alpha val="48000"/>
-                  </a:prstClr>
-                </a:outerShdw>
-              </a:effectLst>
             </p:spPr>
             <p:style>
               <a:lnRef idx="2">
@@ -5441,364 +6921,31 @@
               <a:lstStyle/>
               <a:p>
                 <a:pPr algn="ctr"/>
-                <a:endParaRPr lang="en-US"/>
+                <a:endParaRPr lang="en-US">
+                  <a:solidFill>
+                    <a:srgbClr val="FFC000"/>
+                  </a:solidFill>
+                </a:endParaRPr>
               </a:p>
             </p:txBody>
           </p:sp>
-          <p:sp>
-            <p:nvSpPr>
-              <p:cNvPr id="64" name="Cube 63"/>
-              <p:cNvSpPr/>
+          <p:cxnSp>
+            <p:nvCxnSpPr>
+              <p:cNvPr id="89" name="Straight Connector 88"/>
+              <p:cNvCxnSpPr/>
               <p:nvPr/>
-            </p:nvSpPr>
+            </p:nvCxnSpPr>
             <p:spPr>
               <a:xfrm>
-                <a:off x="3408131" y="2824644"/>
-                <a:ext cx="356259" cy="353802"/>
+                <a:off x="8083920" y="2432026"/>
+                <a:ext cx="0" cy="182880"/>
               </a:xfrm>
-              <a:prstGeom prst="cube">
-                <a:avLst>
-                  <a:gd name="adj" fmla="val 25000"/>
-                </a:avLst>
-              </a:prstGeom>
-              <a:solidFill>
-                <a:schemeClr val="bg1">
-                  <a:lumMod val="65000"/>
-                  <a:alpha val="85000"/>
-                </a:schemeClr>
-              </a:solidFill>
-              <a:ln w="0">
-                <a:solidFill>
-                  <a:schemeClr val="tx1">
-                    <a:lumMod val="50000"/>
-                    <a:lumOff val="50000"/>
-                    <a:alpha val="34000"/>
-                  </a:schemeClr>
-                </a:solidFill>
-              </a:ln>
-              <a:effectLst>
-                <a:outerShdw blurRad="76200" dist="12700" dir="13500000" sy="23000" kx="1200000" algn="br" rotWithShape="0">
-                  <a:prstClr val="black">
-                    <a:alpha val="48000"/>
-                  </a:prstClr>
-                </a:outerShdw>
-              </a:effectLst>
-            </p:spPr>
-            <p:style>
-              <a:lnRef idx="2">
-                <a:schemeClr val="accent1">
-                  <a:shade val="50000"/>
-                </a:schemeClr>
-              </a:lnRef>
-              <a:fillRef idx="1">
-                <a:schemeClr val="accent1"/>
-              </a:fillRef>
-              <a:effectRef idx="0">
-                <a:schemeClr val="accent1"/>
-              </a:effectRef>
-              <a:fontRef idx="minor">
-                <a:schemeClr val="lt1"/>
-              </a:fontRef>
-            </p:style>
-            <p:txBody>
-              <a:bodyPr rtlCol="0" anchor="ctr"/>
-              <a:lstStyle/>
-              <a:p>
-                <a:pPr algn="ctr"/>
-                <a:endParaRPr lang="en-US"/>
-              </a:p>
-            </p:txBody>
-          </p:sp>
-          <p:sp>
-            <p:nvSpPr>
-              <p:cNvPr id="65" name="Cube 64"/>
-              <p:cNvSpPr/>
-              <p:nvPr/>
-            </p:nvSpPr>
-            <p:spPr>
-              <a:xfrm>
-                <a:off x="5103367" y="2824644"/>
-                <a:ext cx="356259" cy="353802"/>
-              </a:xfrm>
-              <a:prstGeom prst="cube">
-                <a:avLst>
-                  <a:gd name="adj" fmla="val 25000"/>
-                </a:avLst>
-              </a:prstGeom>
-              <a:solidFill>
-                <a:schemeClr val="bg1">
-                  <a:lumMod val="65000"/>
-                  <a:alpha val="85000"/>
-                </a:schemeClr>
-              </a:solidFill>
-              <a:ln w="0">
-                <a:solidFill>
-                  <a:schemeClr val="tx1">
-                    <a:lumMod val="50000"/>
-                    <a:lumOff val="50000"/>
-                    <a:alpha val="34000"/>
-                  </a:schemeClr>
-                </a:solidFill>
-              </a:ln>
-              <a:effectLst>
-                <a:outerShdw blurRad="76200" dist="12700" dir="13500000" sy="23000" kx="1200000" algn="br" rotWithShape="0">
-                  <a:prstClr val="black">
-                    <a:alpha val="48000"/>
-                  </a:prstClr>
-                </a:outerShdw>
-              </a:effectLst>
-            </p:spPr>
-            <p:style>
-              <a:lnRef idx="2">
-                <a:schemeClr val="accent1">
-                  <a:shade val="50000"/>
-                </a:schemeClr>
-              </a:lnRef>
-              <a:fillRef idx="1">
-                <a:schemeClr val="accent1"/>
-              </a:fillRef>
-              <a:effectRef idx="0">
-                <a:schemeClr val="accent1"/>
-              </a:effectRef>
-              <a:fontRef idx="minor">
-                <a:schemeClr val="lt1"/>
-              </a:fontRef>
-            </p:style>
-            <p:txBody>
-              <a:bodyPr rtlCol="0" anchor="ctr"/>
-              <a:lstStyle/>
-              <a:p>
-                <a:pPr algn="ctr"/>
-                <a:endParaRPr lang="en-US"/>
-              </a:p>
-            </p:txBody>
-          </p:sp>
-          <p:sp>
-            <p:nvSpPr>
-              <p:cNvPr id="66" name="Cube 65"/>
-              <p:cNvSpPr/>
-              <p:nvPr/>
-            </p:nvSpPr>
-            <p:spPr>
-              <a:xfrm>
-                <a:off x="5963367" y="2824644"/>
-                <a:ext cx="356259" cy="353802"/>
-              </a:xfrm>
-              <a:prstGeom prst="cube">
-                <a:avLst>
-                  <a:gd name="adj" fmla="val 25000"/>
-                </a:avLst>
-              </a:prstGeom>
-              <a:solidFill>
-                <a:schemeClr val="bg1">
-                  <a:lumMod val="65000"/>
-                  <a:alpha val="85000"/>
-                </a:schemeClr>
-              </a:solidFill>
-              <a:ln w="0">
-                <a:solidFill>
-                  <a:schemeClr val="tx1">
-                    <a:lumMod val="50000"/>
-                    <a:lumOff val="50000"/>
-                    <a:alpha val="34000"/>
-                  </a:schemeClr>
-                </a:solidFill>
-              </a:ln>
-              <a:effectLst>
-                <a:outerShdw blurRad="76200" dist="12700" dir="13500000" sy="23000" kx="1200000" algn="br" rotWithShape="0">
-                  <a:prstClr val="black">
-                    <a:alpha val="48000"/>
-                  </a:prstClr>
-                </a:outerShdw>
-              </a:effectLst>
-            </p:spPr>
-            <p:style>
-              <a:lnRef idx="2">
-                <a:schemeClr val="accent1">
-                  <a:shade val="50000"/>
-                </a:schemeClr>
-              </a:lnRef>
-              <a:fillRef idx="1">
-                <a:schemeClr val="accent1"/>
-              </a:fillRef>
-              <a:effectRef idx="0">
-                <a:schemeClr val="accent1"/>
-              </a:effectRef>
-              <a:fontRef idx="minor">
-                <a:schemeClr val="lt1"/>
-              </a:fontRef>
-            </p:style>
-            <p:txBody>
-              <a:bodyPr rtlCol="0" anchor="ctr"/>
-              <a:lstStyle/>
-              <a:p>
-                <a:pPr algn="ctr"/>
-                <a:endParaRPr lang="en-US"/>
-              </a:p>
-            </p:txBody>
-          </p:sp>
-          <p:sp>
-            <p:nvSpPr>
-              <p:cNvPr id="67" name="TextBox 66"/>
-              <p:cNvSpPr txBox="1"/>
-              <p:nvPr/>
-            </p:nvSpPr>
-            <p:spPr>
-              <a:xfrm>
-                <a:off x="6701493" y="3743075"/>
-                <a:ext cx="1648574" cy="830997"/>
-              </a:xfrm>
-              <a:prstGeom prst="rect">
+              <a:prstGeom prst="line">
                 <a:avLst/>
               </a:prstGeom>
-              <a:noFill/>
-            </p:spPr>
-            <p:txBody>
-              <a:bodyPr wrap="square" rtlCol="0">
-                <a:spAutoFit/>
-              </a:bodyPr>
-              <a:lstStyle/>
-              <a:p>
-                <a:pPr algn="r"/>
-                <a:r>
-                  <a:rPr lang="en-US" sz="2400" dirty="0">
-                    <a:solidFill>
-                      <a:srgbClr val="17B2B6"/>
-                    </a:solidFill>
-                    <a:latin typeface="Euclid" panose="02020503060505020303" pitchFamily="18" charset="0"/>
-                    <a:ea typeface="Segoe UI Symbol" pitchFamily="34" charset="0"/>
-                  </a:rPr>
-                  <a:t>Sensor translation</a:t>
-                </a:r>
-              </a:p>
-            </p:txBody>
-          </p:sp>
-          <p:grpSp>
-            <p:nvGrpSpPr>
-              <p:cNvPr id="68" name="Group 67"/>
-              <p:cNvGrpSpPr/>
-              <p:nvPr/>
-            </p:nvGrpSpPr>
-            <p:grpSpPr>
-              <a:xfrm>
-                <a:off x="6105325" y="2126983"/>
-                <a:ext cx="87358" cy="1956631"/>
-                <a:chOff x="8066380" y="1937068"/>
-                <a:chExt cx="135466" cy="3034146"/>
-              </a:xfrm>
-            </p:grpSpPr>
-            <p:sp>
-              <p:nvSpPr>
-                <p:cNvPr id="101" name="Rectangle 100"/>
-                <p:cNvSpPr/>
-                <p:nvPr/>
-              </p:nvSpPr>
-              <p:spPr>
-                <a:xfrm>
-                  <a:off x="8066380" y="1937068"/>
-                  <a:ext cx="135466" cy="3034146"/>
-                </a:xfrm>
-                <a:prstGeom prst="rect">
-                  <a:avLst/>
-                </a:prstGeom>
+              <a:ln w="38100">
                 <a:solidFill>
-                  <a:schemeClr val="bg2">
-                    <a:lumMod val="50000"/>
-                    <a:alpha val="55000"/>
-                  </a:schemeClr>
-                </a:solidFill>
-                <a:ln>
-                  <a:noFill/>
-                </a:ln>
-              </p:spPr>
-              <p:style>
-                <a:lnRef idx="2">
-                  <a:schemeClr val="accent1">
-                    <a:shade val="50000"/>
-                  </a:schemeClr>
-                </a:lnRef>
-                <a:fillRef idx="1">
-                  <a:schemeClr val="accent1"/>
-                </a:fillRef>
-                <a:effectRef idx="0">
-                  <a:schemeClr val="accent1"/>
-                </a:effectRef>
-                <a:fontRef idx="minor">
-                  <a:schemeClr val="lt1"/>
-                </a:fontRef>
-              </p:style>
-              <p:txBody>
-                <a:bodyPr rtlCol="0" anchor="ctr"/>
-                <a:lstStyle/>
-                <a:p>
-                  <a:pPr algn="ctr"/>
-                  <a:endParaRPr lang="en-US"/>
-                </a:p>
-              </p:txBody>
-            </p:sp>
-            <p:cxnSp>
-              <p:nvCxnSpPr>
-                <p:cNvPr id="102" name="Straight Connector 101"/>
-                <p:cNvCxnSpPr/>
-                <p:nvPr/>
-              </p:nvCxnSpPr>
-              <p:spPr>
-                <a:xfrm>
-                  <a:off x="8121023" y="1937068"/>
-                  <a:ext cx="0" cy="3034146"/>
-                </a:xfrm>
-                <a:prstGeom prst="line">
-                  <a:avLst/>
-                </a:prstGeom>
-                <a:ln w="22225" cap="rnd">
-                  <a:solidFill>
-                    <a:schemeClr val="tx1">
-                      <a:lumMod val="50000"/>
-                      <a:lumOff val="50000"/>
-                    </a:schemeClr>
-                  </a:solidFill>
-                  <a:prstDash val="dash"/>
-                </a:ln>
-              </p:spPr>
-              <p:style>
-                <a:lnRef idx="1">
-                  <a:schemeClr val="accent1"/>
-                </a:lnRef>
-                <a:fillRef idx="0">
-                  <a:schemeClr val="accent1"/>
-                </a:fillRef>
-                <a:effectRef idx="0">
-                  <a:schemeClr val="accent1"/>
-                </a:effectRef>
-                <a:fontRef idx="minor">
-                  <a:schemeClr val="tx1"/>
-                </a:fontRef>
-              </p:style>
-            </p:cxnSp>
-          </p:grpSp>
-          <p:sp>
-            <p:nvSpPr>
-              <p:cNvPr id="69" name="Left Brace 68"/>
-              <p:cNvSpPr/>
-              <p:nvPr/>
-            </p:nvSpPr>
-            <p:spPr>
-              <a:xfrm rot="5400000">
-                <a:off x="6119212" y="1986049"/>
-                <a:ext cx="56818" cy="85994"/>
-              </a:xfrm>
-              <a:prstGeom prst="leftBrace">
-                <a:avLst>
-                  <a:gd name="adj1" fmla="val 40540"/>
-                  <a:gd name="adj2" fmla="val 50000"/>
-                </a:avLst>
-              </a:prstGeom>
-              <a:ln w="19050">
-                <a:solidFill>
-                  <a:schemeClr val="tx1">
-                    <a:lumMod val="50000"/>
-                    <a:lumOff val="50000"/>
-                  </a:schemeClr>
+                  <a:schemeClr val="bg1"/>
                 </a:solidFill>
               </a:ln>
             </p:spPr>
@@ -5816,1254 +6963,199 @@
                 <a:schemeClr val="tx1"/>
               </a:fontRef>
             </p:style>
-            <p:txBody>
-              <a:bodyPr rtlCol="0" anchor="ctr"/>
-              <a:lstStyle/>
-              <a:p>
-                <a:pPr algn="ctr"/>
-                <a:endParaRPr lang="en-US"/>
-              </a:p>
-            </p:txBody>
-          </p:sp>
-          <p:cxnSp>
-            <p:nvCxnSpPr>
-              <p:cNvPr id="70" name="Straight Connector 69"/>
-              <p:cNvCxnSpPr/>
-              <p:nvPr/>
-            </p:nvCxnSpPr>
-            <p:spPr>
-              <a:xfrm>
-                <a:off x="8071220" y="2689513"/>
-                <a:ext cx="0" cy="794416"/>
-              </a:xfrm>
-              <a:prstGeom prst="line">
-                <a:avLst/>
-              </a:prstGeom>
-              <a:ln w="38100" cap="rnd">
+          </p:cxnSp>
+        </p:grpSp>
+        <p:sp>
+          <p:nvSpPr>
+            <p:cNvPr id="85" name="TextBox 84"/>
+            <p:cNvSpPr txBox="1"/>
+            <p:nvPr/>
+          </p:nvSpPr>
+          <p:spPr>
+            <a:xfrm>
+              <a:off x="7669710" y="2331302"/>
+              <a:ext cx="697627" cy="400110"/>
+            </a:xfrm>
+            <a:prstGeom prst="rect">
+              <a:avLst/>
+            </a:prstGeom>
+            <a:noFill/>
+          </p:spPr>
+          <p:txBody>
+            <a:bodyPr wrap="none" rtlCol="0">
+              <a:spAutoFit/>
+            </a:bodyPr>
+            <a:lstStyle/>
+            <a:p>
+              <a:r>
+                <a:rPr lang="en-US" sz="2000" dirty="0">
+                  <a:solidFill>
+                    <a:schemeClr val="tx1">
+                      <a:lumMod val="75000"/>
+                      <a:lumOff val="25000"/>
+                    </a:schemeClr>
+                  </a:solidFill>
+                  <a:latin typeface="Euclid" panose="02020503060505020303" pitchFamily="18" charset="0"/>
+                </a:rPr>
+                <a:t>5…1</a:t>
+              </a:r>
+            </a:p>
+          </p:txBody>
+        </p:sp>
+        <p:sp>
+          <p:nvSpPr>
+            <p:cNvPr id="86" name="TextBox 85"/>
+            <p:cNvSpPr txBox="1"/>
+            <p:nvPr/>
+          </p:nvSpPr>
+          <p:spPr>
+            <a:xfrm>
+              <a:off x="5999850" y="4050532"/>
+              <a:ext cx="312905" cy="400110"/>
+            </a:xfrm>
+            <a:prstGeom prst="rect">
+              <a:avLst/>
+            </a:prstGeom>
+            <a:noFill/>
+          </p:spPr>
+          <p:txBody>
+            <a:bodyPr wrap="none" rtlCol="0">
+              <a:spAutoFit/>
+            </a:bodyPr>
+            <a:lstStyle/>
+            <a:p>
+              <a:r>
+                <a:rPr lang="en-US" sz="2000" dirty="0">
+                  <a:solidFill>
+                    <a:schemeClr val="tx1">
+                      <a:lumMod val="75000"/>
+                      <a:lumOff val="25000"/>
+                    </a:schemeClr>
+                  </a:solidFill>
+                  <a:latin typeface="Euclid" panose="02020503060505020303" pitchFamily="18" charset="0"/>
+                </a:rPr>
+                <a:t>1</a:t>
+              </a:r>
+            </a:p>
+          </p:txBody>
+        </p:sp>
+        <p:sp>
+          <p:nvSpPr>
+            <p:cNvPr id="87" name="TextBox 86"/>
+            <p:cNvSpPr txBox="1"/>
+            <p:nvPr/>
+          </p:nvSpPr>
+          <p:spPr>
+            <a:xfrm>
+              <a:off x="4096723" y="4050532"/>
+              <a:ext cx="312905" cy="400110"/>
+            </a:xfrm>
+            <a:prstGeom prst="rect">
+              <a:avLst/>
+            </a:prstGeom>
+            <a:noFill/>
+          </p:spPr>
+          <p:txBody>
+            <a:bodyPr wrap="none" rtlCol="0">
+              <a:spAutoFit/>
+            </a:bodyPr>
+            <a:lstStyle/>
+            <a:p>
+              <a:r>
+                <a:rPr lang="en-US" sz="2000" dirty="0">
+                  <a:solidFill>
+                    <a:schemeClr val="tx1">
+                      <a:lumMod val="75000"/>
+                      <a:lumOff val="25000"/>
+                    </a:schemeClr>
+                  </a:solidFill>
+                  <a:latin typeface="Euclid" panose="02020503060505020303" pitchFamily="18" charset="0"/>
+                </a:rPr>
+                <a:t>5</a:t>
+              </a:r>
+            </a:p>
+          </p:txBody>
+        </p:sp>
+      </p:grpSp>
+      <p:sp>
+        <p:nvSpPr>
+          <p:cNvPr id="103" name="Text Box 197"/>
+          <p:cNvSpPr txBox="1">
+            <a:spLocks noChangeArrowheads="1"/>
+          </p:cNvSpPr>
+          <p:nvPr/>
+        </p:nvSpPr>
+        <p:spPr bwMode="auto">
+          <a:xfrm>
+            <a:off x="213524" y="11509683"/>
+            <a:ext cx="19903276" cy="3288264"/>
+          </a:xfrm>
+          <a:prstGeom prst="rect">
+            <a:avLst/>
+          </a:prstGeom>
+          <a:noFill/>
+          <a:ln w="19050">
+            <a:noFill/>
+            <a:prstDash val="dash"/>
+            <a:miter lim="800000"/>
+            <a:headEnd/>
+            <a:tailEnd/>
+          </a:ln>
+          <a:effectLst/>
+          <a:extLst/>
+        </p:spPr>
+        <p:txBody>
+          <a:bodyPr lIns="228600" tIns="228600" rIns="118872" bIns="228600"/>
+          <a:lstStyle/>
+          <a:p>
+            <a:pPr algn="just" defTabSz="4493876" fontAlgn="auto">
+              <a:spcBef>
+                <a:spcPts val="1200"/>
+              </a:spcBef>
+              <a:defRPr/>
+            </a:pPr>
+            <a:r>
+              <a:rPr lang="en-US" sz="3200">
                 <a:solidFill>
-                  <a:srgbClr val="777777">
-                    <a:alpha val="90000"/>
-                  </a:srgbClr>
-                </a:solidFill>
-                <a:round/>
-              </a:ln>
-              <a:effectLst>
-                <a:outerShdw blurRad="50800" dist="38100" dir="2700000" algn="tl" rotWithShape="0">
-                  <a:prstClr val="black">
-                    <a:alpha val="40000"/>
-                  </a:prstClr>
-                </a:outerShdw>
-              </a:effectLst>
-            </p:spPr>
-            <p:style>
-              <a:lnRef idx="1">
-                <a:schemeClr val="accent1"/>
-              </a:lnRef>
-              <a:fillRef idx="0">
-                <a:schemeClr val="accent1"/>
-              </a:fillRef>
-              <a:effectRef idx="0">
-                <a:schemeClr val="accent1"/>
-              </a:effectRef>
-              <a:fontRef idx="minor">
-                <a:schemeClr val="tx1"/>
-              </a:fontRef>
-            </p:style>
-          </p:cxnSp>
-          <p:grpSp>
-            <p:nvGrpSpPr>
-              <p:cNvPr id="71" name="Group 70"/>
-              <p:cNvGrpSpPr/>
-              <p:nvPr/>
-            </p:nvGrpSpPr>
-            <p:grpSpPr>
-              <a:xfrm>
-                <a:off x="5963366" y="2126983"/>
-                <a:ext cx="134677" cy="1956631"/>
-                <a:chOff x="7846245" y="1937068"/>
-                <a:chExt cx="208844" cy="3034146"/>
-              </a:xfrm>
-            </p:grpSpPr>
-            <p:sp>
-              <p:nvSpPr>
-                <p:cNvPr id="99" name="Rectangle 98"/>
-                <p:cNvSpPr/>
-                <p:nvPr/>
-              </p:nvSpPr>
-              <p:spPr>
-                <a:xfrm>
-                  <a:off x="7846245" y="1937068"/>
-                  <a:ext cx="208844" cy="3034146"/>
-                </a:xfrm>
-                <a:prstGeom prst="rect">
-                  <a:avLst/>
-                </a:prstGeom>
-                <a:solidFill>
-                  <a:schemeClr val="bg2">
-                    <a:lumMod val="50000"/>
-                    <a:alpha val="47000"/>
+                  <a:schemeClr val="tx1">
+                    <a:lumMod val="75000"/>
+                    <a:lumOff val="25000"/>
                   </a:schemeClr>
                 </a:solidFill>
-                <a:ln>
-                  <a:noFill/>
-                </a:ln>
-              </p:spPr>
-              <p:style>
-                <a:lnRef idx="2">
-                  <a:schemeClr val="accent1">
-                    <a:shade val="50000"/>
-                  </a:schemeClr>
-                </a:lnRef>
-                <a:fillRef idx="1">
-                  <a:schemeClr val="accent1"/>
-                </a:fillRef>
-                <a:effectRef idx="0">
-                  <a:schemeClr val="accent1"/>
-                </a:effectRef>
-                <a:fontRef idx="minor">
-                  <a:schemeClr val="lt1"/>
-                </a:fontRef>
-              </p:style>
-              <p:txBody>
-                <a:bodyPr rtlCol="0" anchor="ctr"/>
-                <a:lstStyle/>
-                <a:p>
-                  <a:pPr algn="ctr"/>
-                  <a:endParaRPr lang="en-US"/>
-                </a:p>
-              </p:txBody>
-            </p:sp>
-            <p:cxnSp>
-              <p:nvCxnSpPr>
-                <p:cNvPr id="100" name="Straight Connector 99"/>
-                <p:cNvCxnSpPr/>
-                <p:nvPr/>
-              </p:nvCxnSpPr>
-              <p:spPr>
-                <a:xfrm>
-                  <a:off x="7944382" y="1937068"/>
-                  <a:ext cx="0" cy="3034146"/>
-                </a:xfrm>
-                <a:prstGeom prst="line">
-                  <a:avLst/>
-                </a:prstGeom>
-                <a:ln w="22225" cap="rnd">
-                  <a:solidFill>
-                    <a:schemeClr val="tx1">
-                      <a:lumMod val="50000"/>
-                      <a:lumOff val="50000"/>
-                    </a:schemeClr>
-                  </a:solidFill>
-                  <a:prstDash val="dash"/>
-                </a:ln>
-              </p:spPr>
-              <p:style>
-                <a:lnRef idx="1">
-                  <a:schemeClr val="accent1"/>
-                </a:lnRef>
-                <a:fillRef idx="0">
-                  <a:schemeClr val="accent1"/>
-                </a:fillRef>
-                <a:effectRef idx="0">
-                  <a:schemeClr val="accent1"/>
-                </a:effectRef>
-                <a:fontRef idx="minor">
-                  <a:schemeClr val="tx1"/>
-                </a:fontRef>
-              </p:style>
-            </p:cxnSp>
-          </p:grpSp>
-          <p:sp>
-            <p:nvSpPr>
-              <p:cNvPr id="72" name="Left Brace 71"/>
-              <p:cNvSpPr/>
-              <p:nvPr/>
-            </p:nvSpPr>
-            <p:spPr>
-              <a:xfrm rot="5400000">
-                <a:off x="6000603" y="1964182"/>
-                <a:ext cx="56818" cy="129727"/>
-              </a:xfrm>
-              <a:prstGeom prst="leftBrace">
-                <a:avLst>
-                  <a:gd name="adj1" fmla="val 40540"/>
-                  <a:gd name="adj2" fmla="val 50000"/>
-                </a:avLst>
-              </a:prstGeom>
-              <a:ln w="19050">
+                <a:latin typeface="Euclid" panose="02020503060505020303" pitchFamily="18" charset="0"/>
+                <a:ea typeface="Segoe UI Symbol" pitchFamily="34" charset="0"/>
+              </a:rPr>
+              <a:t>Although the plane of sharp focus can be oriented to maximize focus on a tilted plane in Scheimpflug imaging, its </a:t>
+            </a:r>
+            <a:r>
+              <a:rPr lang="en-US" sz="3200">
                 <a:solidFill>
                   <a:schemeClr val="tx1">
-                    <a:lumMod val="50000"/>
-                    <a:lumOff val="50000"/>
+                    <a:lumMod val="75000"/>
+                    <a:lumOff val="25000"/>
                   </a:schemeClr>
                 </a:solidFill>
-              </a:ln>
-            </p:spPr>
-            <p:style>
-              <a:lnRef idx="1">
-                <a:schemeClr val="accent1"/>
-              </a:lnRef>
-              <a:fillRef idx="0">
-                <a:schemeClr val="accent1"/>
-              </a:fillRef>
-              <a:effectRef idx="0">
-                <a:schemeClr val="accent1"/>
-              </a:effectRef>
-              <a:fontRef idx="minor">
-                <a:schemeClr val="tx1"/>
-              </a:fontRef>
-            </p:style>
-            <p:txBody>
-              <a:bodyPr rtlCol="0" anchor="ctr"/>
-              <a:lstStyle/>
-              <a:p>
-                <a:pPr algn="ctr"/>
-                <a:endParaRPr lang="en-US"/>
-              </a:p>
-            </p:txBody>
-          </p:sp>
-          <p:grpSp>
-            <p:nvGrpSpPr>
-              <p:cNvPr id="73" name="Group 72"/>
-              <p:cNvGrpSpPr/>
-              <p:nvPr/>
-            </p:nvGrpSpPr>
-            <p:grpSpPr>
-              <a:xfrm>
-                <a:off x="5719490" y="2126983"/>
-                <a:ext cx="211116" cy="1956631"/>
-                <a:chOff x="7468067" y="1937068"/>
-                <a:chExt cx="327378" cy="3034146"/>
-              </a:xfrm>
-            </p:grpSpPr>
-            <p:sp>
-              <p:nvSpPr>
-                <p:cNvPr id="97" name="Rectangle 96"/>
-                <p:cNvSpPr/>
-                <p:nvPr/>
-              </p:nvSpPr>
-              <p:spPr>
-                <a:xfrm>
-                  <a:off x="7468067" y="1937068"/>
-                  <a:ext cx="327378" cy="3034146"/>
-                </a:xfrm>
-                <a:prstGeom prst="rect">
-                  <a:avLst/>
-                </a:prstGeom>
+                <a:latin typeface="Euclid" panose="02020503060505020303" pitchFamily="18" charset="0"/>
+                <a:ea typeface="Segoe UI Symbol" pitchFamily="34" charset="0"/>
+              </a:rPr>
+              <a:t>DOF is </a:t>
+            </a:r>
+            <a:r>
+              <a:rPr lang="en-US" sz="3200">
                 <a:solidFill>
-                  <a:schemeClr val="bg2">
-                    <a:lumMod val="50000"/>
-                    <a:alpha val="41000"/>
+                  <a:schemeClr val="tx1">
+                    <a:lumMod val="75000"/>
+                    <a:lumOff val="25000"/>
                   </a:schemeClr>
                 </a:solidFill>
-                <a:ln>
-                  <a:noFill/>
-                </a:ln>
-              </p:spPr>
-              <p:style>
-                <a:lnRef idx="2">
-                  <a:schemeClr val="accent1">
-                    <a:shade val="50000"/>
-                  </a:schemeClr>
-                </a:lnRef>
-                <a:fillRef idx="1">
-                  <a:schemeClr val="accent1"/>
-                </a:fillRef>
-                <a:effectRef idx="0">
-                  <a:schemeClr val="accent1"/>
-                </a:effectRef>
-                <a:fontRef idx="minor">
-                  <a:schemeClr val="lt1"/>
-                </a:fontRef>
-              </p:style>
-              <p:txBody>
-                <a:bodyPr rtlCol="0" anchor="ctr"/>
-                <a:lstStyle/>
-                <a:p>
-                  <a:pPr algn="ctr"/>
-                  <a:endParaRPr lang="en-US"/>
-                </a:p>
-              </p:txBody>
-            </p:sp>
-            <p:cxnSp>
-              <p:nvCxnSpPr>
-                <p:cNvPr id="98" name="Straight Connector 97"/>
-                <p:cNvCxnSpPr/>
-                <p:nvPr/>
-              </p:nvCxnSpPr>
-              <p:spPr>
-                <a:xfrm>
-                  <a:off x="7663827" y="1937068"/>
-                  <a:ext cx="0" cy="3034146"/>
-                </a:xfrm>
-                <a:prstGeom prst="line">
-                  <a:avLst/>
-                </a:prstGeom>
-                <a:ln w="22225" cap="rnd">
-                  <a:solidFill>
-                    <a:schemeClr val="tx1">
-                      <a:lumMod val="50000"/>
-                      <a:lumOff val="50000"/>
-                    </a:schemeClr>
-                  </a:solidFill>
-                  <a:prstDash val="dash"/>
-                </a:ln>
-              </p:spPr>
-              <p:style>
-                <a:lnRef idx="1">
-                  <a:schemeClr val="accent1"/>
-                </a:lnRef>
-                <a:fillRef idx="0">
-                  <a:schemeClr val="accent1"/>
-                </a:fillRef>
-                <a:effectRef idx="0">
-                  <a:schemeClr val="accent1"/>
-                </a:effectRef>
-                <a:fontRef idx="minor">
-                  <a:schemeClr val="tx1"/>
-                </a:fontRef>
-              </p:style>
-            </p:cxnSp>
-          </p:grpSp>
-          <p:cxnSp>
-            <p:nvCxnSpPr>
-              <p:cNvPr id="74" name="Straight Connector 73"/>
-              <p:cNvCxnSpPr/>
-              <p:nvPr/>
-            </p:nvCxnSpPr>
-            <p:spPr>
-              <a:xfrm>
-                <a:off x="8023640" y="2689513"/>
-                <a:ext cx="0" cy="794416"/>
-              </a:xfrm>
-              <a:prstGeom prst="line">
-                <a:avLst/>
-              </a:prstGeom>
-              <a:ln w="38100" cap="rnd">
-                <a:solidFill>
-                  <a:srgbClr val="777777">
-                    <a:alpha val="80000"/>
-                  </a:srgbClr>
-                </a:solidFill>
-                <a:round/>
-              </a:ln>
-              <a:effectLst>
-                <a:outerShdw blurRad="50800" dist="38100" dir="2700000" algn="tl" rotWithShape="0">
-                  <a:prstClr val="black">
-                    <a:alpha val="40000"/>
-                  </a:prstClr>
-                </a:outerShdw>
-              </a:effectLst>
-            </p:spPr>
-            <p:style>
-              <a:lnRef idx="1">
-                <a:schemeClr val="accent1"/>
-              </a:lnRef>
-              <a:fillRef idx="0">
-                <a:schemeClr val="accent1"/>
-              </a:fillRef>
-              <a:effectRef idx="0">
-                <a:schemeClr val="accent1"/>
-              </a:effectRef>
-              <a:fontRef idx="minor">
-                <a:schemeClr val="tx1"/>
-              </a:fontRef>
-            </p:style>
-          </p:cxnSp>
-          <p:sp>
-            <p:nvSpPr>
-              <p:cNvPr id="75" name="Left Brace 74"/>
-              <p:cNvSpPr/>
-              <p:nvPr/>
-            </p:nvSpPr>
-            <p:spPr>
-              <a:xfrm rot="5400000">
-                <a:off x="5795795" y="1928802"/>
-                <a:ext cx="56818" cy="200488"/>
-              </a:xfrm>
-              <a:prstGeom prst="leftBrace">
-                <a:avLst>
-                  <a:gd name="adj1" fmla="val 40540"/>
-                  <a:gd name="adj2" fmla="val 50000"/>
-                </a:avLst>
-              </a:prstGeom>
-              <a:ln w="19050">
-                <a:solidFill>
-                  <a:schemeClr val="tx1">
-                    <a:lumMod val="50000"/>
-                    <a:lumOff val="50000"/>
-                  </a:schemeClr>
-                </a:solidFill>
-              </a:ln>
-            </p:spPr>
-            <p:style>
-              <a:lnRef idx="1">
-                <a:schemeClr val="accent1"/>
-              </a:lnRef>
-              <a:fillRef idx="0">
-                <a:schemeClr val="accent1"/>
-              </a:fillRef>
-              <a:effectRef idx="0">
-                <a:schemeClr val="accent1"/>
-              </a:effectRef>
-              <a:fontRef idx="minor">
-                <a:schemeClr val="tx1"/>
-              </a:fontRef>
-            </p:style>
-            <p:txBody>
-              <a:bodyPr rtlCol="0" anchor="ctr"/>
-              <a:lstStyle/>
-              <a:p>
-                <a:pPr algn="ctr"/>
-                <a:endParaRPr lang="en-US"/>
-              </a:p>
-            </p:txBody>
-          </p:sp>
-          <p:grpSp>
-            <p:nvGrpSpPr>
-              <p:cNvPr id="76" name="Group 75"/>
-              <p:cNvGrpSpPr/>
-              <p:nvPr/>
-            </p:nvGrpSpPr>
-            <p:grpSpPr>
-              <a:xfrm>
-                <a:off x="5130900" y="2126983"/>
-                <a:ext cx="493952" cy="1956631"/>
-                <a:chOff x="6555341" y="1937068"/>
-                <a:chExt cx="765971" cy="3034146"/>
-              </a:xfrm>
-            </p:grpSpPr>
-            <p:sp>
-              <p:nvSpPr>
-                <p:cNvPr id="95" name="Rectangle 94"/>
-                <p:cNvSpPr/>
-                <p:nvPr/>
-              </p:nvSpPr>
-              <p:spPr>
-                <a:xfrm>
-                  <a:off x="6555341" y="1937068"/>
-                  <a:ext cx="765971" cy="3034146"/>
-                </a:xfrm>
-                <a:prstGeom prst="rect">
-                  <a:avLst/>
-                </a:prstGeom>
-                <a:solidFill>
-                  <a:schemeClr val="bg2">
-                    <a:lumMod val="50000"/>
-                    <a:alpha val="35000"/>
-                  </a:schemeClr>
-                </a:solidFill>
-                <a:ln>
-                  <a:noFill/>
-                </a:ln>
-              </p:spPr>
-              <p:style>
-                <a:lnRef idx="2">
-                  <a:schemeClr val="accent1">
-                    <a:shade val="50000"/>
-                  </a:schemeClr>
-                </a:lnRef>
-                <a:fillRef idx="1">
-                  <a:schemeClr val="accent1"/>
-                </a:fillRef>
-                <a:effectRef idx="0">
-                  <a:schemeClr val="accent1"/>
-                </a:effectRef>
-                <a:fontRef idx="minor">
-                  <a:schemeClr val="lt1"/>
-                </a:fontRef>
-              </p:style>
-              <p:txBody>
-                <a:bodyPr rtlCol="0" anchor="ctr"/>
-                <a:lstStyle/>
-                <a:p>
-                  <a:pPr algn="ctr"/>
-                  <a:endParaRPr lang="en-US"/>
-                </a:p>
-              </p:txBody>
-            </p:sp>
-            <p:cxnSp>
-              <p:nvCxnSpPr>
-                <p:cNvPr id="96" name="Straight Connector 95"/>
-                <p:cNvCxnSpPr/>
-                <p:nvPr/>
-              </p:nvCxnSpPr>
-              <p:spPr>
-                <a:xfrm>
-                  <a:off x="7047300" y="1937068"/>
-                  <a:ext cx="0" cy="3034146"/>
-                </a:xfrm>
-                <a:prstGeom prst="line">
-                  <a:avLst/>
-                </a:prstGeom>
-                <a:ln w="22225" cap="rnd">
-                  <a:solidFill>
-                    <a:schemeClr val="tx1">
-                      <a:lumMod val="50000"/>
-                      <a:lumOff val="50000"/>
-                    </a:schemeClr>
-                  </a:solidFill>
-                  <a:prstDash val="dash"/>
-                </a:ln>
-              </p:spPr>
-              <p:style>
-                <a:lnRef idx="1">
-                  <a:schemeClr val="accent1"/>
-                </a:lnRef>
-                <a:fillRef idx="0">
-                  <a:schemeClr val="accent1"/>
-                </a:fillRef>
-                <a:effectRef idx="0">
-                  <a:schemeClr val="accent1"/>
-                </a:effectRef>
-                <a:fontRef idx="minor">
-                  <a:schemeClr val="tx1"/>
-                </a:fontRef>
-              </p:style>
-            </p:cxnSp>
-          </p:grpSp>
-          <p:cxnSp>
-            <p:nvCxnSpPr>
-              <p:cNvPr id="77" name="Straight Connector 76"/>
-              <p:cNvCxnSpPr/>
-              <p:nvPr/>
-            </p:nvCxnSpPr>
-            <p:spPr>
-              <a:xfrm>
-                <a:off x="7976728" y="2689513"/>
-                <a:ext cx="0" cy="794416"/>
-              </a:xfrm>
-              <a:prstGeom prst="line">
-                <a:avLst/>
-              </a:prstGeom>
-              <a:ln w="38100" cap="rnd">
-                <a:solidFill>
-                  <a:srgbClr val="777777">
-                    <a:alpha val="70000"/>
-                  </a:srgbClr>
-                </a:solidFill>
-                <a:round/>
-              </a:ln>
-              <a:effectLst>
-                <a:outerShdw blurRad="50800" dist="38100" dir="2700000" algn="tl" rotWithShape="0">
-                  <a:prstClr val="black">
-                    <a:alpha val="40000"/>
-                  </a:prstClr>
-                </a:outerShdw>
-              </a:effectLst>
-            </p:spPr>
-            <p:style>
-              <a:lnRef idx="1">
-                <a:schemeClr val="accent1"/>
-              </a:lnRef>
-              <a:fillRef idx="0">
-                <a:schemeClr val="accent1"/>
-              </a:fillRef>
-              <a:effectRef idx="0">
-                <a:schemeClr val="accent1"/>
-              </a:effectRef>
-              <a:fontRef idx="minor">
-                <a:schemeClr val="tx1"/>
-              </a:fontRef>
-            </p:style>
-          </p:cxnSp>
-          <p:sp>
-            <p:nvSpPr>
-              <p:cNvPr id="78" name="Left Brace 77"/>
-              <p:cNvSpPr/>
-              <p:nvPr/>
-            </p:nvSpPr>
-            <p:spPr>
-              <a:xfrm rot="5400000">
-                <a:off x="5349202" y="1787281"/>
-                <a:ext cx="56818" cy="483529"/>
-              </a:xfrm>
-              <a:prstGeom prst="leftBrace">
-                <a:avLst>
-                  <a:gd name="adj1" fmla="val 40540"/>
-                  <a:gd name="adj2" fmla="val 50000"/>
-                </a:avLst>
-              </a:prstGeom>
-              <a:ln w="19050">
-                <a:solidFill>
-                  <a:schemeClr val="tx1">
-                    <a:lumMod val="50000"/>
-                    <a:lumOff val="50000"/>
-                  </a:schemeClr>
-                </a:solidFill>
-              </a:ln>
-            </p:spPr>
-            <p:style>
-              <a:lnRef idx="1">
-                <a:schemeClr val="accent1"/>
-              </a:lnRef>
-              <a:fillRef idx="0">
-                <a:schemeClr val="accent1"/>
-              </a:fillRef>
-              <a:effectRef idx="0">
-                <a:schemeClr val="accent1"/>
-              </a:effectRef>
-              <a:fontRef idx="minor">
-                <a:schemeClr val="tx1"/>
-              </a:fontRef>
-            </p:style>
-            <p:txBody>
-              <a:bodyPr rtlCol="0" anchor="ctr"/>
-              <a:lstStyle/>
-              <a:p>
-                <a:pPr algn="ctr"/>
-                <a:endParaRPr lang="en-US"/>
-              </a:p>
-            </p:txBody>
-          </p:sp>
-          <p:grpSp>
-            <p:nvGrpSpPr>
-              <p:cNvPr id="79" name="Group 78"/>
-              <p:cNvGrpSpPr/>
-              <p:nvPr/>
-            </p:nvGrpSpPr>
-            <p:grpSpPr>
-              <a:xfrm>
-                <a:off x="2506501" y="2126983"/>
-                <a:ext cx="2392183" cy="1956631"/>
-                <a:chOff x="2919844" y="1937068"/>
-                <a:chExt cx="3709555" cy="3034146"/>
-              </a:xfrm>
-            </p:grpSpPr>
-            <p:sp>
-              <p:nvSpPr>
-                <p:cNvPr id="93" name="Rectangle 92"/>
-                <p:cNvSpPr/>
-                <p:nvPr/>
-              </p:nvSpPr>
-              <p:spPr>
-                <a:xfrm>
-                  <a:off x="2919844" y="1937068"/>
-                  <a:ext cx="3709555" cy="3034146"/>
-                </a:xfrm>
-                <a:prstGeom prst="rect">
-                  <a:avLst/>
-                </a:prstGeom>
-                <a:solidFill>
-                  <a:schemeClr val="bg2">
-                    <a:lumMod val="50000"/>
-                    <a:alpha val="26000"/>
-                  </a:schemeClr>
-                </a:solidFill>
-                <a:ln>
-                  <a:noFill/>
-                </a:ln>
-              </p:spPr>
-              <p:style>
-                <a:lnRef idx="2">
-                  <a:schemeClr val="accent1">
-                    <a:shade val="50000"/>
-                  </a:schemeClr>
-                </a:lnRef>
-                <a:fillRef idx="1">
-                  <a:schemeClr val="accent1"/>
-                </a:fillRef>
-                <a:effectRef idx="0">
-                  <a:schemeClr val="accent1"/>
-                </a:effectRef>
-                <a:fontRef idx="minor">
-                  <a:schemeClr val="lt1"/>
-                </a:fontRef>
-              </p:style>
-              <p:txBody>
-                <a:bodyPr rtlCol="0" anchor="ctr"/>
-                <a:lstStyle/>
-                <a:p>
-                  <a:pPr algn="ctr"/>
-                  <a:endParaRPr lang="en-US"/>
-                </a:p>
-              </p:txBody>
-            </p:sp>
-            <p:cxnSp>
-              <p:nvCxnSpPr>
-                <p:cNvPr id="94" name="Straight Connector 93"/>
-                <p:cNvCxnSpPr/>
-                <p:nvPr/>
-              </p:nvCxnSpPr>
-              <p:spPr>
-                <a:xfrm>
-                  <a:off x="5628410" y="1937068"/>
-                  <a:ext cx="0" cy="3034146"/>
-                </a:xfrm>
-                <a:prstGeom prst="line">
-                  <a:avLst/>
-                </a:prstGeom>
-                <a:ln w="22225" cap="rnd">
-                  <a:solidFill>
-                    <a:schemeClr val="tx1">
-                      <a:lumMod val="50000"/>
-                      <a:lumOff val="50000"/>
-                    </a:schemeClr>
-                  </a:solidFill>
-                  <a:prstDash val="dash"/>
-                </a:ln>
-              </p:spPr>
-              <p:style>
-                <a:lnRef idx="1">
-                  <a:schemeClr val="accent1"/>
-                </a:lnRef>
-                <a:fillRef idx="0">
-                  <a:schemeClr val="accent1"/>
-                </a:fillRef>
-                <a:effectRef idx="0">
-                  <a:schemeClr val="accent1"/>
-                </a:effectRef>
-                <a:fontRef idx="minor">
-                  <a:schemeClr val="tx1"/>
-                </a:fontRef>
-              </p:style>
-            </p:cxnSp>
-          </p:grpSp>
-          <p:cxnSp>
-            <p:nvCxnSpPr>
-              <p:cNvPr id="80" name="Straight Connector 79"/>
-              <p:cNvCxnSpPr/>
-              <p:nvPr/>
-            </p:nvCxnSpPr>
-            <p:spPr>
-              <a:xfrm>
-                <a:off x="7927435" y="2689513"/>
-                <a:ext cx="0" cy="794416"/>
-              </a:xfrm>
-              <a:prstGeom prst="line">
-                <a:avLst/>
-              </a:prstGeom>
-              <a:ln w="38100" cap="rnd">
-                <a:solidFill>
-                  <a:srgbClr val="777777">
-                    <a:alpha val="70000"/>
-                  </a:srgbClr>
-                </a:solidFill>
-                <a:round/>
-              </a:ln>
-              <a:effectLst>
-                <a:outerShdw blurRad="50800" dist="38100" dir="2700000" algn="tl" rotWithShape="0">
-                  <a:prstClr val="black">
-                    <a:alpha val="40000"/>
-                  </a:prstClr>
-                </a:outerShdw>
-              </a:effectLst>
-            </p:spPr>
-            <p:style>
-              <a:lnRef idx="1">
-                <a:schemeClr val="accent1"/>
-              </a:lnRef>
-              <a:fillRef idx="0">
-                <a:schemeClr val="accent1"/>
-              </a:fillRef>
-              <a:effectRef idx="0">
-                <a:schemeClr val="accent1"/>
-              </a:effectRef>
-              <a:fontRef idx="minor">
-                <a:schemeClr val="tx1"/>
-              </a:fontRef>
-            </p:style>
-          </p:cxnSp>
-          <p:sp>
-            <p:nvSpPr>
-              <p:cNvPr id="81" name="Left Brace 80"/>
-              <p:cNvSpPr/>
-              <p:nvPr/>
-            </p:nvSpPr>
-            <p:spPr>
-              <a:xfrm rot="5400000">
-                <a:off x="3676969" y="840861"/>
-                <a:ext cx="56818" cy="2376369"/>
-              </a:xfrm>
-              <a:prstGeom prst="leftBrace">
-                <a:avLst>
-                  <a:gd name="adj1" fmla="val 40540"/>
-                  <a:gd name="adj2" fmla="val 50000"/>
-                </a:avLst>
-              </a:prstGeom>
-              <a:ln w="19050">
-                <a:solidFill>
-                  <a:schemeClr val="tx1">
-                    <a:lumMod val="50000"/>
-                    <a:lumOff val="50000"/>
-                  </a:schemeClr>
-                </a:solidFill>
-              </a:ln>
-            </p:spPr>
-            <p:style>
-              <a:lnRef idx="1">
-                <a:schemeClr val="accent1"/>
-              </a:lnRef>
-              <a:fillRef idx="0">
-                <a:schemeClr val="accent1"/>
-              </a:fillRef>
-              <a:effectRef idx="0">
-                <a:schemeClr val="accent1"/>
-              </a:effectRef>
-              <a:fontRef idx="minor">
-                <a:schemeClr val="tx1"/>
-              </a:fontRef>
-            </p:style>
-            <p:txBody>
-              <a:bodyPr rtlCol="0" anchor="ctr"/>
-              <a:lstStyle/>
-              <a:p>
-                <a:pPr algn="ctr"/>
-                <a:endParaRPr lang="en-US"/>
-              </a:p>
-            </p:txBody>
-          </p:sp>
-          <mc:AlternateContent xmlns:mc="http://schemas.openxmlformats.org/markup-compatibility/2006" xmlns:a14="http://schemas.microsoft.com/office/drawing/2010/main">
-            <mc:Choice Requires="a14">
-              <p:sp>
-                <p:nvSpPr>
-                  <p:cNvPr id="82" name="TextBox 81"/>
-                  <p:cNvSpPr txBox="1"/>
-                  <p:nvPr/>
-                </p:nvSpPr>
-                <p:spPr>
-                  <a:xfrm>
-                    <a:off x="3717999" y="1548409"/>
-                    <a:ext cx="2935563" cy="475387"/>
-                  </a:xfrm>
-                  <a:prstGeom prst="rect">
-                    <a:avLst/>
-                  </a:prstGeom>
-                  <a:noFill/>
-                </p:spPr>
-                <p:txBody>
-                  <a:bodyPr wrap="square" rtlCol="0">
-                    <a:spAutoFit/>
-                  </a:bodyPr>
-                  <a:lstStyle/>
-                  <a:p>
-                    <a14:m>
-                      <m:oMath xmlns:m="http://schemas.openxmlformats.org/officeDocument/2006/math">
-                        <m:sSup>
-                          <m:sSupPr>
-                            <m:ctrlPr>
-                              <a:rPr lang="en-US" sz="2400" i="1">
-                                <a:solidFill>
-                                  <a:srgbClr val="17B2B6"/>
-                                </a:solidFill>
-                                <a:latin typeface="Cambria Math" panose="02040503050406030204" pitchFamily="18" charset="0"/>
-                                <a:ea typeface="Segoe UI Symbol" pitchFamily="34" charset="0"/>
-                              </a:rPr>
-                            </m:ctrlPr>
-                          </m:sSupPr>
-                          <m:e>
-                            <m:r>
-                              <a:rPr lang="en-US" sz="2400">
-                                <a:solidFill>
-                                  <a:srgbClr val="17B2B6"/>
-                                </a:solidFill>
-                                <a:latin typeface="Cambria Math" panose="02040503050406030204" pitchFamily="18" charset="0"/>
-                                <a:ea typeface="Segoe UI Symbol" pitchFamily="34" charset="0"/>
-                              </a:rPr>
-                              <m:t>𝑖</m:t>
-                            </m:r>
-                          </m:e>
-                          <m:sup>
-                            <m:r>
-                              <a:rPr lang="en-US" sz="2400">
-                                <a:solidFill>
-                                  <a:srgbClr val="17B2B6"/>
-                                </a:solidFill>
-                                <a:latin typeface="Cambria Math" panose="02040503050406030204" pitchFamily="18" charset="0"/>
-                                <a:ea typeface="Segoe UI Symbol" pitchFamily="34" charset="0"/>
-                              </a:rPr>
-                              <m:t>𝑡h</m:t>
-                            </m:r>
-                          </m:sup>
-                        </m:sSup>
-                      </m:oMath>
-                    </a14:m>
-                    <a:r>
-                      <a:rPr lang="en-US" sz="2400" dirty="0">
-                        <a:solidFill>
-                          <a:srgbClr val="17B2B6"/>
-                        </a:solidFill>
-                        <a:latin typeface="Euclid" panose="02020503060505020303" pitchFamily="18" charset="0"/>
-                        <a:ea typeface="Segoe UI Symbol" pitchFamily="34" charset="0"/>
-                      </a:rPr>
-                      <a:t> depth of field</a:t>
-                    </a:r>
-                  </a:p>
-                </p:txBody>
-              </p:sp>
-            </mc:Choice>
-            <mc:Fallback xmlns="">
-              <p:sp>
-                <p:nvSpPr>
-                  <p:cNvPr id="82" name="TextBox 81"/>
-                  <p:cNvSpPr txBox="1">
-                    <a:spLocks noRot="1" noChangeAspect="1" noMove="1" noResize="1" noEditPoints="1" noAdjustHandles="1" noChangeArrowheads="1" noChangeShapeType="1" noTextEdit="1"/>
-                  </p:cNvSpPr>
-                  <p:nvPr/>
-                </p:nvSpPr>
-                <p:spPr>
-                  <a:xfrm>
-                    <a:off x="3717999" y="1548409"/>
-                    <a:ext cx="2935563" cy="475387"/>
-                  </a:xfrm>
-                  <a:prstGeom prst="rect">
-                    <a:avLst/>
-                  </a:prstGeom>
-                  <a:blipFill>
-                    <a:blip r:embed="rId6"/>
-                    <a:stretch>
-                      <a:fillRect l="-624" t="-6410" b="-29487"/>
-                    </a:stretch>
-                  </a:blipFill>
-                </p:spPr>
-                <p:txBody>
-                  <a:bodyPr/>
-                  <a:lstStyle/>
-                  <a:p>
-                    <a:r>
-                      <a:rPr lang="en-US">
-                        <a:noFill/>
-                      </a:rPr>
-                      <a:t> </a:t>
-                    </a:r>
-                  </a:p>
-                </p:txBody>
-              </p:sp>
-            </mc:Fallback>
-          </mc:AlternateContent>
-          <p:grpSp>
-            <p:nvGrpSpPr>
-              <p:cNvPr id="83" name="Group 82"/>
-              <p:cNvGrpSpPr/>
-              <p:nvPr/>
-            </p:nvGrpSpPr>
-            <p:grpSpPr>
-              <a:xfrm>
-                <a:off x="6557946" y="3056651"/>
-                <a:ext cx="44768" cy="72822"/>
-                <a:chOff x="8768259" y="3378704"/>
-                <a:chExt cx="69421" cy="112925"/>
-              </a:xfrm>
-            </p:grpSpPr>
-            <p:cxnSp>
-              <p:nvCxnSpPr>
-                <p:cNvPr id="90" name="Straight Connector 89"/>
-                <p:cNvCxnSpPr/>
-                <p:nvPr/>
-              </p:nvCxnSpPr>
-              <p:spPr>
-                <a:xfrm rot="1980000">
-                  <a:off x="8807947" y="3378704"/>
-                  <a:ext cx="0" cy="104351"/>
-                </a:xfrm>
-                <a:prstGeom prst="line">
-                  <a:avLst/>
-                </a:prstGeom>
-                <a:ln w="41275" cap="sq">
-                  <a:solidFill>
-                    <a:schemeClr val="bg1"/>
-                  </a:solidFill>
-                </a:ln>
-              </p:spPr>
-              <p:style>
-                <a:lnRef idx="1">
-                  <a:schemeClr val="dk1"/>
-                </a:lnRef>
-                <a:fillRef idx="0">
-                  <a:schemeClr val="dk1"/>
-                </a:fillRef>
-                <a:effectRef idx="0">
-                  <a:schemeClr val="dk1"/>
-                </a:effectRef>
-                <a:fontRef idx="minor">
-                  <a:schemeClr val="tx1"/>
-                </a:fontRef>
-              </p:style>
-            </p:cxnSp>
-            <p:cxnSp>
-              <p:nvCxnSpPr>
-                <p:cNvPr id="91" name="Straight Connector 90"/>
-                <p:cNvCxnSpPr/>
-                <p:nvPr/>
-              </p:nvCxnSpPr>
-              <p:spPr>
-                <a:xfrm rot="1980000">
-                  <a:off x="8768259" y="3382673"/>
-                  <a:ext cx="0" cy="104351"/>
-                </a:xfrm>
-                <a:prstGeom prst="line">
-                  <a:avLst/>
-                </a:prstGeom>
-                <a:ln w="22225" cap="sq">
-                  <a:solidFill>
-                    <a:srgbClr val="F5504E"/>
-                  </a:solidFill>
-                </a:ln>
-              </p:spPr>
-              <p:style>
-                <a:lnRef idx="1">
-                  <a:schemeClr val="dk1"/>
-                </a:lnRef>
-                <a:fillRef idx="0">
-                  <a:schemeClr val="dk1"/>
-                </a:fillRef>
-                <a:effectRef idx="0">
-                  <a:schemeClr val="dk1"/>
-                </a:effectRef>
-                <a:fontRef idx="minor">
-                  <a:schemeClr val="tx1"/>
-                </a:fontRef>
-              </p:style>
-            </p:cxnSp>
-            <p:cxnSp>
-              <p:nvCxnSpPr>
-                <p:cNvPr id="92" name="Straight Connector 91"/>
-                <p:cNvCxnSpPr/>
-                <p:nvPr/>
-              </p:nvCxnSpPr>
-              <p:spPr>
-                <a:xfrm rot="1980000">
-                  <a:off x="8837680" y="3387278"/>
-                  <a:ext cx="0" cy="104351"/>
-                </a:xfrm>
-                <a:prstGeom prst="line">
-                  <a:avLst/>
-                </a:prstGeom>
-                <a:ln w="22225" cap="sq">
-                  <a:solidFill>
-                    <a:srgbClr val="F5504E"/>
-                  </a:solidFill>
-                </a:ln>
-              </p:spPr>
-              <p:style>
-                <a:lnRef idx="1">
-                  <a:schemeClr val="dk1"/>
-                </a:lnRef>
-                <a:fillRef idx="0">
-                  <a:schemeClr val="dk1"/>
-                </a:fillRef>
-                <a:effectRef idx="0">
-                  <a:schemeClr val="dk1"/>
-                </a:effectRef>
-                <a:fontRef idx="minor">
-                  <a:schemeClr val="tx1"/>
-                </a:fontRef>
-              </p:style>
-            </p:cxnSp>
-          </p:grpSp>
-          <p:grpSp>
-            <p:nvGrpSpPr>
-              <p:cNvPr id="84" name="Group 83"/>
-              <p:cNvGrpSpPr/>
-              <p:nvPr/>
-            </p:nvGrpSpPr>
-            <p:grpSpPr>
-              <a:xfrm>
-                <a:off x="7882588" y="3556044"/>
-                <a:ext cx="274320" cy="214562"/>
-                <a:chOff x="7857188" y="2413044"/>
-                <a:chExt cx="274320" cy="214562"/>
-              </a:xfrm>
-            </p:grpSpPr>
-            <p:sp>
-              <p:nvSpPr>
-                <p:cNvPr id="88" name="Right Arrow 87"/>
-                <p:cNvSpPr/>
-                <p:nvPr/>
-              </p:nvSpPr>
-              <p:spPr>
-                <a:xfrm flipH="1">
-                  <a:off x="7857188" y="2413044"/>
-                  <a:ext cx="274320" cy="214562"/>
-                </a:xfrm>
-                <a:prstGeom prst="rightArrow">
-                  <a:avLst/>
-                </a:prstGeom>
-                <a:solidFill>
-                  <a:srgbClr val="FFC000"/>
-                </a:solidFill>
-                <a:ln>
-                  <a:noFill/>
-                </a:ln>
-              </p:spPr>
-              <p:style>
-                <a:lnRef idx="2">
-                  <a:schemeClr val="accent1">
-                    <a:shade val="50000"/>
-                  </a:schemeClr>
-                </a:lnRef>
-                <a:fillRef idx="1">
-                  <a:schemeClr val="accent1"/>
-                </a:fillRef>
-                <a:effectRef idx="0">
-                  <a:schemeClr val="accent1"/>
-                </a:effectRef>
-                <a:fontRef idx="minor">
-                  <a:schemeClr val="lt1"/>
-                </a:fontRef>
-              </p:style>
-              <p:txBody>
-                <a:bodyPr rtlCol="0" anchor="ctr"/>
-                <a:lstStyle/>
-                <a:p>
-                  <a:pPr algn="ctr"/>
-                  <a:endParaRPr lang="en-US">
-                    <a:solidFill>
-                      <a:srgbClr val="FFC000"/>
-                    </a:solidFill>
-                  </a:endParaRPr>
-                </a:p>
-              </p:txBody>
-            </p:sp>
-            <p:cxnSp>
-              <p:nvCxnSpPr>
-                <p:cNvPr id="89" name="Straight Connector 88"/>
-                <p:cNvCxnSpPr/>
-                <p:nvPr/>
-              </p:nvCxnSpPr>
-              <p:spPr>
-                <a:xfrm>
-                  <a:off x="8083920" y="2432026"/>
-                  <a:ext cx="0" cy="182880"/>
-                </a:xfrm>
-                <a:prstGeom prst="line">
-                  <a:avLst/>
-                </a:prstGeom>
-                <a:ln w="38100">
-                  <a:solidFill>
-                    <a:schemeClr val="bg1"/>
-                  </a:solidFill>
-                </a:ln>
-              </p:spPr>
-              <p:style>
-                <a:lnRef idx="1">
-                  <a:schemeClr val="accent1"/>
-                </a:lnRef>
-                <a:fillRef idx="0">
-                  <a:schemeClr val="accent1"/>
-                </a:fillRef>
-                <a:effectRef idx="0">
-                  <a:schemeClr val="accent1"/>
-                </a:effectRef>
-                <a:fontRef idx="minor">
-                  <a:schemeClr val="tx1"/>
-                </a:fontRef>
-              </p:style>
-            </p:cxnSp>
-          </p:grpSp>
-          <p:sp>
-            <p:nvSpPr>
-              <p:cNvPr id="85" name="TextBox 84"/>
-              <p:cNvSpPr txBox="1"/>
-              <p:nvPr/>
-            </p:nvSpPr>
-            <p:spPr>
-              <a:xfrm>
-                <a:off x="7669710" y="2331302"/>
-                <a:ext cx="697627" cy="400110"/>
-              </a:xfrm>
-              <a:prstGeom prst="rect">
-                <a:avLst/>
-              </a:prstGeom>
-              <a:noFill/>
-            </p:spPr>
-            <p:txBody>
-              <a:bodyPr wrap="none" rtlCol="0">
-                <a:spAutoFit/>
-              </a:bodyPr>
-              <a:lstStyle/>
-              <a:p>
-                <a:r>
-                  <a:rPr lang="en-US" sz="2000" dirty="0">
-                    <a:solidFill>
-                      <a:schemeClr val="tx1">
-                        <a:lumMod val="75000"/>
-                        <a:lumOff val="25000"/>
-                      </a:schemeClr>
-                    </a:solidFill>
-                    <a:latin typeface="Euclid" panose="02020503060505020303" pitchFamily="18" charset="0"/>
-                  </a:rPr>
-                  <a:t>5…1</a:t>
-                </a:r>
-              </a:p>
-            </p:txBody>
-          </p:sp>
-          <p:sp>
-            <p:nvSpPr>
-              <p:cNvPr id="86" name="TextBox 85"/>
-              <p:cNvSpPr txBox="1"/>
-              <p:nvPr/>
-            </p:nvSpPr>
-            <p:spPr>
-              <a:xfrm>
-                <a:off x="5999850" y="4050532"/>
-                <a:ext cx="312905" cy="400110"/>
-              </a:xfrm>
-              <a:prstGeom prst="rect">
-                <a:avLst/>
-              </a:prstGeom>
-              <a:noFill/>
-            </p:spPr>
-            <p:txBody>
-              <a:bodyPr wrap="none" rtlCol="0">
-                <a:spAutoFit/>
-              </a:bodyPr>
-              <a:lstStyle/>
-              <a:p>
-                <a:r>
-                  <a:rPr lang="en-US" sz="2000" dirty="0">
-                    <a:solidFill>
-                      <a:schemeClr val="tx1">
-                        <a:lumMod val="75000"/>
-                        <a:lumOff val="25000"/>
-                      </a:schemeClr>
-                    </a:solidFill>
-                    <a:latin typeface="Euclid" panose="02020503060505020303" pitchFamily="18" charset="0"/>
-                  </a:rPr>
-                  <a:t>1</a:t>
-                </a:r>
-              </a:p>
-            </p:txBody>
-          </p:sp>
-          <p:sp>
-            <p:nvSpPr>
-              <p:cNvPr id="87" name="TextBox 86"/>
-              <p:cNvSpPr txBox="1"/>
-              <p:nvPr/>
-            </p:nvSpPr>
-            <p:spPr>
-              <a:xfrm>
-                <a:off x="4096723" y="4050532"/>
-                <a:ext cx="312905" cy="400110"/>
-              </a:xfrm>
-              <a:prstGeom prst="rect">
-                <a:avLst/>
-              </a:prstGeom>
-              <a:noFill/>
-            </p:spPr>
-            <p:txBody>
-              <a:bodyPr wrap="none" rtlCol="0">
-                <a:spAutoFit/>
-              </a:bodyPr>
-              <a:lstStyle/>
-              <a:p>
-                <a:r>
-                  <a:rPr lang="en-US" sz="2000" dirty="0">
-                    <a:solidFill>
-                      <a:schemeClr val="tx1">
-                        <a:lumMod val="75000"/>
-                        <a:lumOff val="25000"/>
-                      </a:schemeClr>
-                    </a:solidFill>
-                    <a:latin typeface="Euclid" panose="02020503060505020303" pitchFamily="18" charset="0"/>
-                  </a:rPr>
-                  <a:t>5</a:t>
-                </a:r>
-              </a:p>
-            </p:txBody>
-          </p:sp>
-        </p:grpSp>
-      </p:grpSp>
+                <a:latin typeface="Euclid" panose="02020503060505020303" pitchFamily="18" charset="0"/>
+                <a:ea typeface="Segoe UI Symbol" pitchFamily="34" charset="0"/>
+              </a:rPr>
+              <a:t>still limited. While focus stacking benefits from juxtaposing multiple DOF regions, significant portions of each DOF region extends beyond the field-of-view of the imager resulting in suboptimal utilization. We present a method for creating omnifocus images, building on the essential elements from Scheimpflug imaging and focus stacking, which consists of compositing from a stack of images obtained under multiple lens rotations. </a:t>
+            </a:r>
+          </a:p>
+        </p:txBody>
+      </p:sp>
     </p:spTree>
     <p:extLst>
       <p:ext uri="{BB962C8B-B14F-4D97-AF65-F5344CB8AC3E}">

--- a/talks/imaging_applied_optics_2016/poster_individual_sections.pptx
+++ b/talks/imaging_applied_optics_2016/poster_individual_sections.pptx
@@ -277,7 +277,7 @@
           <a:p>
             <a:fld id="{AB05826E-4202-4861-8C2F-7E8DE4A009A1}" type="datetimeFigureOut">
               <a:rPr lang="en-US" smtClean="0"/>
-              <a:t>7/25/2016</a:t>
+              <a:t>10/26/2016</a:t>
             </a:fld>
             <a:endParaRPr lang="en-US"/>
           </a:p>
@@ -770,7 +770,7 @@
           <a:p>
             <a:fld id="{9D9501FF-ABFD-4A20-9D6D-E502A59752B5}" type="datetimeFigureOut">
               <a:rPr lang="en-US" smtClean="0"/>
-              <a:t>7/25/2016</a:t>
+              <a:t>10/26/2016</a:t>
             </a:fld>
             <a:endParaRPr lang="en-US"/>
           </a:p>
@@ -938,7 +938,7 @@
           <a:p>
             <a:fld id="{9D9501FF-ABFD-4A20-9D6D-E502A59752B5}" type="datetimeFigureOut">
               <a:rPr lang="en-US" smtClean="0"/>
-              <a:t>7/25/2016</a:t>
+              <a:t>10/26/2016</a:t>
             </a:fld>
             <a:endParaRPr lang="en-US"/>
           </a:p>
@@ -1116,7 +1116,7 @@
           <a:p>
             <a:fld id="{9D9501FF-ABFD-4A20-9D6D-E502A59752B5}" type="datetimeFigureOut">
               <a:rPr lang="en-US" smtClean="0"/>
-              <a:t>7/25/2016</a:t>
+              <a:t>10/26/2016</a:t>
             </a:fld>
             <a:endParaRPr lang="en-US"/>
           </a:p>
@@ -1284,7 +1284,7 @@
           <a:p>
             <a:fld id="{9D9501FF-ABFD-4A20-9D6D-E502A59752B5}" type="datetimeFigureOut">
               <a:rPr lang="en-US" smtClean="0"/>
-              <a:t>7/25/2016</a:t>
+              <a:t>10/26/2016</a:t>
             </a:fld>
             <a:endParaRPr lang="en-US"/>
           </a:p>
@@ -1529,7 +1529,7 @@
           <a:p>
             <a:fld id="{9D9501FF-ABFD-4A20-9D6D-E502A59752B5}" type="datetimeFigureOut">
               <a:rPr lang="en-US" smtClean="0"/>
-              <a:t>7/25/2016</a:t>
+              <a:t>10/26/2016</a:t>
             </a:fld>
             <a:endParaRPr lang="en-US"/>
           </a:p>
@@ -1758,7 +1758,7 @@
           <a:p>
             <a:fld id="{9D9501FF-ABFD-4A20-9D6D-E502A59752B5}" type="datetimeFigureOut">
               <a:rPr lang="en-US" smtClean="0"/>
-              <a:t>7/25/2016</a:t>
+              <a:t>10/26/2016</a:t>
             </a:fld>
             <a:endParaRPr lang="en-US"/>
           </a:p>
@@ -2122,7 +2122,7 @@
           <a:p>
             <a:fld id="{9D9501FF-ABFD-4A20-9D6D-E502A59752B5}" type="datetimeFigureOut">
               <a:rPr lang="en-US" smtClean="0"/>
-              <a:t>7/25/2016</a:t>
+              <a:t>10/26/2016</a:t>
             </a:fld>
             <a:endParaRPr lang="en-US"/>
           </a:p>
@@ -2239,7 +2239,7 @@
           <a:p>
             <a:fld id="{9D9501FF-ABFD-4A20-9D6D-E502A59752B5}" type="datetimeFigureOut">
               <a:rPr lang="en-US" smtClean="0"/>
-              <a:t>7/25/2016</a:t>
+              <a:t>10/26/2016</a:t>
             </a:fld>
             <a:endParaRPr lang="en-US"/>
           </a:p>
@@ -2334,7 +2334,7 @@
           <a:p>
             <a:fld id="{9D9501FF-ABFD-4A20-9D6D-E502A59752B5}" type="datetimeFigureOut">
               <a:rPr lang="en-US" smtClean="0"/>
-              <a:t>7/25/2016</a:t>
+              <a:t>10/26/2016</a:t>
             </a:fld>
             <a:endParaRPr lang="en-US"/>
           </a:p>
@@ -2609,7 +2609,7 @@
           <a:p>
             <a:fld id="{9D9501FF-ABFD-4A20-9D6D-E502A59752B5}" type="datetimeFigureOut">
               <a:rPr lang="en-US" smtClean="0"/>
-              <a:t>7/25/2016</a:t>
+              <a:t>10/26/2016</a:t>
             </a:fld>
             <a:endParaRPr lang="en-US"/>
           </a:p>
@@ -2864,7 +2864,7 @@
           <a:p>
             <a:fld id="{9D9501FF-ABFD-4A20-9D6D-E502A59752B5}" type="datetimeFigureOut">
               <a:rPr lang="en-US" smtClean="0"/>
-              <a:t>7/25/2016</a:t>
+              <a:t>10/26/2016</a:t>
             </a:fld>
             <a:endParaRPr lang="en-US"/>
           </a:p>
@@ -3078,7 +3078,7 @@
           <a:p>
             <a:fld id="{9D9501FF-ABFD-4A20-9D6D-E502A59752B5}" type="datetimeFigureOut">
               <a:rPr lang="en-US" smtClean="0"/>
-              <a:t>7/25/2016</a:t>
+              <a:t>10/26/2016</a:t>
             </a:fld>
             <a:endParaRPr lang="en-US"/>
           </a:p>
@@ -7087,7 +7087,7 @@
         </p:nvSpPr>
         <p:spPr bwMode="auto">
           <a:xfrm>
-            <a:off x="213524" y="11509683"/>
+            <a:off x="213524" y="12517383"/>
             <a:ext cx="19903276" cy="3288264"/>
           </a:xfrm>
           <a:prstGeom prst="rect">
@@ -7125,33 +7125,7 @@
                 <a:latin typeface="Euclid" panose="02020503060505020303" pitchFamily="18" charset="0"/>
                 <a:ea typeface="Segoe UI Symbol" pitchFamily="34" charset="0"/>
               </a:rPr>
-              <a:t>Although the plane of sharp focus can be oriented to maximize focus on a tilted plane in Scheimpflug imaging, its </a:t>
-            </a:r>
-            <a:r>
-              <a:rPr lang="en-US" sz="3200">
-                <a:solidFill>
-                  <a:schemeClr val="tx1">
-                    <a:lumMod val="75000"/>
-                    <a:lumOff val="25000"/>
-                  </a:schemeClr>
-                </a:solidFill>
-                <a:latin typeface="Euclid" panose="02020503060505020303" pitchFamily="18" charset="0"/>
-                <a:ea typeface="Segoe UI Symbol" pitchFamily="34" charset="0"/>
-              </a:rPr>
-              <a:t>DOF is </a:t>
-            </a:r>
-            <a:r>
-              <a:rPr lang="en-US" sz="3200">
-                <a:solidFill>
-                  <a:schemeClr val="tx1">
-                    <a:lumMod val="75000"/>
-                    <a:lumOff val="25000"/>
-                  </a:schemeClr>
-                </a:solidFill>
-                <a:latin typeface="Euclid" panose="02020503060505020303" pitchFamily="18" charset="0"/>
-                <a:ea typeface="Segoe UI Symbol" pitchFamily="34" charset="0"/>
-              </a:rPr>
-              <a:t>still limited. While focus stacking benefits from juxtaposing multiple DOF regions, significant portions of each DOF region extends beyond the field-of-view of the imager resulting in suboptimal utilization. We present a method for creating omnifocus images, building on the essential elements from Scheimpflug imaging and focus stacking, which consists of compositing from a stack of images obtained under multiple lens rotations. </a:t>
+              <a:t>Although the plane of sharp focus can be oriented to maximize focus on a tilted plane in Scheimpflug imaging, its DOF is still limited. While focus stacking benefits from juxtaposing multiple DOF regions, significant portions of each DOF region extends beyond the field-of-view of the imager resulting in suboptimal utilization. We present a method for creating omnifocus images, building on the essential elements from Scheimpflug imaging and focus stacking, which consists of compositing from a stack of images obtained under multiple lens rotations. </a:t>
             </a:r>
           </a:p>
         </p:txBody>
